--- a/GATOR_Sunum.pptx
+++ b/GATOR_Sunum.pptx
@@ -5,7 +5,7 @@
     <p:sldMasterId id="2147483648" r:id="rId1"/>
   </p:sldMasterIdLst>
   <p:notesMasterIdLst>
-    <p:notesMasterId r:id="rId16"/>
+    <p:notesMasterId r:id="rId18"/>
   </p:notesMasterIdLst>
   <p:sldIdLst>
     <p:sldId id="256" r:id="rId2"/>
@@ -21,7 +21,9 @@
     <p:sldId id="261" r:id="rId12"/>
     <p:sldId id="269" r:id="rId13"/>
     <p:sldId id="270" r:id="rId14"/>
-    <p:sldId id="262" r:id="rId15"/>
+    <p:sldId id="271" r:id="rId15"/>
+    <p:sldId id="272" r:id="rId16"/>
+    <p:sldId id="262" r:id="rId17"/>
   </p:sldIdLst>
   <p:sldSz cx="10083800" cy="5676900"/>
   <p:notesSz cx="10083800" cy="5676900"/>
@@ -711,7 +713,7 @@
           <a:p>
             <a:fld id="{1D8BD707-D9CF-40AE-B4C6-C98DA3205C09}" type="datetimeFigureOut">
               <a:rPr lang="en-US"/>
-              <a:t>4/5/2023</a:t>
+              <a:t>4/5/23</a:t>
             </a:fld>
             <a:endParaRPr lang="en-US"/>
           </a:p>
@@ -899,7 +901,7 @@
           <a:p>
             <a:fld id="{1D8BD707-D9CF-40AE-B4C6-C98DA3205C09}" type="datetimeFigureOut">
               <a:rPr lang="en-US"/>
-              <a:t>4/5/2023</a:t>
+              <a:t>4/5/23</a:t>
             </a:fld>
             <a:endParaRPr lang="en-US"/>
           </a:p>
@@ -1122,7 +1124,7 @@
           <a:p>
             <a:fld id="{1D8BD707-D9CF-40AE-B4C6-C98DA3205C09}" type="datetimeFigureOut">
               <a:rPr lang="en-US"/>
-              <a:t>4/5/2023</a:t>
+              <a:t>4/5/23</a:t>
             </a:fld>
             <a:endParaRPr lang="en-US"/>
           </a:p>
@@ -1279,7 +1281,7 @@
           <a:p>
             <a:fld id="{1D8BD707-D9CF-40AE-B4C6-C98DA3205C09}" type="datetimeFigureOut">
               <a:rPr lang="en-US"/>
-              <a:t>4/5/2023</a:t>
+              <a:t>4/5/23</a:t>
             </a:fld>
             <a:endParaRPr lang="en-US"/>
           </a:p>
@@ -1407,7 +1409,7 @@
           <a:p>
             <a:fld id="{1D8BD707-D9CF-40AE-B4C6-C98DA3205C09}" type="datetimeFigureOut">
               <a:rPr lang="en-US"/>
-              <a:t>4/5/2023</a:t>
+              <a:t>4/5/23</a:t>
             </a:fld>
             <a:endParaRPr lang="en-US"/>
           </a:p>
@@ -1977,7 +1979,7 @@
           <a:p>
             <a:fld id="{1D8BD707-D9CF-40AE-B4C6-C98DA3205C09}" type="datetimeFigureOut">
               <a:rPr lang="en-US"/>
-              <a:t>4/5/2023</a:t>
+              <a:t>4/5/23</a:t>
             </a:fld>
             <a:endParaRPr lang="en-US"/>
           </a:p>
@@ -3804,7 +3806,7 @@
           <a:p>
             <a:pPr algn="ctr"/>
             <a:r>
-              <a:rPr lang="tr-TR" sz="2400">
+              <a:rPr lang="tr-TR" sz="2400" dirty="0">
                 <a:latin typeface="Verdana" panose="020B0604030504040204" pitchFamily="34" charset="0"/>
                 <a:ea typeface="Verdana" panose="020B0604030504040204" pitchFamily="34" charset="0"/>
               </a:rPr>
@@ -3967,6 +3969,420 @@
           <p:cNvPr id="2" name="Başlık 1">
             <a:extLst>
               <a:ext uri="{FF2B5EF4-FFF2-40B4-BE49-F238E27FC236}">
+                <a16:creationId xmlns:a16="http://schemas.microsoft.com/office/drawing/2014/main" id="{1875D66F-3A33-6847-75D6-6BB8597CB8F7}"/>
+              </a:ext>
+            </a:extLst>
+          </p:cNvPr>
+          <p:cNvSpPr>
+            <a:spLocks noGrp="1"/>
+          </p:cNvSpPr>
+          <p:nvPr>
+            <p:ph type="title"/>
+          </p:nvPr>
+        </p:nvSpPr>
+        <p:spPr/>
+        <p:txBody>
+          <a:bodyPr/>
+          <a:lstStyle/>
+          <a:p>
+            <a:endParaRPr lang="tr-TR"/>
+          </a:p>
+        </p:txBody>
+      </p:sp>
+      <p:pic>
+        <p:nvPicPr>
+          <p:cNvPr id="3" name="videogator">
+            <a:hlinkClick r:id="" action="ppaction://media"/>
+            <a:extLst>
+              <a:ext uri="{FF2B5EF4-FFF2-40B4-BE49-F238E27FC236}">
+                <a16:creationId xmlns:a16="http://schemas.microsoft.com/office/drawing/2014/main" id="{67AFB643-82E1-859C-C1E1-9B64B157DEBF}"/>
+              </a:ext>
+            </a:extLst>
+          </p:cNvPr>
+          <p:cNvPicPr>
+            <a:picLocks noChangeAspect="1"/>
+          </p:cNvPicPr>
+          <p:nvPr>
+            <a:videoFile r:link="rId2"/>
+            <p:extLst>
+              <p:ext uri="{DAA4B4D4-6D71-4841-9C94-3DE7FCFB9230}">
+                <p14:media xmlns:p14="http://schemas.microsoft.com/office/powerpoint/2010/main" r:embed="rId1"/>
+              </p:ext>
+            </p:extLst>
+          </p:nvPr>
+        </p:nvPicPr>
+        <p:blipFill>
+          <a:blip r:embed="rId4"/>
+          <a:stretch>
+            <a:fillRect/>
+          </a:stretch>
+        </p:blipFill>
+        <p:spPr>
+          <a:xfrm>
+            <a:off x="9525" y="3175"/>
+            <a:ext cx="10083800" cy="5672138"/>
+          </a:xfrm>
+          <a:prstGeom prst="rect">
+            <a:avLst/>
+          </a:prstGeom>
+        </p:spPr>
+      </p:pic>
+    </p:spTree>
+    <p:extLst>
+      <p:ext uri="{BB962C8B-B14F-4D97-AF65-F5344CB8AC3E}">
+        <p14:creationId xmlns:p14="http://schemas.microsoft.com/office/powerpoint/2010/main" val="1685210210"/>
+      </p:ext>
+    </p:extLst>
+  </p:cSld>
+  <p:clrMapOvr>
+    <a:masterClrMapping/>
+  </p:clrMapOvr>
+  <p:timing>
+    <p:tnLst>
+      <p:par>
+        <p:cTn id="1" dur="indefinite" restart="never" nodeType="tmRoot">
+          <p:childTnLst>
+            <p:seq concurrent="1" nextAc="seek">
+              <p:cTn id="2" dur="indefinite" nodeType="mainSeq">
+                <p:childTnLst>
+                  <p:par>
+                    <p:cTn id="3" fill="hold">
+                      <p:stCondLst>
+                        <p:cond delay="indefinite"/>
+                      </p:stCondLst>
+                      <p:childTnLst>
+                        <p:par>
+                          <p:cTn id="4" fill="hold">
+                            <p:stCondLst>
+                              <p:cond delay="0"/>
+                            </p:stCondLst>
+                            <p:childTnLst>
+                              <p:par>
+                                <p:cTn id="5" presetID="1" presetClass="mediacall" presetSubtype="0" fill="hold" nodeType="clickEffect">
+                                  <p:stCondLst>
+                                    <p:cond delay="0"/>
+                                  </p:stCondLst>
+                                  <p:childTnLst>
+                                    <p:cmd type="call" cmd="playFrom(0.0)">
+                                      <p:cBhvr>
+                                        <p:cTn id="6" dur="23000" fill="hold"/>
+                                        <p:tgtEl>
+                                          <p:spTgt spid="3"/>
+                                        </p:tgtEl>
+                                      </p:cBhvr>
+                                    </p:cmd>
+                                  </p:childTnLst>
+                                </p:cTn>
+                              </p:par>
+                            </p:childTnLst>
+                          </p:cTn>
+                        </p:par>
+                      </p:childTnLst>
+                    </p:cTn>
+                  </p:par>
+                </p:childTnLst>
+              </p:cTn>
+              <p:prevCondLst>
+                <p:cond evt="onPrev" delay="0">
+                  <p:tgtEl>
+                    <p:sldTgt/>
+                  </p:tgtEl>
+                </p:cond>
+              </p:prevCondLst>
+              <p:nextCondLst>
+                <p:cond evt="onNext" delay="0">
+                  <p:tgtEl>
+                    <p:sldTgt/>
+                  </p:tgtEl>
+                </p:cond>
+              </p:nextCondLst>
+            </p:seq>
+            <p:video>
+              <p:cMediaNode vol="80000">
+                <p:cTn id="7" fill="hold" display="0">
+                  <p:stCondLst>
+                    <p:cond delay="indefinite"/>
+                  </p:stCondLst>
+                </p:cTn>
+                <p:tgtEl>
+                  <p:spTgt spid="3"/>
+                </p:tgtEl>
+              </p:cMediaNode>
+            </p:video>
+            <p:seq concurrent="1" nextAc="seek">
+              <p:cTn id="8" restart="whenNotActive" fill="hold" evtFilter="cancelBubble" nodeType="interactiveSeq">
+                <p:stCondLst>
+                  <p:cond evt="onClick" delay="0">
+                    <p:tgtEl>
+                      <p:spTgt spid="3"/>
+                    </p:tgtEl>
+                  </p:cond>
+                </p:stCondLst>
+                <p:endSync evt="end" delay="0">
+                  <p:rtn val="all"/>
+                </p:endSync>
+                <p:childTnLst>
+                  <p:par>
+                    <p:cTn id="9" fill="hold">
+                      <p:stCondLst>
+                        <p:cond delay="0"/>
+                      </p:stCondLst>
+                      <p:childTnLst>
+                        <p:par>
+                          <p:cTn id="10" fill="hold">
+                            <p:stCondLst>
+                              <p:cond delay="0"/>
+                            </p:stCondLst>
+                            <p:childTnLst>
+                              <p:par>
+                                <p:cTn id="11" presetID="2" presetClass="mediacall" presetSubtype="0" fill="hold" nodeType="clickEffect">
+                                  <p:stCondLst>
+                                    <p:cond delay="0"/>
+                                  </p:stCondLst>
+                                  <p:childTnLst>
+                                    <p:cmd type="call" cmd="togglePause">
+                                      <p:cBhvr>
+                                        <p:cTn id="12" dur="1" fill="hold"/>
+                                        <p:tgtEl>
+                                          <p:spTgt spid="3"/>
+                                        </p:tgtEl>
+                                      </p:cBhvr>
+                                    </p:cmd>
+                                  </p:childTnLst>
+                                </p:cTn>
+                              </p:par>
+                            </p:childTnLst>
+                          </p:cTn>
+                        </p:par>
+                      </p:childTnLst>
+                    </p:cTn>
+                  </p:par>
+                </p:childTnLst>
+              </p:cTn>
+              <p:nextCondLst>
+                <p:cond evt="onClick" delay="0">
+                  <p:tgtEl>
+                    <p:spTgt spid="3"/>
+                  </p:tgtEl>
+                </p:cond>
+              </p:nextCondLst>
+            </p:seq>
+          </p:childTnLst>
+        </p:cTn>
+      </p:par>
+    </p:tnLst>
+  </p:timing>
+</p:sld>
+</file>
+
+<file path=ppt/slides/slide15.xml><?xml version="1.0" encoding="utf-8"?>
+<p:sld xmlns:a="http://schemas.openxmlformats.org/drawingml/2006/main" xmlns:r="http://schemas.openxmlformats.org/officeDocument/2006/relationships" xmlns:p="http://schemas.openxmlformats.org/presentationml/2006/main">
+  <p:cSld>
+    <p:spTree>
+      <p:nvGrpSpPr>
+        <p:cNvPr id="1" name=""/>
+        <p:cNvGrpSpPr/>
+        <p:nvPr/>
+      </p:nvGrpSpPr>
+      <p:grpSpPr>
+        <a:xfrm>
+          <a:off x="0" y="0"/>
+          <a:ext cx="0" cy="0"/>
+          <a:chOff x="0" y="0"/>
+          <a:chExt cx="0" cy="0"/>
+        </a:xfrm>
+      </p:grpSpPr>
+      <p:pic>
+        <p:nvPicPr>
+          <p:cNvPr id="4" name="Resim 3">
+            <a:extLst>
+              <a:ext uri="{FF2B5EF4-FFF2-40B4-BE49-F238E27FC236}">
+                <a16:creationId xmlns:a16="http://schemas.microsoft.com/office/drawing/2014/main" id="{F6D6A434-6C58-22D3-0932-1C93215E90C6}"/>
+              </a:ext>
+            </a:extLst>
+          </p:cNvPr>
+          <p:cNvPicPr>
+            <a:picLocks noChangeAspect="1"/>
+          </p:cNvPicPr>
+          <p:nvPr/>
+        </p:nvPicPr>
+        <p:blipFill>
+          <a:blip r:embed="rId2">
+            <a:extLst>
+              <a:ext uri="{28A0092B-C50C-407E-A947-70E740481C1C}">
+                <a14:useLocalDpi xmlns:a14="http://schemas.microsoft.com/office/drawing/2010/main" val="0"/>
+              </a:ext>
+            </a:extLst>
+          </a:blip>
+          <a:stretch>
+            <a:fillRect/>
+          </a:stretch>
+        </p:blipFill>
+        <p:spPr>
+          <a:xfrm>
+            <a:off x="469900" y="1543050"/>
+            <a:ext cx="8961480" cy="2787503"/>
+          </a:xfrm>
+          <a:prstGeom prst="rect">
+            <a:avLst/>
+          </a:prstGeom>
+        </p:spPr>
+      </p:pic>
+      <p:sp>
+        <p:nvSpPr>
+          <p:cNvPr id="5" name="Başlık 1">
+            <a:extLst>
+              <a:ext uri="{FF2B5EF4-FFF2-40B4-BE49-F238E27FC236}">
+                <a16:creationId xmlns:a16="http://schemas.microsoft.com/office/drawing/2014/main" id="{DD317972-9136-5B20-5CD1-4A7A9B02C96E}"/>
+              </a:ext>
+            </a:extLst>
+          </p:cNvPr>
+          <p:cNvSpPr>
+            <a:spLocks noGrp="1"/>
+          </p:cNvSpPr>
+          <p:nvPr>
+            <p:ph type="title"/>
+          </p:nvPr>
+        </p:nvSpPr>
+        <p:spPr>
+          <a:xfrm>
+            <a:off x="2343558" y="476250"/>
+            <a:ext cx="5040277" cy="369332"/>
+          </a:xfrm>
+        </p:spPr>
+        <p:txBody>
+          <a:bodyPr/>
+          <a:lstStyle/>
+          <a:p>
+            <a:pPr algn="ctr"/>
+            <a:r>
+              <a:rPr lang="tr-TR" sz="2400" dirty="0">
+                <a:latin typeface="Verdana" panose="020B0604030504040204" pitchFamily="34" charset="0"/>
+                <a:ea typeface="Verdana" panose="020B0604030504040204" pitchFamily="34" charset="0"/>
+              </a:rPr>
+              <a:t>CANLI MODEL </a:t>
+            </a:r>
+          </a:p>
+        </p:txBody>
+      </p:sp>
+      <p:pic>
+        <p:nvPicPr>
+          <p:cNvPr id="6" name="Resim 5" descr="logo içeren bir resim&#10;&#10;Açıklama otomatik olarak oluşturuldu">
+            <a:extLst>
+              <a:ext uri="{FF2B5EF4-FFF2-40B4-BE49-F238E27FC236}">
+                <a16:creationId xmlns:a16="http://schemas.microsoft.com/office/drawing/2014/main" id="{3156CBBC-A037-50DB-8DC5-4AA7D3F7A0F6}"/>
+              </a:ext>
+            </a:extLst>
+          </p:cNvPr>
+          <p:cNvPicPr>
+            <a:picLocks noChangeAspect="1"/>
+          </p:cNvPicPr>
+          <p:nvPr/>
+        </p:nvPicPr>
+        <p:blipFill>
+          <a:blip r:embed="rId3" cstate="print">
+            <a:extLst>
+              <a:ext uri="{28A0092B-C50C-407E-A947-70E740481C1C}">
+                <a14:useLocalDpi xmlns:a14="http://schemas.microsoft.com/office/drawing/2010/main" val="0"/>
+              </a:ext>
+            </a:extLst>
+          </a:blip>
+          <a:stretch>
+            <a:fillRect/>
+          </a:stretch>
+        </p:blipFill>
+        <p:spPr>
+          <a:xfrm>
+            <a:off x="-34231" y="5018700"/>
+            <a:ext cx="913071" cy="639150"/>
+          </a:xfrm>
+          <a:prstGeom prst="rect">
+            <a:avLst/>
+          </a:prstGeom>
+        </p:spPr>
+      </p:pic>
+      <p:sp>
+        <p:nvSpPr>
+          <p:cNvPr id="7" name="object 7">
+            <a:extLst>
+              <a:ext uri="{FF2B5EF4-FFF2-40B4-BE49-F238E27FC236}">
+                <a16:creationId xmlns:a16="http://schemas.microsoft.com/office/drawing/2014/main" id="{FCD054AD-127F-3D39-3673-92A7083ECC82}"/>
+              </a:ext>
+            </a:extLst>
+          </p:cNvPr>
+          <p:cNvSpPr txBox="1">
+            <a:spLocks noGrp="1"/>
+          </p:cNvSpPr>
+          <p:nvPr>
+            <p:ph type="sldNum" sz="quarter" idx="7"/>
+          </p:nvPr>
+        </p:nvSpPr>
+        <p:spPr>
+          <a:xfrm>
+            <a:off x="9385300" y="5276850"/>
+            <a:ext cx="478713" cy="285976"/>
+          </a:xfrm>
+          <a:prstGeom prst="rect">
+            <a:avLst/>
+          </a:prstGeom>
+        </p:spPr>
+        <p:txBody>
+          <a:bodyPr vert="horz" wrap="square" lIns="0" tIns="8890" rIns="0" bIns="0" rtlCol="0">
+            <a:spAutoFit/>
+          </a:bodyPr>
+          <a:lstStyle/>
+          <a:p>
+            <a:pPr marL="38100">
+              <a:lnSpc>
+                <a:spcPct val="100000"/>
+              </a:lnSpc>
+              <a:spcBef>
+                <a:spcPts val="70"/>
+              </a:spcBef>
+            </a:pPr>
+            <a:r>
+              <a:rPr lang="tr-TR" spc="-310" dirty="0"/>
+              <a:t>15</a:t>
+            </a:r>
+            <a:endParaRPr spc="-310" dirty="0"/>
+          </a:p>
+        </p:txBody>
+      </p:sp>
+    </p:spTree>
+    <p:extLst>
+      <p:ext uri="{BB962C8B-B14F-4D97-AF65-F5344CB8AC3E}">
+        <p14:creationId xmlns:p14="http://schemas.microsoft.com/office/powerpoint/2010/main" val="2707211232"/>
+      </p:ext>
+    </p:extLst>
+  </p:cSld>
+  <p:clrMapOvr>
+    <a:masterClrMapping/>
+  </p:clrMapOvr>
+</p:sld>
+</file>
+
+<file path=ppt/slides/slide16.xml><?xml version="1.0" encoding="utf-8"?>
+<p:sld xmlns:a="http://schemas.openxmlformats.org/drawingml/2006/main" xmlns:r="http://schemas.openxmlformats.org/officeDocument/2006/relationships" xmlns:p="http://schemas.openxmlformats.org/presentationml/2006/main">
+  <p:cSld>
+    <p:spTree>
+      <p:nvGrpSpPr>
+        <p:cNvPr id="1" name=""/>
+        <p:cNvGrpSpPr/>
+        <p:nvPr/>
+      </p:nvGrpSpPr>
+      <p:grpSpPr>
+        <a:xfrm>
+          <a:off x="0" y="0"/>
+          <a:ext cx="0" cy="0"/>
+          <a:chOff x="0" y="0"/>
+          <a:chExt cx="0" cy="0"/>
+        </a:xfrm>
+      </p:grpSpPr>
+      <p:sp>
+        <p:nvSpPr>
+          <p:cNvPr id="2" name="Başlık 1">
+            <a:extLst>
+              <a:ext uri="{FF2B5EF4-FFF2-40B4-BE49-F238E27FC236}">
                 <a16:creationId xmlns:a16="http://schemas.microsoft.com/office/drawing/2014/main" id="{F85F415B-D8E1-475D-A163-C94E48CC4230}"/>
               </a:ext>
             </a:extLst>
@@ -4028,21 +4444,21 @@
           <a:lstStyle/>
           <a:p>
             <a:r>
-              <a:rPr lang="tr-TR" sz="900">
+              <a:rPr lang="tr-TR" sz="900" dirty="0">
                 <a:latin typeface="Arial" panose="020B0604020202020204" pitchFamily="34" charset="0"/>
                 <a:cs typeface="Arial" panose="020B0604020202020204" pitchFamily="34" charset="0"/>
               </a:rPr>
               <a:t>[1]</a:t>
             </a:r>
             <a:r>
-              <a:rPr lang="en-US" sz="900">
+              <a:rPr lang="en-US" sz="900" dirty="0">
                 <a:latin typeface="Arial" panose="020B0604020202020204" pitchFamily="34" charset="0"/>
                 <a:cs typeface="Arial" panose="020B0604020202020204" pitchFamily="34" charset="0"/>
               </a:rPr>
               <a:t> Xu, S., Zhang, C., &amp; Hong, D. (2022). BERT-based NLP techniques for classification and severity modeling in basic warranty data study. Insurance: Mathematics and Economics, 107, 57-67.</a:t>
             </a:r>
             <a:r>
-              <a:rPr lang="tr-TR" sz="900">
+              <a:rPr lang="tr-TR" sz="900" dirty="0">
                 <a:latin typeface="Arial" panose="020B0604020202020204" pitchFamily="34" charset="0"/>
                 <a:cs typeface="Arial" panose="020B0604020202020204" pitchFamily="34" charset="0"/>
               </a:rPr>
@@ -4051,14 +4467,14 @@
           </a:p>
           <a:p>
             <a:r>
-              <a:rPr lang="tr-TR" sz="900">
+              <a:rPr lang="tr-TR" sz="900" dirty="0">
                 <a:latin typeface="Arial" panose="020B0604020202020204" pitchFamily="34" charset="0"/>
                 <a:cs typeface="Arial" panose="020B0604020202020204" pitchFamily="34" charset="0"/>
               </a:rPr>
               <a:t>[2] </a:t>
             </a:r>
             <a:r>
-              <a:rPr lang="tr-TR" sz="900" b="0" i="0" err="1">
+              <a:rPr lang="tr-TR" sz="900" b="0" i="0" dirty="0" err="1">
                 <a:solidFill>
                   <a:srgbClr val="222222"/>
                 </a:solidFill>
@@ -4069,7 +4485,7 @@
               <a:t>Prottasha</a:t>
             </a:r>
             <a:r>
-              <a:rPr lang="tr-TR" sz="900" b="0" i="0">
+              <a:rPr lang="tr-TR" sz="900" b="0" i="0" dirty="0">
                 <a:solidFill>
                   <a:srgbClr val="222222"/>
                 </a:solidFill>
@@ -4080,7 +4496,7 @@
               <a:t>, N. J., Sami, A. A., </a:t>
             </a:r>
             <a:r>
-              <a:rPr lang="tr-TR" sz="900" b="0" i="0" err="1">
+              <a:rPr lang="tr-TR" sz="900" b="0" i="0" dirty="0" err="1">
                 <a:solidFill>
                   <a:srgbClr val="222222"/>
                 </a:solidFill>
@@ -4091,7 +4507,7 @@
               <a:t>Kowsher</a:t>
             </a:r>
             <a:r>
-              <a:rPr lang="tr-TR" sz="900" b="0" i="0">
+              <a:rPr lang="tr-TR" sz="900" b="0" i="0" dirty="0">
                 <a:solidFill>
                   <a:srgbClr val="222222"/>
                 </a:solidFill>
@@ -4102,7 +4518,7 @@
               <a:t>, M., Murad, S. A., </a:t>
             </a:r>
             <a:r>
-              <a:rPr lang="tr-TR" sz="900" b="0" i="0" err="1">
+              <a:rPr lang="tr-TR" sz="900" b="0" i="0" dirty="0" err="1">
                 <a:solidFill>
                   <a:srgbClr val="222222"/>
                 </a:solidFill>
@@ -4113,7 +4529,7 @@
               <a:t>Bairagi</a:t>
             </a:r>
             <a:r>
-              <a:rPr lang="tr-TR" sz="900" b="0" i="0">
+              <a:rPr lang="tr-TR" sz="900" b="0" i="0" dirty="0">
                 <a:solidFill>
                   <a:srgbClr val="222222"/>
                 </a:solidFill>
@@ -4124,7 +4540,7 @@
               <a:t>, A. K., </a:t>
             </a:r>
             <a:r>
-              <a:rPr lang="tr-TR" sz="900" b="0" i="0" err="1">
+              <a:rPr lang="tr-TR" sz="900" b="0" i="0" dirty="0" err="1">
                 <a:solidFill>
                   <a:srgbClr val="222222"/>
                 </a:solidFill>
@@ -4135,7 +4551,7 @@
               <a:t>Masud</a:t>
             </a:r>
             <a:r>
-              <a:rPr lang="tr-TR" sz="900" b="0" i="0">
+              <a:rPr lang="tr-TR" sz="900" b="0" i="0" dirty="0">
                 <a:solidFill>
                   <a:srgbClr val="222222"/>
                 </a:solidFill>
@@ -4146,7 +4562,7 @@
               <a:t>, M., &amp; Baz, M. (2022). Transfer </a:t>
             </a:r>
             <a:r>
-              <a:rPr lang="tr-TR" sz="900" b="0" i="0" err="1">
+              <a:rPr lang="tr-TR" sz="900" b="0" i="0" dirty="0" err="1">
                 <a:solidFill>
                   <a:srgbClr val="222222"/>
                 </a:solidFill>
@@ -4157,7 +4573,7 @@
               <a:t>learning</a:t>
             </a:r>
             <a:r>
-              <a:rPr lang="tr-TR" sz="900" b="0" i="0">
+              <a:rPr lang="tr-TR" sz="900" b="0" i="0" dirty="0">
                 <a:solidFill>
                   <a:srgbClr val="222222"/>
                 </a:solidFill>
@@ -4168,7 +4584,7 @@
               <a:t> </a:t>
             </a:r>
             <a:r>
-              <a:rPr lang="tr-TR" sz="900" b="0" i="0" err="1">
+              <a:rPr lang="tr-TR" sz="900" b="0" i="0" dirty="0" err="1">
                 <a:solidFill>
                   <a:srgbClr val="222222"/>
                 </a:solidFill>
@@ -4179,7 +4595,7 @@
               <a:t>for</a:t>
             </a:r>
             <a:r>
-              <a:rPr lang="tr-TR" sz="900" b="0" i="0">
+              <a:rPr lang="tr-TR" sz="900" b="0" i="0" dirty="0">
                 <a:solidFill>
                   <a:srgbClr val="222222"/>
                 </a:solidFill>
@@ -4190,7 +4606,7 @@
               <a:t> </a:t>
             </a:r>
             <a:r>
-              <a:rPr lang="tr-TR" sz="900" b="0" i="0" err="1">
+              <a:rPr lang="tr-TR" sz="900" b="0" i="0" dirty="0" err="1">
                 <a:solidFill>
                   <a:srgbClr val="222222"/>
                 </a:solidFill>
@@ -4201,7 +4617,7 @@
               <a:t>sentiment</a:t>
             </a:r>
             <a:r>
-              <a:rPr lang="tr-TR" sz="900" b="0" i="0">
+              <a:rPr lang="tr-TR" sz="900" b="0" i="0" dirty="0">
                 <a:solidFill>
                   <a:srgbClr val="222222"/>
                 </a:solidFill>
@@ -4212,7 +4628,7 @@
               <a:t> </a:t>
             </a:r>
             <a:r>
-              <a:rPr lang="tr-TR" sz="900" b="0" i="0" err="1">
+              <a:rPr lang="tr-TR" sz="900" b="0" i="0" dirty="0" err="1">
                 <a:solidFill>
                   <a:srgbClr val="222222"/>
                 </a:solidFill>
@@ -4223,7 +4639,7 @@
               <a:t>analysis</a:t>
             </a:r>
             <a:r>
-              <a:rPr lang="tr-TR" sz="900" b="0" i="0">
+              <a:rPr lang="tr-TR" sz="900" b="0" i="0" dirty="0">
                 <a:solidFill>
                   <a:srgbClr val="222222"/>
                 </a:solidFill>
@@ -4234,7 +4650,7 @@
               <a:t> </a:t>
             </a:r>
             <a:r>
-              <a:rPr lang="tr-TR" sz="900" b="0" i="0" err="1">
+              <a:rPr lang="tr-TR" sz="900" b="0" i="0" dirty="0" err="1">
                 <a:solidFill>
                   <a:srgbClr val="222222"/>
                 </a:solidFill>
@@ -4245,7 +4661,7 @@
               <a:t>using</a:t>
             </a:r>
             <a:r>
-              <a:rPr lang="tr-TR" sz="900" b="0" i="0">
+              <a:rPr lang="tr-TR" sz="900" b="0" i="0" dirty="0">
                 <a:solidFill>
                   <a:srgbClr val="222222"/>
                 </a:solidFill>
@@ -4256,7 +4672,7 @@
               <a:t> BERT </a:t>
             </a:r>
             <a:r>
-              <a:rPr lang="tr-TR" sz="900" b="0" i="0" err="1">
+              <a:rPr lang="tr-TR" sz="900" b="0" i="0" dirty="0" err="1">
                 <a:solidFill>
                   <a:srgbClr val="222222"/>
                 </a:solidFill>
@@ -4267,7 +4683,7 @@
               <a:t>based</a:t>
             </a:r>
             <a:r>
-              <a:rPr lang="tr-TR" sz="900" b="0" i="0">
+              <a:rPr lang="tr-TR" sz="900" b="0" i="0" dirty="0">
                 <a:solidFill>
                   <a:srgbClr val="222222"/>
                 </a:solidFill>
@@ -4278,7 +4694,7 @@
               <a:t> </a:t>
             </a:r>
             <a:r>
-              <a:rPr lang="tr-TR" sz="900" b="0" i="0" err="1">
+              <a:rPr lang="tr-TR" sz="900" b="0" i="0" dirty="0" err="1">
                 <a:solidFill>
                   <a:srgbClr val="222222"/>
                 </a:solidFill>
@@ -4289,7 +4705,7 @@
               <a:t>supervised</a:t>
             </a:r>
             <a:r>
-              <a:rPr lang="tr-TR" sz="900" b="0" i="0">
+              <a:rPr lang="tr-TR" sz="900" b="0" i="0" dirty="0">
                 <a:solidFill>
                   <a:srgbClr val="222222"/>
                 </a:solidFill>
@@ -4300,7 +4716,7 @@
               <a:t> </a:t>
             </a:r>
             <a:r>
-              <a:rPr lang="tr-TR" sz="900" b="0" i="0" err="1">
+              <a:rPr lang="tr-TR" sz="900" b="0" i="0" dirty="0" err="1">
                 <a:solidFill>
                   <a:srgbClr val="222222"/>
                 </a:solidFill>
@@ -4311,7 +4727,7 @@
               <a:t>fine-tuning</a:t>
             </a:r>
             <a:r>
-              <a:rPr lang="tr-TR" sz="900" b="0" i="0">
+              <a:rPr lang="tr-TR" sz="900" b="0" i="0" dirty="0">
                 <a:solidFill>
                   <a:srgbClr val="222222"/>
                 </a:solidFill>
@@ -4324,7 +4740,7 @@
           </a:p>
           <a:p>
             <a:r>
-              <a:rPr lang="tr-TR" sz="900">
+              <a:rPr lang="tr-TR" sz="900" dirty="0">
                 <a:solidFill>
                   <a:srgbClr val="222222"/>
                 </a:solidFill>
@@ -4334,7 +4750,7 @@
               <a:t>     </a:t>
             </a:r>
             <a:r>
-              <a:rPr lang="tr-TR" sz="900" b="0" i="1" err="1">
+              <a:rPr lang="tr-TR" sz="900" b="0" i="1" dirty="0" err="1">
                 <a:solidFill>
                   <a:srgbClr val="222222"/>
                 </a:solidFill>
@@ -4345,7 +4761,7 @@
               <a:t>Sensors</a:t>
             </a:r>
             <a:r>
-              <a:rPr lang="tr-TR" sz="900" b="0" i="0">
+              <a:rPr lang="tr-TR" sz="900" b="0" i="0" dirty="0">
                 <a:solidFill>
                   <a:srgbClr val="222222"/>
                 </a:solidFill>
@@ -4356,7 +4772,7 @@
               <a:t>, </a:t>
             </a:r>
             <a:r>
-              <a:rPr lang="tr-TR" sz="900" b="0" i="1">
+              <a:rPr lang="tr-TR" sz="900" b="0" i="1" dirty="0">
                 <a:solidFill>
                   <a:srgbClr val="222222"/>
                 </a:solidFill>
@@ -4367,7 +4783,7 @@
               <a:t>22</a:t>
             </a:r>
             <a:r>
-              <a:rPr lang="tr-TR" sz="900" b="0" i="0">
+              <a:rPr lang="tr-TR" sz="900" b="0" i="0" dirty="0">
                 <a:solidFill>
                   <a:srgbClr val="222222"/>
                 </a:solidFill>
@@ -4380,7 +4796,7 @@
           </a:p>
           <a:p>
             <a:r>
-              <a:rPr lang="tr-TR" sz="900">
+              <a:rPr lang="tr-TR" sz="900" dirty="0">
                 <a:solidFill>
                   <a:srgbClr val="222222"/>
                 </a:solidFill>
@@ -4390,7 +4806,7 @@
               <a:t>[3] </a:t>
             </a:r>
             <a:r>
-              <a:rPr lang="en-US" sz="900" b="0" i="0">
+              <a:rPr lang="en-US" sz="900" b="0" i="0" dirty="0">
                 <a:solidFill>
                   <a:srgbClr val="222222"/>
                 </a:solidFill>
@@ -4400,7 +4816,7 @@
               </a:rPr>
               <a:t>Lin, S. Y., Kung, Y. C., &amp; Leu, F. Y. (2022). Predictive intelligence in harmful news identification by BERT-based ensemble learning model with text sentiment analysis. </a:t>
             </a:r>
-            <a:endParaRPr lang="tr-TR" sz="900" b="0" i="0">
+            <a:endParaRPr lang="tr-TR" sz="900" b="0" i="0" dirty="0">
               <a:solidFill>
                 <a:srgbClr val="222222"/>
               </a:solidFill>
@@ -4411,7 +4827,7 @@
           </a:p>
           <a:p>
             <a:r>
-              <a:rPr lang="tr-TR" sz="900">
+              <a:rPr lang="tr-TR" sz="900" dirty="0">
                 <a:solidFill>
                   <a:srgbClr val="222222"/>
                 </a:solidFill>
@@ -4421,7 +4837,7 @@
               <a:t>     </a:t>
             </a:r>
             <a:r>
-              <a:rPr lang="en-US" sz="900" b="0" i="1">
+              <a:rPr lang="en-US" sz="900" b="0" i="1" dirty="0">
                 <a:solidFill>
                   <a:srgbClr val="222222"/>
                 </a:solidFill>
@@ -4432,7 +4848,7 @@
               <a:t>Information Processing &amp; Management</a:t>
             </a:r>
             <a:r>
-              <a:rPr lang="en-US" sz="900" b="0" i="0">
+              <a:rPr lang="en-US" sz="900" b="0" i="0" dirty="0">
                 <a:solidFill>
                   <a:srgbClr val="222222"/>
                 </a:solidFill>
@@ -4443,7 +4859,7 @@
               <a:t>, </a:t>
             </a:r>
             <a:r>
-              <a:rPr lang="en-US" sz="900" b="0" i="1">
+              <a:rPr lang="en-US" sz="900" b="0" i="1" dirty="0">
                 <a:solidFill>
                   <a:srgbClr val="222222"/>
                 </a:solidFill>
@@ -4454,7 +4870,7 @@
               <a:t>59</a:t>
             </a:r>
             <a:r>
-              <a:rPr lang="en-US" sz="900" b="0" i="0">
+              <a:rPr lang="en-US" sz="900" b="0" i="0" dirty="0">
                 <a:solidFill>
                   <a:srgbClr val="222222"/>
                 </a:solidFill>
@@ -4464,7 +4880,7 @@
               </a:rPr>
               <a:t>(2), 102872.</a:t>
             </a:r>
-            <a:endParaRPr lang="tr-TR" sz="900">
+            <a:endParaRPr lang="tr-TR" sz="900" dirty="0">
               <a:solidFill>
                 <a:srgbClr val="222222"/>
               </a:solidFill>
@@ -4474,7 +4890,7 @@
           </a:p>
           <a:p>
             <a:r>
-              <a:rPr lang="en-US" sz="900">
+              <a:rPr lang="en-US" sz="900" dirty="0">
                 <a:solidFill>
                   <a:srgbClr val="222222"/>
                 </a:solidFill>
@@ -4484,7 +4900,7 @@
               <a:t>[4] </a:t>
             </a:r>
             <a:r>
-              <a:rPr lang="tr-TR" sz="900" b="0" i="0" err="1">
+              <a:rPr lang="tr-TR" sz="900" b="0" i="0" dirty="0" err="1">
                 <a:solidFill>
                   <a:srgbClr val="222222"/>
                 </a:solidFill>
@@ -4495,7 +4911,7 @@
               <a:t>Emon</a:t>
             </a:r>
             <a:r>
-              <a:rPr lang="tr-TR" sz="900" b="0" i="0">
+              <a:rPr lang="tr-TR" sz="900" b="0" i="0" dirty="0">
                 <a:solidFill>
                   <a:srgbClr val="222222"/>
                 </a:solidFill>
@@ -4506,7 +4922,7 @@
               <a:t>, M. I. H., </a:t>
             </a:r>
             <a:r>
-              <a:rPr lang="tr-TR" sz="900" b="0" i="0" err="1">
+              <a:rPr lang="tr-TR" sz="900" b="0" i="0" dirty="0" err="1">
                 <a:solidFill>
                   <a:srgbClr val="222222"/>
                 </a:solidFill>
@@ -4517,7 +4933,7 @@
               <a:t>Iqbal</a:t>
             </a:r>
             <a:r>
-              <a:rPr lang="tr-TR" sz="900" b="0" i="0">
+              <a:rPr lang="tr-TR" sz="900" b="0" i="0" dirty="0">
                 <a:solidFill>
                   <a:srgbClr val="222222"/>
                 </a:solidFill>
@@ -4528,7 +4944,7 @@
               <a:t>, K. N., </a:t>
             </a:r>
             <a:r>
-              <a:rPr lang="tr-TR" sz="900" b="0" i="0" err="1">
+              <a:rPr lang="tr-TR" sz="900" b="0" i="0" dirty="0" err="1">
                 <a:solidFill>
                   <a:srgbClr val="222222"/>
                 </a:solidFill>
@@ -4539,7 +4955,7 @@
               <a:t>Mehedi</a:t>
             </a:r>
             <a:r>
-              <a:rPr lang="tr-TR" sz="900" b="0" i="0">
+              <a:rPr lang="tr-TR" sz="900" b="0" i="0" dirty="0">
                 <a:solidFill>
                   <a:srgbClr val="222222"/>
                 </a:solidFill>
@@ -4550,7 +4966,7 @@
               <a:t>, M. H. K., </a:t>
             </a:r>
             <a:r>
-              <a:rPr lang="tr-TR" sz="900" b="0" i="0" err="1">
+              <a:rPr lang="tr-TR" sz="900" b="0" i="0" dirty="0" err="1">
                 <a:solidFill>
                   <a:srgbClr val="222222"/>
                 </a:solidFill>
@@ -4561,7 +4977,7 @@
               <a:t>Mahbub</a:t>
             </a:r>
             <a:r>
-              <a:rPr lang="tr-TR" sz="900" b="0" i="0">
+              <a:rPr lang="tr-TR" sz="900" b="0" i="0" dirty="0">
                 <a:solidFill>
                   <a:srgbClr val="222222"/>
                 </a:solidFill>
@@ -4572,7 +4988,7 @@
               <a:t>, M. J. A., &amp; </a:t>
             </a:r>
             <a:r>
-              <a:rPr lang="tr-TR" sz="900" b="0" i="0" err="1">
+              <a:rPr lang="tr-TR" sz="900" b="0" i="0" dirty="0" err="1">
                 <a:solidFill>
                   <a:srgbClr val="222222"/>
                 </a:solidFill>
@@ -4583,7 +4999,7 @@
               <a:t>Rasel</a:t>
             </a:r>
             <a:r>
-              <a:rPr lang="tr-TR" sz="900" b="0" i="0">
+              <a:rPr lang="tr-TR" sz="900" b="0" i="0" dirty="0">
                 <a:solidFill>
                   <a:srgbClr val="222222"/>
                 </a:solidFill>
@@ -4594,7 +5010,7 @@
               <a:t>, A. A. (2022, </a:t>
             </a:r>
             <a:r>
-              <a:rPr lang="tr-TR" sz="900" b="0" i="0" err="1">
+              <a:rPr lang="tr-TR" sz="900" b="0" i="0" dirty="0" err="1">
                 <a:solidFill>
                   <a:srgbClr val="222222"/>
                 </a:solidFill>
@@ -4605,7 +5021,7 @@
               <a:t>July</a:t>
             </a:r>
             <a:r>
-              <a:rPr lang="tr-TR" sz="900" b="0" i="0">
+              <a:rPr lang="tr-TR" sz="900" b="0" i="0" dirty="0">
                 <a:solidFill>
                   <a:srgbClr val="222222"/>
                 </a:solidFill>
@@ -4616,7 +5032,7 @@
               <a:t>). </a:t>
             </a:r>
             <a:r>
-              <a:rPr lang="tr-TR" sz="900" b="0" i="0" err="1">
+              <a:rPr lang="tr-TR" sz="900" b="0" i="0" dirty="0" err="1">
                 <a:solidFill>
                   <a:srgbClr val="222222"/>
                 </a:solidFill>
@@ -4627,7 +5043,7 @@
               <a:t>Detection</a:t>
             </a:r>
             <a:r>
-              <a:rPr lang="tr-TR" sz="900" b="0" i="0">
+              <a:rPr lang="tr-TR" sz="900" b="0" i="0" dirty="0">
                 <a:solidFill>
                   <a:srgbClr val="222222"/>
                 </a:solidFill>
@@ -4638,7 +5054,7 @@
               <a:t> of </a:t>
             </a:r>
             <a:r>
-              <a:rPr lang="tr-TR" sz="900" b="0" i="0" err="1">
+              <a:rPr lang="tr-TR" sz="900" b="0" i="0" dirty="0" err="1">
                 <a:solidFill>
                   <a:srgbClr val="222222"/>
                 </a:solidFill>
@@ -4649,7 +5065,7 @@
               <a:t>Bangla</a:t>
             </a:r>
             <a:r>
-              <a:rPr lang="tr-TR" sz="900" b="0" i="0">
+              <a:rPr lang="tr-TR" sz="900" b="0" i="0" dirty="0">
                 <a:solidFill>
                   <a:srgbClr val="222222"/>
                 </a:solidFill>
@@ -4660,7 +5076,7 @@
               <a:t> </a:t>
             </a:r>
             <a:r>
-              <a:rPr lang="tr-TR" sz="900" b="0" i="0" err="1">
+              <a:rPr lang="tr-TR" sz="900" b="0" i="0" dirty="0" err="1">
                 <a:solidFill>
                   <a:srgbClr val="222222"/>
                 </a:solidFill>
@@ -4671,7 +5087,7 @@
               <a:t>Hate</a:t>
             </a:r>
             <a:r>
-              <a:rPr lang="tr-TR" sz="900" b="0" i="0">
+              <a:rPr lang="tr-TR" sz="900" b="0" i="0" dirty="0">
                 <a:solidFill>
                   <a:srgbClr val="222222"/>
                 </a:solidFill>
@@ -4682,7 +5098,7 @@
               <a:t> </a:t>
             </a:r>
             <a:r>
-              <a:rPr lang="tr-TR" sz="900" b="0" i="0" err="1">
+              <a:rPr lang="tr-TR" sz="900" b="0" i="0" dirty="0" err="1">
                 <a:solidFill>
                   <a:srgbClr val="222222"/>
                 </a:solidFill>
@@ -4693,7 +5109,7 @@
               <a:t>Comments</a:t>
             </a:r>
             <a:r>
-              <a:rPr lang="tr-TR" sz="900" b="0" i="0">
+              <a:rPr lang="tr-TR" sz="900" b="0" i="0" dirty="0">
                 <a:solidFill>
                   <a:srgbClr val="222222"/>
                 </a:solidFill>
@@ -4704,7 +5120,7 @@
               <a:t> </a:t>
             </a:r>
             <a:r>
-              <a:rPr lang="tr-TR" sz="900" b="0" i="0" err="1">
+              <a:rPr lang="tr-TR" sz="900" b="0" i="0" dirty="0" err="1">
                 <a:solidFill>
                   <a:srgbClr val="222222"/>
                 </a:solidFill>
@@ -4715,7 +5131,7 @@
               <a:t>and</a:t>
             </a:r>
             <a:r>
-              <a:rPr lang="tr-TR" sz="900" b="0" i="0">
+              <a:rPr lang="tr-TR" sz="900" b="0" i="0" dirty="0">
                 <a:solidFill>
                   <a:srgbClr val="222222"/>
                 </a:solidFill>
@@ -4726,7 +5142,7 @@
               <a:t> </a:t>
             </a:r>
             <a:r>
-              <a:rPr lang="tr-TR" sz="900" b="0" i="0" err="1">
+              <a:rPr lang="tr-TR" sz="900" b="0" i="0" dirty="0" err="1">
                 <a:solidFill>
                   <a:srgbClr val="222222"/>
                 </a:solidFill>
@@ -4737,7 +5153,7 @@
               <a:t>Cyberbullying</a:t>
             </a:r>
             <a:r>
-              <a:rPr lang="tr-TR" sz="900" b="0" i="0">
+              <a:rPr lang="tr-TR" sz="900" b="0" i="0" dirty="0">
                 <a:solidFill>
                   <a:srgbClr val="222222"/>
                 </a:solidFill>
@@ -4748,7 +5164,7 @@
               <a:t> in </a:t>
             </a:r>
             <a:r>
-              <a:rPr lang="tr-TR" sz="900" b="0" i="0" err="1">
+              <a:rPr lang="tr-TR" sz="900" b="0" i="0" dirty="0" err="1">
                 <a:solidFill>
                   <a:srgbClr val="222222"/>
                 </a:solidFill>
@@ -4759,7 +5175,7 @@
               <a:t>Social</a:t>
             </a:r>
             <a:r>
-              <a:rPr lang="tr-TR" sz="900" b="0" i="0">
+              <a:rPr lang="tr-TR" sz="900" b="0" i="0" dirty="0">
                 <a:solidFill>
                   <a:srgbClr val="222222"/>
                 </a:solidFill>
@@ -4770,7 +5186,7 @@
               <a:t> Media Using NLP </a:t>
             </a:r>
             <a:r>
-              <a:rPr lang="tr-TR" sz="900" b="0" i="0" err="1">
+              <a:rPr lang="tr-TR" sz="900" b="0" i="0" dirty="0" err="1">
                 <a:solidFill>
                   <a:srgbClr val="222222"/>
                 </a:solidFill>
@@ -4781,7 +5197,7 @@
               <a:t>and</a:t>
             </a:r>
             <a:r>
-              <a:rPr lang="tr-TR" sz="900" b="0" i="0">
+              <a:rPr lang="tr-TR" sz="900" b="0" i="0" dirty="0">
                 <a:solidFill>
                   <a:srgbClr val="222222"/>
                 </a:solidFill>
@@ -4794,7 +5210,7 @@
           </a:p>
           <a:p>
             <a:r>
-              <a:rPr lang="tr-TR" sz="900" b="0" i="0" err="1">
+              <a:rPr lang="tr-TR" sz="900" b="0" i="0" dirty="0" err="1">
                 <a:solidFill>
                   <a:srgbClr val="222222"/>
                 </a:solidFill>
@@ -4805,7 +5221,7 @@
               <a:t>Transformer</a:t>
             </a:r>
             <a:r>
-              <a:rPr lang="tr-TR" sz="900" b="0" i="0">
+              <a:rPr lang="tr-TR" sz="900" b="0" i="0" dirty="0">
                 <a:solidFill>
                   <a:srgbClr val="222222"/>
                 </a:solidFill>
@@ -4816,7 +5232,7 @@
               <a:t> </a:t>
             </a:r>
             <a:r>
-              <a:rPr lang="tr-TR" sz="900" b="0" i="0" err="1">
+              <a:rPr lang="tr-TR" sz="900" b="0" i="0" dirty="0" err="1">
                 <a:solidFill>
                   <a:srgbClr val="222222"/>
                 </a:solidFill>
@@ -4827,7 +5243,7 @@
               <a:t>Models</a:t>
             </a:r>
             <a:r>
-              <a:rPr lang="tr-TR" sz="900" b="0" i="0">
+              <a:rPr lang="tr-TR" sz="900" b="0" i="0" dirty="0">
                 <a:solidFill>
                   <a:srgbClr val="222222"/>
                 </a:solidFill>
@@ -4838,7 +5254,7 @@
               <a:t>. </a:t>
             </a:r>
             <a:r>
-              <a:rPr lang="tr-TR" sz="900" b="0" i="0" err="1">
+              <a:rPr lang="tr-TR" sz="900" b="0" i="0" dirty="0" err="1">
                 <a:solidFill>
                   <a:srgbClr val="222222"/>
                 </a:solidFill>
@@ -4849,7 +5265,7 @@
               <a:t>In</a:t>
             </a:r>
             <a:r>
-              <a:rPr lang="tr-TR" sz="900" b="0" i="0">
+              <a:rPr lang="tr-TR" sz="900" b="0" i="0" dirty="0">
                 <a:solidFill>
                   <a:srgbClr val="222222"/>
                 </a:solidFill>
@@ -4860,7 +5276,7 @@
               <a:t> </a:t>
             </a:r>
             <a:r>
-              <a:rPr lang="tr-TR" sz="900" b="0" i="1" err="1">
+              <a:rPr lang="tr-TR" sz="900" b="0" i="1" dirty="0" err="1">
                 <a:solidFill>
                   <a:srgbClr val="222222"/>
                 </a:solidFill>
@@ -4871,7 +5287,7 @@
               <a:t>Advances</a:t>
             </a:r>
             <a:r>
-              <a:rPr lang="tr-TR" sz="900" b="0" i="1">
+              <a:rPr lang="tr-TR" sz="900" b="0" i="1" dirty="0">
                 <a:solidFill>
                   <a:srgbClr val="222222"/>
                 </a:solidFill>
@@ -4882,7 +5298,7 @@
               <a:t> in Computing </a:t>
             </a:r>
             <a:r>
-              <a:rPr lang="tr-TR" sz="900" b="0" i="1" err="1">
+              <a:rPr lang="tr-TR" sz="900" b="0" i="1" dirty="0" err="1">
                 <a:solidFill>
                   <a:srgbClr val="222222"/>
                 </a:solidFill>
@@ -4893,7 +5309,7 @@
               <a:t>and</a:t>
             </a:r>
             <a:r>
-              <a:rPr lang="tr-TR" sz="900" b="0" i="1">
+              <a:rPr lang="tr-TR" sz="900" b="0" i="1" dirty="0">
                 <a:solidFill>
                   <a:srgbClr val="222222"/>
                 </a:solidFill>
@@ -4904,7 +5320,7 @@
               <a:t> Data </a:t>
             </a:r>
             <a:r>
-              <a:rPr lang="tr-TR" sz="900" b="0" i="1" err="1">
+              <a:rPr lang="tr-TR" sz="900" b="0" i="1" dirty="0" err="1">
                 <a:solidFill>
                   <a:srgbClr val="222222"/>
                 </a:solidFill>
@@ -4915,7 +5331,7 @@
               <a:t>Sciences</a:t>
             </a:r>
             <a:r>
-              <a:rPr lang="tr-TR" sz="900" b="0" i="1">
+              <a:rPr lang="tr-TR" sz="900" b="0" i="1" dirty="0">
                 <a:solidFill>
                   <a:srgbClr val="222222"/>
                 </a:solidFill>
@@ -4926,7 +5342,7 @@
               <a:t>: 6th International Conference, ICACDS 2022, </a:t>
             </a:r>
             <a:r>
-              <a:rPr lang="tr-TR" sz="900" b="0" i="1" err="1">
+              <a:rPr lang="tr-TR" sz="900" b="0" i="1" dirty="0" err="1">
                 <a:solidFill>
                   <a:srgbClr val="222222"/>
                 </a:solidFill>
@@ -4937,7 +5353,7 @@
               <a:t>Kurnool</a:t>
             </a:r>
             <a:r>
-              <a:rPr lang="tr-TR" sz="900" b="0" i="1">
+              <a:rPr lang="tr-TR" sz="900" b="0" i="1" dirty="0">
                 <a:solidFill>
                   <a:srgbClr val="222222"/>
                 </a:solidFill>
@@ -4948,7 +5364,7 @@
               <a:t>, </a:t>
             </a:r>
             <a:r>
-              <a:rPr lang="tr-TR" sz="900" b="0" i="1" err="1">
+              <a:rPr lang="tr-TR" sz="900" b="0" i="1" dirty="0" err="1">
                 <a:solidFill>
                   <a:srgbClr val="222222"/>
                 </a:solidFill>
@@ -4959,7 +5375,7 @@
               <a:t>India</a:t>
             </a:r>
             <a:r>
-              <a:rPr lang="tr-TR" sz="900" b="0" i="1">
+              <a:rPr lang="tr-TR" sz="900" b="0" i="1" dirty="0">
                 <a:solidFill>
                   <a:srgbClr val="222222"/>
                 </a:solidFill>
@@ -4970,7 +5386,7 @@
               <a:t>, April 22–23, 2022, </a:t>
             </a:r>
             <a:r>
-              <a:rPr lang="tr-TR" sz="900" b="0" i="1" err="1">
+              <a:rPr lang="tr-TR" sz="900" b="0" i="1" dirty="0" err="1">
                 <a:solidFill>
                   <a:srgbClr val="222222"/>
                 </a:solidFill>
@@ -4981,7 +5397,7 @@
               <a:t>Revised</a:t>
             </a:r>
             <a:r>
-              <a:rPr lang="tr-TR" sz="900" b="0" i="1">
+              <a:rPr lang="tr-TR" sz="900" b="0" i="1" dirty="0">
                 <a:solidFill>
                   <a:srgbClr val="222222"/>
                 </a:solidFill>
@@ -4992,7 +5408,7 @@
               <a:t> </a:t>
             </a:r>
             <a:r>
-              <a:rPr lang="tr-TR" sz="900" b="0" i="1" err="1">
+              <a:rPr lang="tr-TR" sz="900" b="0" i="1" dirty="0" err="1">
                 <a:solidFill>
                   <a:srgbClr val="222222"/>
                 </a:solidFill>
@@ -5003,7 +5419,7 @@
               <a:t>Selected</a:t>
             </a:r>
             <a:r>
-              <a:rPr lang="tr-TR" sz="900" b="0" i="1">
+              <a:rPr lang="tr-TR" sz="900" b="0" i="1" dirty="0">
                 <a:solidFill>
                   <a:srgbClr val="222222"/>
                 </a:solidFill>
@@ -5014,7 +5430,7 @@
               <a:t> </a:t>
             </a:r>
             <a:r>
-              <a:rPr lang="tr-TR" sz="900" b="0" i="1" err="1">
+              <a:rPr lang="tr-TR" sz="900" b="0" i="1" dirty="0" err="1">
                 <a:solidFill>
                   <a:srgbClr val="222222"/>
                 </a:solidFill>
@@ -5025,7 +5441,7 @@
               <a:t>Papers</a:t>
             </a:r>
             <a:r>
-              <a:rPr lang="tr-TR" sz="900" b="0" i="1">
+              <a:rPr lang="tr-TR" sz="900" b="0" i="1" dirty="0">
                 <a:solidFill>
                   <a:srgbClr val="222222"/>
                 </a:solidFill>
@@ -5038,7 +5454,7 @@
           </a:p>
           <a:p>
             <a:r>
-              <a:rPr lang="tr-TR" sz="900" b="0" i="1">
+              <a:rPr lang="tr-TR" sz="900" b="0" i="1" dirty="0">
                 <a:solidFill>
                   <a:srgbClr val="222222"/>
                 </a:solidFill>
@@ -5049,7 +5465,7 @@
               <a:t> </a:t>
             </a:r>
             <a:r>
-              <a:rPr lang="tr-TR" sz="900" b="0" i="1" err="1">
+              <a:rPr lang="tr-TR" sz="900" b="0" i="1" dirty="0" err="1">
                 <a:solidFill>
                   <a:srgbClr val="222222"/>
                 </a:solidFill>
@@ -5060,7 +5476,7 @@
               <a:t>Part</a:t>
             </a:r>
             <a:r>
-              <a:rPr lang="tr-TR" sz="900" b="0" i="1">
+              <a:rPr lang="tr-TR" sz="900" b="0" i="1" dirty="0">
                 <a:solidFill>
                   <a:srgbClr val="222222"/>
                 </a:solidFill>
@@ -5071,7 +5487,7 @@
               <a:t> I</a:t>
             </a:r>
             <a:r>
-              <a:rPr lang="tr-TR" sz="900" b="0" i="0">
+              <a:rPr lang="tr-TR" sz="900" b="0" i="0" dirty="0">
                 <a:solidFill>
                   <a:srgbClr val="222222"/>
                 </a:solidFill>
@@ -5082,7 +5498,7 @@
               <a:t> (</a:t>
             </a:r>
             <a:r>
-              <a:rPr lang="tr-TR" sz="900" b="0" i="0" err="1">
+              <a:rPr lang="tr-TR" sz="900" b="0" i="0" dirty="0" err="1">
                 <a:solidFill>
                   <a:srgbClr val="222222"/>
                 </a:solidFill>
@@ -5093,7 +5509,7 @@
               <a:t>pp</a:t>
             </a:r>
             <a:r>
-              <a:rPr lang="tr-TR" sz="900" b="0" i="0">
+              <a:rPr lang="tr-TR" sz="900" b="0" i="0" dirty="0">
                 <a:solidFill>
                   <a:srgbClr val="222222"/>
                 </a:solidFill>
@@ -5104,7 +5520,7 @@
               <a:t>. 86-96). </a:t>
             </a:r>
             <a:r>
-              <a:rPr lang="tr-TR" sz="900" b="0" i="0" err="1">
+              <a:rPr lang="tr-TR" sz="900" b="0" i="0" dirty="0" err="1">
                 <a:solidFill>
                   <a:srgbClr val="222222"/>
                 </a:solidFill>
@@ -5115,7 +5531,7 @@
               <a:t>Cham</a:t>
             </a:r>
             <a:r>
-              <a:rPr lang="tr-TR" sz="900" b="0" i="0">
+              <a:rPr lang="tr-TR" sz="900" b="0" i="0" dirty="0">
                 <a:solidFill>
                   <a:srgbClr val="222222"/>
                 </a:solidFill>
@@ -5126,7 +5542,7 @@
               <a:t>: </a:t>
             </a:r>
             <a:r>
-              <a:rPr lang="tr-TR" sz="900" b="0" i="0" err="1">
+              <a:rPr lang="tr-TR" sz="900" b="0" i="0" dirty="0" err="1">
                 <a:solidFill>
                   <a:srgbClr val="222222"/>
                 </a:solidFill>
@@ -5137,7 +5553,7 @@
               <a:t>Springer</a:t>
             </a:r>
             <a:r>
-              <a:rPr lang="tr-TR" sz="900" b="0" i="0">
+              <a:rPr lang="tr-TR" sz="900" b="0" i="0" dirty="0">
                 <a:solidFill>
                   <a:srgbClr val="222222"/>
                 </a:solidFill>
@@ -5150,7 +5566,7 @@
           </a:p>
           <a:p>
             <a:r>
-              <a:rPr lang="en-US" sz="900">
+              <a:rPr lang="en-US" sz="900" dirty="0">
                 <a:solidFill>
                   <a:srgbClr val="222222"/>
                 </a:solidFill>
@@ -5160,7 +5576,7 @@
               <a:t>[</a:t>
             </a:r>
             <a:r>
-              <a:rPr lang="tr-TR" sz="900">
+              <a:rPr lang="tr-TR" sz="900" dirty="0">
                 <a:solidFill>
                   <a:srgbClr val="222222"/>
                 </a:solidFill>
@@ -5170,7 +5586,7 @@
               <a:t>5</a:t>
             </a:r>
             <a:r>
-              <a:rPr lang="en-US" sz="900">
+              <a:rPr lang="en-US" sz="900" dirty="0">
                 <a:solidFill>
                   <a:srgbClr val="222222"/>
                 </a:solidFill>
@@ -5180,7 +5596,7 @@
               <a:t>]</a:t>
             </a:r>
             <a:r>
-              <a:rPr lang="tr-TR" sz="900">
+              <a:rPr lang="tr-TR" sz="900" dirty="0">
                 <a:solidFill>
                   <a:srgbClr val="222222"/>
                 </a:solidFill>
@@ -5190,7 +5606,7 @@
               <a:t> </a:t>
             </a:r>
             <a:r>
-              <a:rPr lang="tr-TR" sz="900" b="0" i="0" err="1">
+              <a:rPr lang="tr-TR" sz="900" b="0" i="0" dirty="0" err="1">
                 <a:solidFill>
                   <a:srgbClr val="222222"/>
                 </a:solidFill>
@@ -5201,7 +5617,7 @@
               <a:t>Karahmetoğlu</a:t>
             </a:r>
             <a:r>
-              <a:rPr lang="tr-TR" sz="900" b="0" i="0">
+              <a:rPr lang="tr-TR" sz="900" b="0" i="0" dirty="0">
                 <a:solidFill>
                   <a:srgbClr val="222222"/>
                 </a:solidFill>
@@ -5212,7 +5628,7 @@
               <a:t>, E., Ersöz, S., &amp; </a:t>
             </a:r>
             <a:r>
-              <a:rPr lang="tr-TR" sz="900" b="0" i="0" err="1">
+              <a:rPr lang="tr-TR" sz="900" b="0" i="0" dirty="0" err="1">
                 <a:solidFill>
                   <a:srgbClr val="222222"/>
                 </a:solidFill>
@@ -5223,7 +5639,7 @@
               <a:t>Karahmetoğlu</a:t>
             </a:r>
             <a:r>
-              <a:rPr lang="tr-TR" sz="900" b="0" i="0">
+              <a:rPr lang="tr-TR" sz="900" b="0" i="0" dirty="0">
                 <a:solidFill>
                   <a:srgbClr val="222222"/>
                 </a:solidFill>
@@ -5236,7 +5652,7 @@
           </a:p>
           <a:p>
             <a:r>
-              <a:rPr lang="tr-TR" sz="900" b="0" i="0">
+              <a:rPr lang="tr-TR" sz="900" b="0" i="0" dirty="0">
                 <a:solidFill>
                   <a:srgbClr val="222222"/>
                 </a:solidFill>
@@ -5247,7 +5663,7 @@
               <a:t> ANALİZİ ÇALIŞMASI. </a:t>
             </a:r>
             <a:r>
-              <a:rPr lang="tr-TR" sz="900" b="0" i="1">
+              <a:rPr lang="tr-TR" sz="900" b="0" i="1" dirty="0">
                 <a:solidFill>
                   <a:srgbClr val="222222"/>
                 </a:solidFill>
@@ -5258,7 +5674,7 @@
               <a:t>Ergonomi</a:t>
             </a:r>
             <a:r>
-              <a:rPr lang="tr-TR" sz="900" b="0" i="0">
+              <a:rPr lang="tr-TR" sz="900" b="0" i="0" dirty="0">
                 <a:solidFill>
                   <a:srgbClr val="222222"/>
                 </a:solidFill>
@@ -5269,7 +5685,7 @@
               <a:t>, </a:t>
             </a:r>
             <a:r>
-              <a:rPr lang="tr-TR" sz="900" b="0" i="1">
+              <a:rPr lang="tr-TR" sz="900" b="0" i="1" dirty="0">
                 <a:solidFill>
                   <a:srgbClr val="222222"/>
                 </a:solidFill>
@@ -5280,7 +5696,7 @@
               <a:t>4</a:t>
             </a:r>
             <a:r>
-              <a:rPr lang="tr-TR" sz="900" b="0" i="0">
+              <a:rPr lang="tr-TR" sz="900" b="0" i="0" dirty="0">
                 <a:solidFill>
                   <a:srgbClr val="222222"/>
                 </a:solidFill>
@@ -5290,7 +5706,7 @@
               </a:rPr>
               <a:t>(1), 47-54.</a:t>
             </a:r>
-            <a:endParaRPr lang="tr-TR" sz="900">
+            <a:endParaRPr lang="tr-TR" sz="900" dirty="0">
               <a:solidFill>
                 <a:srgbClr val="222222"/>
               </a:solidFill>
@@ -5300,7 +5716,7 @@
           </a:p>
           <a:p>
             <a:r>
-              <a:rPr lang="en-US" sz="900">
+              <a:rPr lang="en-US" sz="900" dirty="0">
                 <a:solidFill>
                   <a:srgbClr val="222222"/>
                 </a:solidFill>
@@ -5310,7 +5726,7 @@
               <a:t>[</a:t>
             </a:r>
             <a:r>
-              <a:rPr lang="tr-TR" sz="900">
+              <a:rPr lang="tr-TR" sz="900" dirty="0">
                 <a:solidFill>
                   <a:srgbClr val="222222"/>
                 </a:solidFill>
@@ -5320,7 +5736,7 @@
               <a:t>6</a:t>
             </a:r>
             <a:r>
-              <a:rPr lang="en-US" sz="900">
+              <a:rPr lang="en-US" sz="900" dirty="0">
                 <a:solidFill>
                   <a:srgbClr val="222222"/>
                 </a:solidFill>
@@ -5330,7 +5746,7 @@
               <a:t>]</a:t>
             </a:r>
             <a:r>
-              <a:rPr lang="tr-TR" sz="900">
+              <a:rPr lang="tr-TR" sz="900" dirty="0">
                 <a:solidFill>
                   <a:srgbClr val="222222"/>
                 </a:solidFill>
@@ -5340,7 +5756,7 @@
               <a:t> </a:t>
             </a:r>
             <a:r>
-              <a:rPr lang="tr-TR" sz="900" b="0" i="0" err="1">
+              <a:rPr lang="tr-TR" sz="900" b="0" i="0" dirty="0" err="1">
                 <a:solidFill>
                   <a:srgbClr val="222222"/>
                 </a:solidFill>
@@ -5351,7 +5767,7 @@
               <a:t>Sousa</a:t>
             </a:r>
             <a:r>
-              <a:rPr lang="tr-TR" sz="900" b="0" i="0">
+              <a:rPr lang="tr-TR" sz="900" b="0" i="0" dirty="0">
                 <a:solidFill>
                   <a:srgbClr val="222222"/>
                 </a:solidFill>
@@ -5362,7 +5778,7 @@
               <a:t>, M. G., </a:t>
             </a:r>
             <a:r>
-              <a:rPr lang="tr-TR" sz="900" b="0" i="0" err="1">
+              <a:rPr lang="tr-TR" sz="900" b="0" i="0" dirty="0" err="1">
                 <a:solidFill>
                   <a:srgbClr val="222222"/>
                 </a:solidFill>
@@ -5373,7 +5789,7 @@
               <a:t>Sakiyama</a:t>
             </a:r>
             <a:r>
-              <a:rPr lang="tr-TR" sz="900" b="0" i="0">
+              <a:rPr lang="tr-TR" sz="900" b="0" i="0" dirty="0">
                 <a:solidFill>
                   <a:srgbClr val="222222"/>
                 </a:solidFill>
@@ -5384,7 +5800,7 @@
               <a:t>, K., de </a:t>
             </a:r>
             <a:r>
-              <a:rPr lang="tr-TR" sz="900" b="0" i="0" err="1">
+              <a:rPr lang="tr-TR" sz="900" b="0" i="0" dirty="0" err="1">
                 <a:solidFill>
                   <a:srgbClr val="222222"/>
                 </a:solidFill>
@@ -5395,7 +5811,7 @@
               <a:t>Souza</a:t>
             </a:r>
             <a:r>
-              <a:rPr lang="tr-TR" sz="900" b="0" i="0">
+              <a:rPr lang="tr-TR" sz="900" b="0" i="0" dirty="0">
                 <a:solidFill>
                   <a:srgbClr val="222222"/>
                 </a:solidFill>
@@ -5406,7 +5822,7 @@
               <a:t> </a:t>
             </a:r>
             <a:r>
-              <a:rPr lang="tr-TR" sz="900" b="0" i="0" err="1">
+              <a:rPr lang="tr-TR" sz="900" b="0" i="0" dirty="0" err="1">
                 <a:solidFill>
                   <a:srgbClr val="222222"/>
                 </a:solidFill>
@@ -5417,7 +5833,7 @@
               <a:t>Rodrigues</a:t>
             </a:r>
             <a:r>
-              <a:rPr lang="tr-TR" sz="900" b="0" i="0">
+              <a:rPr lang="tr-TR" sz="900" b="0" i="0" dirty="0">
                 <a:solidFill>
                   <a:srgbClr val="222222"/>
                 </a:solidFill>
@@ -5428,7 +5844,7 @@
               <a:t>, L., </a:t>
             </a:r>
             <a:r>
-              <a:rPr lang="tr-TR" sz="900" b="0" i="0" err="1">
+              <a:rPr lang="tr-TR" sz="900" b="0" i="0" dirty="0" err="1">
                 <a:solidFill>
                   <a:srgbClr val="222222"/>
                 </a:solidFill>
@@ -5439,7 +5855,7 @@
               <a:t>Moraes</a:t>
             </a:r>
             <a:r>
-              <a:rPr lang="tr-TR" sz="900" b="0" i="0">
+              <a:rPr lang="tr-TR" sz="900" b="0" i="0" dirty="0">
                 <a:solidFill>
                   <a:srgbClr val="222222"/>
                 </a:solidFill>
@@ -5450,7 +5866,7 @@
               <a:t>, P. H., </a:t>
             </a:r>
             <a:r>
-              <a:rPr lang="tr-TR" sz="900" b="0" i="0" err="1">
+              <a:rPr lang="tr-TR" sz="900" b="0" i="0" dirty="0" err="1">
                 <a:solidFill>
                   <a:srgbClr val="222222"/>
                 </a:solidFill>
@@ -5461,7 +5877,7 @@
               <a:t>Fernandes</a:t>
             </a:r>
             <a:r>
-              <a:rPr lang="tr-TR" sz="900" b="0" i="0">
+              <a:rPr lang="tr-TR" sz="900" b="0" i="0" dirty="0">
                 <a:solidFill>
                   <a:srgbClr val="222222"/>
                 </a:solidFill>
@@ -5472,7 +5888,7 @@
               <a:t>, E. R., &amp; </a:t>
             </a:r>
             <a:r>
-              <a:rPr lang="tr-TR" sz="900" b="0" i="0" err="1">
+              <a:rPr lang="tr-TR" sz="900" b="0" i="0" dirty="0" err="1">
                 <a:solidFill>
                   <a:srgbClr val="222222"/>
                 </a:solidFill>
@@ -5483,7 +5899,7 @@
               <a:t>Matsubara</a:t>
             </a:r>
             <a:r>
-              <a:rPr lang="tr-TR" sz="900" b="0" i="0">
+              <a:rPr lang="tr-TR" sz="900" b="0" i="0" dirty="0">
                 <a:solidFill>
                   <a:srgbClr val="222222"/>
                 </a:solidFill>
@@ -5494,7 +5910,7 @@
               <a:t>, E. T. (2019, </a:t>
             </a:r>
             <a:r>
-              <a:rPr lang="tr-TR" sz="900" b="0" i="0" err="1">
+              <a:rPr lang="tr-TR" sz="900" b="0" i="0" dirty="0" err="1">
                 <a:solidFill>
                   <a:srgbClr val="222222"/>
                 </a:solidFill>
@@ -5505,7 +5921,7 @@
               <a:t>November</a:t>
             </a:r>
             <a:r>
-              <a:rPr lang="tr-TR" sz="900" b="0" i="0">
+              <a:rPr lang="tr-TR" sz="900" b="0" i="0" dirty="0">
                 <a:solidFill>
                   <a:srgbClr val="222222"/>
                 </a:solidFill>
@@ -5516,7 +5932,7 @@
               <a:t>). BERT </a:t>
             </a:r>
             <a:r>
-              <a:rPr lang="tr-TR" sz="900" b="0" i="0" err="1">
+              <a:rPr lang="tr-TR" sz="900" b="0" i="0" dirty="0" err="1">
                 <a:solidFill>
                   <a:srgbClr val="222222"/>
                 </a:solidFill>
@@ -5527,7 +5943,7 @@
               <a:t>for</a:t>
             </a:r>
             <a:r>
-              <a:rPr lang="tr-TR" sz="900" b="0" i="0">
+              <a:rPr lang="tr-TR" sz="900" b="0" i="0" dirty="0">
                 <a:solidFill>
                   <a:srgbClr val="222222"/>
                 </a:solidFill>
@@ -5538,7 +5954,7 @@
               <a:t> </a:t>
             </a:r>
             <a:r>
-              <a:rPr lang="tr-TR" sz="900" b="0" i="0" err="1">
+              <a:rPr lang="tr-TR" sz="900" b="0" i="0" dirty="0" err="1">
                 <a:solidFill>
                   <a:srgbClr val="222222"/>
                 </a:solidFill>
@@ -5549,7 +5965,7 @@
               <a:t>stock</a:t>
             </a:r>
             <a:r>
-              <a:rPr lang="tr-TR" sz="900" b="0" i="0">
+              <a:rPr lang="tr-TR" sz="900" b="0" i="0" dirty="0">
                 <a:solidFill>
                   <a:srgbClr val="222222"/>
                 </a:solidFill>
@@ -5560,7 +5976,7 @@
               <a:t> market </a:t>
             </a:r>
             <a:r>
-              <a:rPr lang="tr-TR" sz="900" b="0" i="0" err="1">
+              <a:rPr lang="tr-TR" sz="900" b="0" i="0" dirty="0" err="1">
                 <a:solidFill>
                   <a:srgbClr val="222222"/>
                 </a:solidFill>
@@ -5571,7 +5987,7 @@
               <a:t>sentiment</a:t>
             </a:r>
             <a:r>
-              <a:rPr lang="tr-TR" sz="900" b="0" i="0">
+              <a:rPr lang="tr-TR" sz="900" b="0" i="0" dirty="0">
                 <a:solidFill>
                   <a:srgbClr val="222222"/>
                 </a:solidFill>
@@ -5582,7 +5998,7 @@
               <a:t> </a:t>
             </a:r>
             <a:r>
-              <a:rPr lang="tr-TR" sz="900" b="0" i="0" err="1">
+              <a:rPr lang="tr-TR" sz="900" b="0" i="0" dirty="0" err="1">
                 <a:solidFill>
                   <a:srgbClr val="222222"/>
                 </a:solidFill>
@@ -5593,7 +6009,7 @@
               <a:t>analysis</a:t>
             </a:r>
             <a:r>
-              <a:rPr lang="tr-TR" sz="900" b="0" i="0">
+              <a:rPr lang="tr-TR" sz="900" b="0" i="0" dirty="0">
                 <a:solidFill>
                   <a:srgbClr val="222222"/>
                 </a:solidFill>
@@ -5604,7 +6020,7 @@
               <a:t>. </a:t>
             </a:r>
             <a:r>
-              <a:rPr lang="tr-TR" sz="900" b="0" i="0" err="1">
+              <a:rPr lang="tr-TR" sz="900" b="0" i="0" dirty="0" err="1">
                 <a:solidFill>
                   <a:srgbClr val="222222"/>
                 </a:solidFill>
@@ -5614,7 +6030,7 @@
               </a:rPr>
               <a:t>In</a:t>
             </a:r>
-            <a:endParaRPr lang="tr-TR" sz="900" b="0" i="0">
+            <a:endParaRPr lang="tr-TR" sz="900" b="0" i="0" dirty="0">
               <a:solidFill>
                 <a:srgbClr val="222222"/>
               </a:solidFill>
@@ -5625,7 +6041,7 @@
           </a:p>
           <a:p>
             <a:r>
-              <a:rPr lang="tr-TR" sz="900" b="0" i="0">
+              <a:rPr lang="tr-TR" sz="900" b="0" i="0" dirty="0">
                 <a:solidFill>
                   <a:srgbClr val="222222"/>
                 </a:solidFill>
@@ -5636,7 +6052,7 @@
               <a:t> </a:t>
             </a:r>
             <a:r>
-              <a:rPr lang="tr-TR" sz="900" b="0" i="1">
+              <a:rPr lang="tr-TR" sz="900" b="0" i="1" dirty="0">
                 <a:solidFill>
                   <a:srgbClr val="222222"/>
                 </a:solidFill>
@@ -5647,7 +6063,7 @@
               <a:t>2019 IEEE 31st International Conference on Tools </a:t>
             </a:r>
             <a:r>
-              <a:rPr lang="tr-TR" sz="900" b="0" i="1" err="1">
+              <a:rPr lang="tr-TR" sz="900" b="0" i="1" dirty="0" err="1">
                 <a:solidFill>
                   <a:srgbClr val="222222"/>
                 </a:solidFill>
@@ -5658,7 +6074,7 @@
               <a:t>with</a:t>
             </a:r>
             <a:r>
-              <a:rPr lang="tr-TR" sz="900" b="0" i="1">
+              <a:rPr lang="tr-TR" sz="900" b="0" i="1" dirty="0">
                 <a:solidFill>
                   <a:srgbClr val="222222"/>
                 </a:solidFill>
@@ -5669,7 +6085,7 @@
               <a:t> </a:t>
             </a:r>
             <a:r>
-              <a:rPr lang="tr-TR" sz="900" b="0" i="1" err="1">
+              <a:rPr lang="tr-TR" sz="900" b="0" i="1" dirty="0" err="1">
                 <a:solidFill>
                   <a:srgbClr val="222222"/>
                 </a:solidFill>
@@ -5680,7 +6096,7 @@
               <a:t>Artificial</a:t>
             </a:r>
             <a:r>
-              <a:rPr lang="tr-TR" sz="900" b="0" i="1">
+              <a:rPr lang="tr-TR" sz="900" b="0" i="1" dirty="0">
                 <a:solidFill>
                   <a:srgbClr val="222222"/>
                 </a:solidFill>
@@ -5691,7 +6107,7 @@
               <a:t> </a:t>
             </a:r>
             <a:r>
-              <a:rPr lang="tr-TR" sz="900" b="0" i="1" err="1">
+              <a:rPr lang="tr-TR" sz="900" b="0" i="1" dirty="0" err="1">
                 <a:solidFill>
                   <a:srgbClr val="222222"/>
                 </a:solidFill>
@@ -5702,7 +6118,7 @@
               <a:t>Intelligence</a:t>
             </a:r>
             <a:r>
-              <a:rPr lang="tr-TR" sz="900" b="0" i="1">
+              <a:rPr lang="tr-TR" sz="900" b="0" i="1" dirty="0">
                 <a:solidFill>
                   <a:srgbClr val="222222"/>
                 </a:solidFill>
@@ -5713,7 +6129,7 @@
               <a:t> (ICTAI)</a:t>
             </a:r>
             <a:r>
-              <a:rPr lang="tr-TR" sz="900" b="0" i="0">
+              <a:rPr lang="tr-TR" sz="900" b="0" i="0" dirty="0">
                 <a:solidFill>
                   <a:srgbClr val="222222"/>
                 </a:solidFill>
@@ -5724,7 +6140,7 @@
               <a:t> (</a:t>
             </a:r>
             <a:r>
-              <a:rPr lang="tr-TR" sz="900" b="0" i="0" err="1">
+              <a:rPr lang="tr-TR" sz="900" b="0" i="0" dirty="0" err="1">
                 <a:solidFill>
                   <a:srgbClr val="222222"/>
                 </a:solidFill>
@@ -5735,7 +6151,7 @@
               <a:t>pp</a:t>
             </a:r>
             <a:r>
-              <a:rPr lang="tr-TR" sz="900" b="0" i="0">
+              <a:rPr lang="tr-TR" sz="900" b="0" i="0" dirty="0">
                 <a:solidFill>
                   <a:srgbClr val="222222"/>
                 </a:solidFill>
@@ -5748,7 +6164,7 @@
           </a:p>
           <a:p>
             <a:r>
-              <a:rPr lang="tr-TR" sz="900">
+              <a:rPr lang="tr-TR" sz="900" dirty="0">
                 <a:solidFill>
                   <a:srgbClr val="222222"/>
                 </a:solidFill>
@@ -5758,7 +6174,7 @@
               <a:t>[7] </a:t>
             </a:r>
             <a:r>
-              <a:rPr lang="en-US" sz="900" b="0" i="0">
+              <a:rPr lang="en-US" sz="900" b="0" i="0" dirty="0">
                 <a:solidFill>
                   <a:srgbClr val="222222"/>
                 </a:solidFill>
@@ -5769,7 +6185,7 @@
               <a:t>Zhao, L., Li, L., Zheng, X., &amp; Zhang, J. (2021, May). A BERT based sentiment analysis and key entity detection approach for online financial texts. In </a:t>
             </a:r>
             <a:r>
-              <a:rPr lang="en-US" sz="900" b="0" i="1">
+              <a:rPr lang="en-US" sz="900" b="0" i="1" dirty="0">
                 <a:solidFill>
                   <a:srgbClr val="222222"/>
                 </a:solidFill>
@@ -5779,7 +6195,7 @@
               </a:rPr>
               <a:t>2021 IEEE 24th </a:t>
             </a:r>
-            <a:endParaRPr lang="tr-TR" sz="900" b="0" i="1">
+            <a:endParaRPr lang="tr-TR" sz="900" b="0" i="1" dirty="0">
               <a:solidFill>
                 <a:srgbClr val="222222"/>
               </a:solidFill>
@@ -5790,7 +6206,7 @@
           </a:p>
           <a:p>
             <a:r>
-              <a:rPr lang="en-US" sz="900" b="0" i="1">
+              <a:rPr lang="en-US" sz="900" b="0" i="1" dirty="0">
                 <a:solidFill>
                   <a:srgbClr val="222222"/>
                 </a:solidFill>
@@ -5801,7 +6217,7 @@
               <a:t>International Conference on Computer Supported Cooperative Work in Design (CSCWD)</a:t>
             </a:r>
             <a:r>
-              <a:rPr lang="en-US" sz="900" b="0" i="0">
+              <a:rPr lang="en-US" sz="900" b="0" i="0" dirty="0">
                 <a:solidFill>
                   <a:srgbClr val="222222"/>
                 </a:solidFill>
@@ -5811,14 +6227,14 @@
               </a:rPr>
               <a:t> (pp. 1233-1238). IEEE.</a:t>
             </a:r>
-            <a:endParaRPr lang="tr-TR" sz="900">
+            <a:endParaRPr lang="tr-TR" sz="900" dirty="0">
               <a:latin typeface="Arial" panose="020B0604020202020204" pitchFamily="34" charset="0"/>
               <a:cs typeface="Arial" panose="020B0604020202020204" pitchFamily="34" charset="0"/>
             </a:endParaRPr>
           </a:p>
           <a:p>
             <a:r>
-              <a:rPr lang="tr-TR" sz="900">
+              <a:rPr lang="tr-TR" sz="900" dirty="0">
                 <a:solidFill>
                   <a:srgbClr val="222222"/>
                 </a:solidFill>
@@ -5828,7 +6244,7 @@
               <a:t>[8</a:t>
             </a:r>
             <a:r>
-              <a:rPr lang="en-US" sz="900">
+              <a:rPr lang="en-US" sz="900" dirty="0">
                 <a:solidFill>
                   <a:srgbClr val="222222"/>
                 </a:solidFill>
@@ -5838,7 +6254,7 @@
               <a:t>] </a:t>
             </a:r>
             <a:r>
-              <a:rPr lang="tr-TR" sz="900" b="0" i="0" err="1">
+              <a:rPr lang="tr-TR" sz="900" b="0" i="0" dirty="0" err="1">
                 <a:solidFill>
                   <a:srgbClr val="222222"/>
                 </a:solidFill>
@@ -5849,7 +6265,7 @@
               <a:t>Acikalin</a:t>
             </a:r>
             <a:r>
-              <a:rPr lang="tr-TR" sz="900" b="0" i="0">
+              <a:rPr lang="tr-TR" sz="900" b="0" i="0" dirty="0">
                 <a:solidFill>
                   <a:srgbClr val="222222"/>
                 </a:solidFill>
@@ -5860,7 +6276,7 @@
               <a:t>, U. U., Bardak, B., &amp; Kutlu, M. (2020, </a:t>
             </a:r>
             <a:r>
-              <a:rPr lang="tr-TR" sz="900" b="0" i="0" err="1">
+              <a:rPr lang="tr-TR" sz="900" b="0" i="0" dirty="0" err="1">
                 <a:solidFill>
                   <a:srgbClr val="222222"/>
                 </a:solidFill>
@@ -5871,7 +6287,7 @@
               <a:t>October</a:t>
             </a:r>
             <a:r>
-              <a:rPr lang="tr-TR" sz="900" b="0" i="0">
+              <a:rPr lang="tr-TR" sz="900" b="0" i="0" dirty="0">
                 <a:solidFill>
                   <a:srgbClr val="222222"/>
                 </a:solidFill>
@@ -5882,7 +6298,7 @@
               <a:t>). </a:t>
             </a:r>
             <a:r>
-              <a:rPr lang="tr-TR" sz="900" b="0" i="0" err="1">
+              <a:rPr lang="tr-TR" sz="900" b="0" i="0" dirty="0" err="1">
                 <a:solidFill>
                   <a:srgbClr val="222222"/>
                 </a:solidFill>
@@ -5893,7 +6309,7 @@
               <a:t>Turkish</a:t>
             </a:r>
             <a:r>
-              <a:rPr lang="tr-TR" sz="900" b="0" i="0">
+              <a:rPr lang="tr-TR" sz="900" b="0" i="0" dirty="0">
                 <a:solidFill>
                   <a:srgbClr val="222222"/>
                 </a:solidFill>
@@ -5904,7 +6320,7 @@
               <a:t> </a:t>
             </a:r>
             <a:r>
-              <a:rPr lang="tr-TR" sz="900" b="0" i="0" err="1">
+              <a:rPr lang="tr-TR" sz="900" b="0" i="0" dirty="0" err="1">
                 <a:solidFill>
                   <a:srgbClr val="222222"/>
                 </a:solidFill>
@@ -5915,7 +6331,7 @@
               <a:t>sentiment</a:t>
             </a:r>
             <a:r>
-              <a:rPr lang="tr-TR" sz="900" b="0" i="0">
+              <a:rPr lang="tr-TR" sz="900" b="0" i="0" dirty="0">
                 <a:solidFill>
                   <a:srgbClr val="222222"/>
                 </a:solidFill>
@@ -5926,7 +6342,7 @@
               <a:t> </a:t>
             </a:r>
             <a:r>
-              <a:rPr lang="tr-TR" sz="900" b="0" i="0" err="1">
+              <a:rPr lang="tr-TR" sz="900" b="0" i="0" dirty="0" err="1">
                 <a:solidFill>
                   <a:srgbClr val="222222"/>
                 </a:solidFill>
@@ -5937,7 +6353,7 @@
               <a:t>analysis</a:t>
             </a:r>
             <a:r>
-              <a:rPr lang="tr-TR" sz="900" b="0" i="0">
+              <a:rPr lang="tr-TR" sz="900" b="0" i="0" dirty="0">
                 <a:solidFill>
                   <a:srgbClr val="222222"/>
                 </a:solidFill>
@@ -5948,7 +6364,7 @@
               <a:t> </a:t>
             </a:r>
             <a:r>
-              <a:rPr lang="tr-TR" sz="900" b="0" i="0" err="1">
+              <a:rPr lang="tr-TR" sz="900" b="0" i="0" dirty="0" err="1">
                 <a:solidFill>
                   <a:srgbClr val="222222"/>
                 </a:solidFill>
@@ -5959,7 +6375,7 @@
               <a:t>using</a:t>
             </a:r>
             <a:r>
-              <a:rPr lang="tr-TR" sz="900" b="0" i="0">
+              <a:rPr lang="tr-TR" sz="900" b="0" i="0" dirty="0">
                 <a:solidFill>
                   <a:srgbClr val="222222"/>
                 </a:solidFill>
@@ -5970,7 +6386,7 @@
               <a:t> bert. </a:t>
             </a:r>
             <a:r>
-              <a:rPr lang="tr-TR" sz="900" b="0" i="0" err="1">
+              <a:rPr lang="tr-TR" sz="900" b="0" i="0" dirty="0" err="1">
                 <a:solidFill>
                   <a:srgbClr val="222222"/>
                 </a:solidFill>
@@ -5981,7 +6397,7 @@
               <a:t>In</a:t>
             </a:r>
             <a:r>
-              <a:rPr lang="tr-TR" sz="900" b="0" i="0">
+              <a:rPr lang="tr-TR" sz="900" b="0" i="0" dirty="0">
                 <a:solidFill>
                   <a:srgbClr val="222222"/>
                 </a:solidFill>
@@ -5992,7 +6408,7 @@
               <a:t> </a:t>
             </a:r>
             <a:r>
-              <a:rPr lang="tr-TR" sz="900" b="0" i="1">
+              <a:rPr lang="tr-TR" sz="900" b="0" i="1" dirty="0">
                 <a:solidFill>
                   <a:srgbClr val="222222"/>
                 </a:solidFill>
@@ -6003,7 +6419,7 @@
               <a:t>2020 28th </a:t>
             </a:r>
             <a:r>
-              <a:rPr lang="tr-TR" sz="900" b="0" i="1" err="1">
+              <a:rPr lang="tr-TR" sz="900" b="0" i="1" dirty="0" err="1">
                 <a:solidFill>
                   <a:srgbClr val="222222"/>
                 </a:solidFill>
@@ -6014,7 +6430,7 @@
               <a:t>Signal</a:t>
             </a:r>
             <a:r>
-              <a:rPr lang="tr-TR" sz="900" b="0" i="1">
+              <a:rPr lang="tr-TR" sz="900" b="0" i="1" dirty="0">
                 <a:solidFill>
                   <a:srgbClr val="222222"/>
                 </a:solidFill>
@@ -6025,7 +6441,7 @@
               <a:t> </a:t>
             </a:r>
             <a:r>
-              <a:rPr lang="tr-TR" sz="900" b="0" i="1" err="1">
+              <a:rPr lang="tr-TR" sz="900" b="0" i="1" dirty="0" err="1">
                 <a:solidFill>
                   <a:srgbClr val="222222"/>
                 </a:solidFill>
@@ -6036,7 +6452,7 @@
               <a:t>Processing</a:t>
             </a:r>
             <a:r>
-              <a:rPr lang="tr-TR" sz="900" b="0" i="1">
+              <a:rPr lang="tr-TR" sz="900" b="0" i="1" dirty="0">
                 <a:solidFill>
                   <a:srgbClr val="222222"/>
                 </a:solidFill>
@@ -6047,7 +6463,7 @@
               <a:t> </a:t>
             </a:r>
             <a:r>
-              <a:rPr lang="tr-TR" sz="900" b="0" i="1" err="1">
+              <a:rPr lang="tr-TR" sz="900" b="0" i="1" dirty="0" err="1">
                 <a:solidFill>
                   <a:srgbClr val="222222"/>
                 </a:solidFill>
@@ -6058,7 +6474,7 @@
               <a:t>and</a:t>
             </a:r>
             <a:r>
-              <a:rPr lang="tr-TR" sz="900" b="0" i="1">
+              <a:rPr lang="tr-TR" sz="900" b="0" i="1" dirty="0">
                 <a:solidFill>
                   <a:srgbClr val="222222"/>
                 </a:solidFill>
@@ -6071,7 +6487,7 @@
           </a:p>
           <a:p>
             <a:r>
-              <a:rPr lang="tr-TR" sz="900" b="0" i="0">
+              <a:rPr lang="tr-TR" sz="900" b="0" i="0" dirty="0">
                 <a:solidFill>
                   <a:srgbClr val="222222"/>
                 </a:solidFill>
@@ -6082,7 +6498,7 @@
               <a:t> (</a:t>
             </a:r>
             <a:r>
-              <a:rPr lang="tr-TR" sz="900" b="0" i="0" err="1">
+              <a:rPr lang="tr-TR" sz="900" b="0" i="0" dirty="0" err="1">
                 <a:solidFill>
                   <a:srgbClr val="222222"/>
                 </a:solidFill>
@@ -6093,7 +6509,7 @@
               <a:t>pp</a:t>
             </a:r>
             <a:r>
-              <a:rPr lang="tr-TR" sz="900" b="0" i="0">
+              <a:rPr lang="tr-TR" sz="900" b="0" i="0" dirty="0">
                 <a:solidFill>
                   <a:srgbClr val="222222"/>
                 </a:solidFill>
@@ -6106,7 +6522,7 @@
           </a:p>
           <a:p>
             <a:r>
-              <a:rPr lang="en-US" sz="900">
+              <a:rPr lang="en-US" sz="900" dirty="0">
                 <a:solidFill>
                   <a:srgbClr val="222222"/>
                 </a:solidFill>
@@ -6116,7 +6532,7 @@
               <a:t>[</a:t>
             </a:r>
             <a:r>
-              <a:rPr lang="tr-TR" sz="900">
+              <a:rPr lang="tr-TR" sz="900" dirty="0">
                 <a:solidFill>
                   <a:srgbClr val="222222"/>
                 </a:solidFill>
@@ -6126,7 +6542,7 @@
               <a:t>9</a:t>
             </a:r>
             <a:r>
-              <a:rPr lang="en-US" sz="900">
+              <a:rPr lang="en-US" sz="900" dirty="0">
                 <a:solidFill>
                   <a:srgbClr val="222222"/>
                 </a:solidFill>
@@ -6136,18 +6552,40 @@
               <a:t>] </a:t>
             </a:r>
             <a:r>
-              <a:rPr lang="tr-TR" sz="900" b="0" i="0">
-                <a:solidFill>
-                  <a:srgbClr val="222222"/>
-                </a:solidFill>
-                <a:effectLst/>
-                <a:latin typeface="Arial" panose="020B0604020202020204" pitchFamily="34" charset="0"/>
-                <a:cs typeface="Arial" panose="020B0604020202020204" pitchFamily="34" charset="0"/>
-              </a:rPr>
-              <a:t>Karimi, A., Rossi, L., &amp; </a:t>
-            </a:r>
-            <a:r>
-              <a:rPr lang="tr-TR" sz="900" b="0" i="0" err="1">
+              <a:rPr lang="tr-TR" sz="900" b="0" i="0" dirty="0">
+                <a:solidFill>
+                  <a:srgbClr val="222222"/>
+                </a:solidFill>
+                <a:effectLst/>
+                <a:latin typeface="Arial" panose="020B0604020202020204" pitchFamily="34" charset="0"/>
+                <a:cs typeface="Arial" panose="020B0604020202020204" pitchFamily="34" charset="0"/>
+              </a:rPr>
+              <a:t>Karimi, A., </a:t>
+            </a:r>
+            <a:r>
+              <a:rPr lang="tr-TR" sz="900" b="0" i="0" dirty="0" err="1">
+                <a:solidFill>
+                  <a:srgbClr val="222222"/>
+                </a:solidFill>
+                <a:effectLst/>
+                <a:latin typeface="Arial" panose="020B0604020202020204" pitchFamily="34" charset="0"/>
+                <a:cs typeface="Arial" panose="020B0604020202020204" pitchFamily="34" charset="0"/>
+              </a:rPr>
+              <a:t>Rossi</a:t>
+            </a:r>
+            <a:r>
+              <a:rPr lang="tr-TR" sz="900" b="0" i="0" dirty="0">
+                <a:solidFill>
+                  <a:srgbClr val="222222"/>
+                </a:solidFill>
+                <a:effectLst/>
+                <a:latin typeface="Arial" panose="020B0604020202020204" pitchFamily="34" charset="0"/>
+                <a:cs typeface="Arial" panose="020B0604020202020204" pitchFamily="34" charset="0"/>
+              </a:rPr>
+              <a:t>, L., &amp; </a:t>
+            </a:r>
+            <a:r>
+              <a:rPr lang="tr-TR" sz="900" b="0" i="0" dirty="0" err="1">
                 <a:solidFill>
                   <a:srgbClr val="222222"/>
                 </a:solidFill>
@@ -6158,7 +6596,7 @@
               <a:t>Prati</a:t>
             </a:r>
             <a:r>
-              <a:rPr lang="tr-TR" sz="900" b="0" i="0">
+              <a:rPr lang="tr-TR" sz="900" b="0" i="0" dirty="0">
                 <a:solidFill>
                   <a:srgbClr val="222222"/>
                 </a:solidFill>
@@ -6169,7 +6607,7 @@
               <a:t>, A. (2021, </a:t>
             </a:r>
             <a:r>
-              <a:rPr lang="tr-TR" sz="900" b="0" i="0" err="1">
+              <a:rPr lang="tr-TR" sz="900" b="0" i="0" dirty="0" err="1">
                 <a:solidFill>
                   <a:srgbClr val="222222"/>
                 </a:solidFill>
@@ -6180,7 +6618,7 @@
               <a:t>January</a:t>
             </a:r>
             <a:r>
-              <a:rPr lang="tr-TR" sz="900" b="0" i="0">
+              <a:rPr lang="tr-TR" sz="900" b="0" i="0" dirty="0">
                 <a:solidFill>
                   <a:srgbClr val="222222"/>
                 </a:solidFill>
@@ -6191,7 +6629,7 @@
               <a:t>). </a:t>
             </a:r>
             <a:r>
-              <a:rPr lang="tr-TR" sz="900" b="0" i="0" err="1">
+              <a:rPr lang="tr-TR" sz="900" b="0" i="0" dirty="0" err="1">
                 <a:solidFill>
                   <a:srgbClr val="222222"/>
                 </a:solidFill>
@@ -6202,7 +6640,7 @@
               <a:t>Adversarial</a:t>
             </a:r>
             <a:r>
-              <a:rPr lang="tr-TR" sz="900" b="0" i="0">
+              <a:rPr lang="tr-TR" sz="900" b="0" i="0" dirty="0">
                 <a:solidFill>
                   <a:srgbClr val="222222"/>
                 </a:solidFill>
@@ -6213,7 +6651,7 @@
               <a:t> </a:t>
             </a:r>
             <a:r>
-              <a:rPr lang="tr-TR" sz="900" b="0" i="0" err="1">
+              <a:rPr lang="tr-TR" sz="900" b="0" i="0" dirty="0" err="1">
                 <a:solidFill>
                   <a:srgbClr val="222222"/>
                 </a:solidFill>
@@ -6224,7 +6662,7 @@
               <a:t>training</a:t>
             </a:r>
             <a:r>
-              <a:rPr lang="tr-TR" sz="900" b="0" i="0">
+              <a:rPr lang="tr-TR" sz="900" b="0" i="0" dirty="0">
                 <a:solidFill>
                   <a:srgbClr val="222222"/>
                 </a:solidFill>
@@ -6235,7 +6673,7 @@
               <a:t> </a:t>
             </a:r>
             <a:r>
-              <a:rPr lang="tr-TR" sz="900" b="0" i="0" err="1">
+              <a:rPr lang="tr-TR" sz="900" b="0" i="0" dirty="0" err="1">
                 <a:solidFill>
                   <a:srgbClr val="222222"/>
                 </a:solidFill>
@@ -6246,7 +6684,7 @@
               <a:t>for</a:t>
             </a:r>
             <a:r>
-              <a:rPr lang="tr-TR" sz="900" b="0" i="0">
+              <a:rPr lang="tr-TR" sz="900" b="0" i="0" dirty="0">
                 <a:solidFill>
                   <a:srgbClr val="222222"/>
                 </a:solidFill>
@@ -6257,7 +6695,7 @@
               <a:t> </a:t>
             </a:r>
             <a:r>
-              <a:rPr lang="tr-TR" sz="900" b="0" i="0" err="1">
+              <a:rPr lang="tr-TR" sz="900" b="0" i="0" dirty="0" err="1">
                 <a:solidFill>
                   <a:srgbClr val="222222"/>
                 </a:solidFill>
@@ -6268,7 +6706,7 @@
               <a:t>aspect-based</a:t>
             </a:r>
             <a:r>
-              <a:rPr lang="tr-TR" sz="900" b="0" i="0">
+              <a:rPr lang="tr-TR" sz="900" b="0" i="0" dirty="0">
                 <a:solidFill>
                   <a:srgbClr val="222222"/>
                 </a:solidFill>
@@ -6279,7 +6717,7 @@
               <a:t> </a:t>
             </a:r>
             <a:r>
-              <a:rPr lang="tr-TR" sz="900" b="0" i="0" err="1">
+              <a:rPr lang="tr-TR" sz="900" b="0" i="0" dirty="0" err="1">
                 <a:solidFill>
                   <a:srgbClr val="222222"/>
                 </a:solidFill>
@@ -6290,7 +6728,7 @@
               <a:t>sentiment</a:t>
             </a:r>
             <a:r>
-              <a:rPr lang="tr-TR" sz="900" b="0" i="0">
+              <a:rPr lang="tr-TR" sz="900" b="0" i="0" dirty="0">
                 <a:solidFill>
                   <a:srgbClr val="222222"/>
                 </a:solidFill>
@@ -6301,7 +6739,7 @@
               <a:t> </a:t>
             </a:r>
             <a:r>
-              <a:rPr lang="tr-TR" sz="900" b="0" i="0" err="1">
+              <a:rPr lang="tr-TR" sz="900" b="0" i="0" dirty="0" err="1">
                 <a:solidFill>
                   <a:srgbClr val="222222"/>
                 </a:solidFill>
@@ -6312,7 +6750,7 @@
               <a:t>analysis</a:t>
             </a:r>
             <a:r>
-              <a:rPr lang="tr-TR" sz="900" b="0" i="0">
+              <a:rPr lang="tr-TR" sz="900" b="0" i="0" dirty="0">
                 <a:solidFill>
                   <a:srgbClr val="222222"/>
                 </a:solidFill>
@@ -6323,7 +6761,7 @@
               <a:t> </a:t>
             </a:r>
             <a:r>
-              <a:rPr lang="tr-TR" sz="900" b="0" i="0" err="1">
+              <a:rPr lang="tr-TR" sz="900" b="0" i="0" dirty="0" err="1">
                 <a:solidFill>
                   <a:srgbClr val="222222"/>
                 </a:solidFill>
@@ -6334,7 +6772,7 @@
               <a:t>with</a:t>
             </a:r>
             <a:r>
-              <a:rPr lang="tr-TR" sz="900" b="0" i="0">
+              <a:rPr lang="tr-TR" sz="900" b="0" i="0" dirty="0">
                 <a:solidFill>
                   <a:srgbClr val="222222"/>
                 </a:solidFill>
@@ -6345,7 +6783,7 @@
               <a:t> bert. </a:t>
             </a:r>
             <a:r>
-              <a:rPr lang="tr-TR" sz="900" b="0" i="0" err="1">
+              <a:rPr lang="tr-TR" sz="900" b="0" i="0" dirty="0" err="1">
                 <a:solidFill>
                   <a:srgbClr val="222222"/>
                 </a:solidFill>
@@ -6356,7 +6794,7 @@
               <a:t>In</a:t>
             </a:r>
             <a:r>
-              <a:rPr lang="tr-TR" sz="900" b="0" i="0">
+              <a:rPr lang="tr-TR" sz="900" b="0" i="0" dirty="0">
                 <a:solidFill>
                   <a:srgbClr val="222222"/>
                 </a:solidFill>
@@ -6367,7 +6805,7 @@
               <a:t> </a:t>
             </a:r>
             <a:r>
-              <a:rPr lang="tr-TR" sz="900" b="0" i="1">
+              <a:rPr lang="tr-TR" sz="900" b="0" i="1" dirty="0">
                 <a:solidFill>
                   <a:srgbClr val="222222"/>
                 </a:solidFill>
@@ -6380,7 +6818,7 @@
           </a:p>
           <a:p>
             <a:r>
-              <a:rPr lang="tr-TR" sz="900" b="0" i="1" err="1">
+              <a:rPr lang="tr-TR" sz="900" b="0" i="1" dirty="0" err="1">
                 <a:solidFill>
                   <a:srgbClr val="222222"/>
                 </a:solidFill>
@@ -6391,7 +6829,7 @@
               <a:t>Pattern</a:t>
             </a:r>
             <a:r>
-              <a:rPr lang="tr-TR" sz="900" b="0" i="1">
+              <a:rPr lang="tr-TR" sz="900" b="0" i="1" dirty="0">
                 <a:solidFill>
                   <a:srgbClr val="222222"/>
                 </a:solidFill>
@@ -6402,7 +6840,7 @@
               <a:t> </a:t>
             </a:r>
             <a:r>
-              <a:rPr lang="tr-TR" sz="900" b="0" i="1" err="1">
+              <a:rPr lang="tr-TR" sz="900" b="0" i="1" dirty="0" err="1">
                 <a:solidFill>
                   <a:srgbClr val="222222"/>
                 </a:solidFill>
@@ -6413,7 +6851,7 @@
               <a:t>Recognition</a:t>
             </a:r>
             <a:r>
-              <a:rPr lang="tr-TR" sz="900" b="0" i="1">
+              <a:rPr lang="tr-TR" sz="900" b="0" i="1" dirty="0">
                 <a:solidFill>
                   <a:srgbClr val="222222"/>
                 </a:solidFill>
@@ -6424,7 +6862,7 @@
               <a:t> (ICPR)</a:t>
             </a:r>
             <a:r>
-              <a:rPr lang="tr-TR" sz="900" b="0" i="0">
+              <a:rPr lang="tr-TR" sz="900" b="0" i="0" dirty="0">
                 <a:solidFill>
                   <a:srgbClr val="222222"/>
                 </a:solidFill>
@@ -6435,7 +6873,7 @@
               <a:t> (</a:t>
             </a:r>
             <a:r>
-              <a:rPr lang="tr-TR" sz="900" b="0" i="0" err="1">
+              <a:rPr lang="tr-TR" sz="900" b="0" i="0" dirty="0" err="1">
                 <a:solidFill>
                   <a:srgbClr val="222222"/>
                 </a:solidFill>
@@ -6446,7 +6884,7 @@
               <a:t>pp</a:t>
             </a:r>
             <a:r>
-              <a:rPr lang="tr-TR" sz="900" b="0" i="0">
+              <a:rPr lang="tr-TR" sz="900" b="0" i="0" dirty="0">
                 <a:solidFill>
                   <a:srgbClr val="222222"/>
                 </a:solidFill>
@@ -6459,7 +6897,7 @@
           </a:p>
           <a:p>
             <a:r>
-              <a:rPr lang="tr" sz="900" b="0" i="0">
+              <a:rPr lang="tr" sz="900" b="0" i="0" dirty="0">
                 <a:solidFill>
                   <a:srgbClr val="222222"/>
                 </a:solidFill>
@@ -6470,7 +6908,7 @@
               <a:t>[10] </a:t>
             </a:r>
             <a:r>
-              <a:rPr lang="tr-TR" sz="900" b="0" i="0" err="1">
+              <a:rPr lang="tr-TR" sz="900" b="0" i="0" dirty="0" err="1">
                 <a:solidFill>
                   <a:srgbClr val="222222"/>
                 </a:solidFill>
@@ -6481,17 +6919,39 @@
               <a:t>Guven</a:t>
             </a:r>
             <a:r>
-              <a:rPr lang="tr-TR" sz="900" b="0" i="0">
-                <a:solidFill>
-                  <a:srgbClr val="222222"/>
-                </a:solidFill>
-                <a:effectLst/>
-                <a:latin typeface="Arial" panose="020B0604020202020204" pitchFamily="34" charset="0"/>
-                <a:cs typeface="Arial" panose="020B0604020202020204" pitchFamily="34" charset="0"/>
-              </a:rPr>
-              <a:t>, Z. A. Türkçe Tweetlerde Duygu Analizi için BERT Modelleri ve Makine Öğrenme Yöntemlerinin Karşılaştırılması.</a:t>
-            </a:r>
-            <a:endParaRPr lang="tr" sz="900" b="0" i="0">
+              <a:rPr lang="tr-TR" sz="900" b="0" i="0" dirty="0">
+                <a:solidFill>
+                  <a:srgbClr val="222222"/>
+                </a:solidFill>
+                <a:effectLst/>
+                <a:latin typeface="Arial" panose="020B0604020202020204" pitchFamily="34" charset="0"/>
+                <a:cs typeface="Arial" panose="020B0604020202020204" pitchFamily="34" charset="0"/>
+              </a:rPr>
+              <a:t>, Z. A. Türkçe </a:t>
+            </a:r>
+            <a:r>
+              <a:rPr lang="tr-TR" sz="900" b="0" i="0" dirty="0" err="1">
+                <a:solidFill>
+                  <a:srgbClr val="222222"/>
+                </a:solidFill>
+                <a:effectLst/>
+                <a:latin typeface="Arial" panose="020B0604020202020204" pitchFamily="34" charset="0"/>
+                <a:cs typeface="Arial" panose="020B0604020202020204" pitchFamily="34" charset="0"/>
+              </a:rPr>
+              <a:t>Tweetlerde</a:t>
+            </a:r>
+            <a:r>
+              <a:rPr lang="tr-TR" sz="900" b="0" i="0" dirty="0">
+                <a:solidFill>
+                  <a:srgbClr val="222222"/>
+                </a:solidFill>
+                <a:effectLst/>
+                <a:latin typeface="Arial" panose="020B0604020202020204" pitchFamily="34" charset="0"/>
+                <a:cs typeface="Arial" panose="020B0604020202020204" pitchFamily="34" charset="0"/>
+              </a:rPr>
+              <a:t> Duygu Analizi için BERT Modelleri ve Makine Öğrenme Yöntemlerinin Karşılaştırılması.</a:t>
+            </a:r>
+            <a:endParaRPr lang="tr" sz="900" b="0" i="0" dirty="0">
               <a:solidFill>
                 <a:srgbClr val="222222"/>
               </a:solidFill>
@@ -6502,7 +6962,7 @@
           </a:p>
           <a:p>
             <a:r>
-              <a:rPr lang="tr" sz="900">
+              <a:rPr lang="tr" sz="900" dirty="0">
                 <a:solidFill>
                   <a:srgbClr val="222222"/>
                 </a:solidFill>
@@ -6512,7 +6972,7 @@
               <a:t>[11]</a:t>
             </a:r>
             <a:r>
-              <a:rPr lang="tr-TR" sz="900" b="0" i="0">
+              <a:rPr lang="tr-TR" sz="900" b="0" i="0" dirty="0">
                 <a:solidFill>
                   <a:srgbClr val="222222"/>
                 </a:solidFill>
@@ -6522,7 +6982,7 @@
               </a:rPr>
               <a:t> ÖZKAN, M., &amp; Görkem, K. A. R. (2022). Türkçe Dilinde Yazılan Bilimsel Metinlerin Derin Öğrenme Tekniği Uygulayarak Çoklu Sınıflandırılması.</a:t>
             </a:r>
-            <a:endParaRPr lang="tr" sz="900" b="0" i="0">
+            <a:endParaRPr lang="tr" sz="900" b="0" i="0" dirty="0">
               <a:solidFill>
                 <a:srgbClr val="222222"/>
               </a:solidFill>
@@ -6533,7 +6993,7 @@
           </a:p>
           <a:p>
             <a:r>
-              <a:rPr lang="tr-TR" sz="900" b="0" i="0">
+              <a:rPr lang="tr-TR" sz="900" b="0" i="0" dirty="0">
                 <a:solidFill>
                   <a:srgbClr val="222222"/>
                 </a:solidFill>
@@ -6544,7 +7004,7 @@
               <a:t> </a:t>
             </a:r>
             <a:r>
-              <a:rPr lang="tr-TR" sz="900" b="0" i="1">
+              <a:rPr lang="tr-TR" sz="900" b="0" i="1" dirty="0">
                 <a:solidFill>
                   <a:srgbClr val="222222"/>
                 </a:solidFill>
@@ -6555,7 +7015,7 @@
               <a:t>Mühendislik Bilimleri ve Tasarım Dergisi</a:t>
             </a:r>
             <a:r>
-              <a:rPr lang="tr-TR" sz="900" b="0" i="0">
+              <a:rPr lang="tr-TR" sz="900" b="0" i="0" dirty="0">
                 <a:solidFill>
                   <a:srgbClr val="222222"/>
                 </a:solidFill>
@@ -6566,7 +7026,7 @@
               <a:t>, </a:t>
             </a:r>
             <a:r>
-              <a:rPr lang="tr-TR" sz="900" b="0" i="1">
+              <a:rPr lang="tr-TR" sz="900" b="0" i="1" dirty="0">
                 <a:solidFill>
                   <a:srgbClr val="222222"/>
                 </a:solidFill>
@@ -6577,7 +7037,7 @@
               <a:t>10</a:t>
             </a:r>
             <a:r>
-              <a:rPr lang="tr-TR" sz="900" b="0" i="0">
+              <a:rPr lang="tr-TR" sz="900" b="0" i="0" dirty="0">
                 <a:solidFill>
                   <a:srgbClr val="222222"/>
                 </a:solidFill>
@@ -6587,13 +7047,13 @@
               </a:rPr>
               <a:t>(2), 504-519.</a:t>
             </a:r>
-            <a:endParaRPr lang="tr-TR" sz="900">
+            <a:endParaRPr lang="tr-TR" sz="900" dirty="0">
               <a:latin typeface="Arial" panose="020B0604020202020204" pitchFamily="34" charset="0"/>
               <a:cs typeface="Arial" panose="020B0604020202020204" pitchFamily="34" charset="0"/>
             </a:endParaRPr>
           </a:p>
           <a:p>
-            <a:endParaRPr lang="tr" sz="900" b="0" i="0">
+            <a:endParaRPr lang="tr" sz="900" b="0" i="0" dirty="0">
               <a:solidFill>
                 <a:srgbClr val="222222"/>
               </a:solidFill>
@@ -6602,10 +7062,10 @@
             </a:endParaRPr>
           </a:p>
           <a:p>
-            <a:endParaRPr lang="tr-TR" sz="900"/>
+            <a:endParaRPr lang="tr-TR" sz="900" dirty="0"/>
           </a:p>
           <a:p>
-            <a:endParaRPr lang="en-US" sz="900" b="0" i="0">
+            <a:endParaRPr lang="en-US" sz="900" b="0" i="0" dirty="0">
               <a:solidFill>
                 <a:srgbClr val="222222"/>
               </a:solidFill>
@@ -6614,7 +7074,7 @@
             </a:endParaRPr>
           </a:p>
           <a:p>
-            <a:endParaRPr lang="tr-TR" sz="900">
+            <a:endParaRPr lang="tr-TR" sz="900" dirty="0">
               <a:solidFill>
                 <a:srgbClr val="222222"/>
               </a:solidFill>
@@ -6622,7 +7082,7 @@
             </a:endParaRPr>
           </a:p>
           <a:p>
-            <a:endParaRPr lang="tr-TR" sz="900">
+            <a:endParaRPr lang="tr-TR" sz="900" dirty="0">
               <a:solidFill>
                 <a:srgbClr val="222222"/>
               </a:solidFill>
@@ -6630,7 +7090,7 @@
             </a:endParaRPr>
           </a:p>
           <a:p>
-            <a:endParaRPr lang="tr-TR" sz="900">
+            <a:endParaRPr lang="tr-TR" sz="900" dirty="0">
               <a:solidFill>
                 <a:srgbClr val="222222"/>
               </a:solidFill>
@@ -6638,7 +7098,7 @@
             </a:endParaRPr>
           </a:p>
           <a:p>
-            <a:endParaRPr lang="tr-TR" sz="900">
+            <a:endParaRPr lang="tr-TR" sz="900" dirty="0">
               <a:solidFill>
                 <a:srgbClr val="222222"/>
               </a:solidFill>
@@ -6646,7 +7106,7 @@
             </a:endParaRPr>
           </a:p>
           <a:p>
-            <a:endParaRPr lang="tr-TR" sz="900">
+            <a:endParaRPr lang="tr-TR" sz="900" dirty="0">
               <a:solidFill>
                 <a:srgbClr val="222222"/>
               </a:solidFill>
@@ -6694,11 +7154,11 @@
                 <a:spcPts val="70"/>
               </a:spcBef>
             </a:pPr>
-            <a:fld id="{81D60167-4931-47E6-BA6A-407CBD079E47}" type="slidenum">
-              <a:rPr spc="-310"/>
-              <a:t>14</a:t>
-            </a:fld>
-            <a:endParaRPr spc="-310"/>
+            <a:r>
+              <a:rPr lang="tr-TR" spc="-310" dirty="0"/>
+              <a:t>16</a:t>
+            </a:r>
+            <a:endParaRPr spc="-310" dirty="0"/>
           </a:p>
         </p:txBody>
       </p:sp>

--- a/GATOR_Sunum.pptx
+++ b/GATOR_Sunum.pptx
@@ -5,24 +5,25 @@
     <p:sldMasterId id="2147483648" r:id="rId1"/>
   </p:sldMasterIdLst>
   <p:notesMasterIdLst>
-    <p:notesMasterId r:id="rId17"/>
+    <p:notesMasterId r:id="rId18"/>
   </p:notesMasterIdLst>
   <p:sldIdLst>
     <p:sldId id="256" r:id="rId2"/>
     <p:sldId id="257" r:id="rId3"/>
     <p:sldId id="276" r:id="rId4"/>
     <p:sldId id="258" r:id="rId5"/>
-    <p:sldId id="259" r:id="rId6"/>
-    <p:sldId id="264" r:id="rId7"/>
-    <p:sldId id="263" r:id="rId8"/>
-    <p:sldId id="268" r:id="rId9"/>
+    <p:sldId id="263" r:id="rId6"/>
+    <p:sldId id="259" r:id="rId7"/>
+    <p:sldId id="264" r:id="rId8"/>
+    <p:sldId id="273" r:id="rId9"/>
     <p:sldId id="272" r:id="rId10"/>
-    <p:sldId id="273" r:id="rId11"/>
+    <p:sldId id="268" r:id="rId11"/>
     <p:sldId id="269" r:id="rId12"/>
     <p:sldId id="274" r:id="rId13"/>
     <p:sldId id="275" r:id="rId14"/>
     <p:sldId id="277" r:id="rId15"/>
     <p:sldId id="262" r:id="rId16"/>
+    <p:sldId id="278" r:id="rId17"/>
   </p:sldIdLst>
   <p:sldSz cx="10083800" cy="5676900"/>
   <p:notesSz cx="10083800" cy="5676900"/>
@@ -222,7 +223,7 @@
           <a:p>
             <a:fld id="{7CEB9C7D-9201-4375-9840-A71BF5569261}" type="datetimeFigureOut">
               <a:rPr lang="tr-TR" smtClean="0"/>
-              <a:t>9.04.2023</a:t>
+              <a:t>10.04.2023</a:t>
             </a:fld>
             <a:endParaRPr lang="tr-TR"/>
           </a:p>
@@ -796,7 +797,7 @@
           <a:p>
             <a:fld id="{1D8BD707-D9CF-40AE-B4C6-C98DA3205C09}" type="datetimeFigureOut">
               <a:rPr lang="en-US"/>
-              <a:t>4/9/2023</a:t>
+              <a:t>4/10/2023</a:t>
             </a:fld>
             <a:endParaRPr lang="en-US"/>
           </a:p>
@@ -984,7 +985,7 @@
           <a:p>
             <a:fld id="{1D8BD707-D9CF-40AE-B4C6-C98DA3205C09}" type="datetimeFigureOut">
               <a:rPr lang="en-US"/>
-              <a:t>4/9/2023</a:t>
+              <a:t>4/10/2023</a:t>
             </a:fld>
             <a:endParaRPr lang="en-US"/>
           </a:p>
@@ -1207,7 +1208,7 @@
           <a:p>
             <a:fld id="{1D8BD707-D9CF-40AE-B4C6-C98DA3205C09}" type="datetimeFigureOut">
               <a:rPr lang="en-US"/>
-              <a:t>4/9/2023</a:t>
+              <a:t>4/10/2023</a:t>
             </a:fld>
             <a:endParaRPr lang="en-US"/>
           </a:p>
@@ -1364,7 +1365,7 @@
           <a:p>
             <a:fld id="{1D8BD707-D9CF-40AE-B4C6-C98DA3205C09}" type="datetimeFigureOut">
               <a:rPr lang="en-US"/>
-              <a:t>4/9/2023</a:t>
+              <a:t>4/10/2023</a:t>
             </a:fld>
             <a:endParaRPr lang="en-US"/>
           </a:p>
@@ -1492,7 +1493,7 @@
           <a:p>
             <a:fld id="{1D8BD707-D9CF-40AE-B4C6-C98DA3205C09}" type="datetimeFigureOut">
               <a:rPr lang="en-US"/>
-              <a:t>4/9/2023</a:t>
+              <a:t>4/10/2023</a:t>
             </a:fld>
             <a:endParaRPr lang="en-US"/>
           </a:p>
@@ -2062,7 +2063,7 @@
           <a:p>
             <a:fld id="{1D8BD707-D9CF-40AE-B4C6-C98DA3205C09}" type="datetimeFigureOut">
               <a:rPr lang="en-US"/>
-              <a:t>4/9/2023</a:t>
+              <a:t>4/10/2023</a:t>
             </a:fld>
             <a:endParaRPr lang="en-US"/>
           </a:p>
@@ -3195,8 +3196,8 @@
         </p:nvSpPr>
         <p:spPr>
           <a:xfrm>
-            <a:off x="2755900" y="476250"/>
-            <a:ext cx="4419600" cy="382156"/>
+            <a:off x="2755900" y="247650"/>
+            <a:ext cx="4419600" cy="751488"/>
           </a:xfrm>
           <a:prstGeom prst="rect">
             <a:avLst/>
@@ -3224,7 +3225,7 @@
                 <a:latin typeface="Verdana"/>
                 <a:cs typeface="Verdana"/>
               </a:rPr>
-              <a:t>PROJE İŞ AKIŞI</a:t>
+              <a:t>HANGİ YÖNTEMLE ÇÖZÜM GELİŞTİRİLDİ</a:t>
             </a:r>
             <a:endParaRPr sz="2400" dirty="0">
               <a:solidFill>
@@ -3247,10 +3248,6 @@
           </p:nvPr>
         </p:nvSpPr>
         <p:spPr>
-          <a:xfrm>
-            <a:off x="9385300" y="5253152"/>
-            <a:ext cx="326313" cy="285976"/>
-          </a:xfrm>
           <a:prstGeom prst="rect">
             <a:avLst/>
           </a:prstGeom>
@@ -3279,10 +3276,10 @@
       </p:sp>
       <p:pic>
         <p:nvPicPr>
-          <p:cNvPr id="4" name="Resim 3" descr="logo içeren bir resim&#10;&#10;Açıklama otomatik olarak oluşturuldu">
+          <p:cNvPr id="12" name="Resim 11" descr="logo içeren bir resim&#10;&#10;Açıklama otomatik olarak oluşturuldu">
             <a:extLst>
               <a:ext uri="{FF2B5EF4-FFF2-40B4-BE49-F238E27FC236}">
-                <a16:creationId xmlns:a16="http://schemas.microsoft.com/office/drawing/2014/main" id="{600F71AB-0BB6-3A04-C5AC-317926315E07}"/>
+                <a16:creationId xmlns:a16="http://schemas.microsoft.com/office/drawing/2014/main" id="{EA4DEAD5-5F83-301C-8632-C863FFCA8BEB}"/>
               </a:ext>
             </a:extLst>
           </p:cNvPr>
@@ -3318,7 +3315,7 @@
           <p:cNvPr id="5" name="Resim 4">
             <a:extLst>
               <a:ext uri="{FF2B5EF4-FFF2-40B4-BE49-F238E27FC236}">
-                <a16:creationId xmlns:a16="http://schemas.microsoft.com/office/drawing/2014/main" id="{F80FFF92-3307-8C32-E3B1-21CFC98FB323}"/>
+                <a16:creationId xmlns:a16="http://schemas.microsoft.com/office/drawing/2014/main" id="{95A21609-DE1B-F94C-4A25-28D6AD7F733A}"/>
               </a:ext>
             </a:extLst>
           </p:cNvPr>
@@ -3335,18 +3332,104 @@
         </p:blipFill>
         <p:spPr>
           <a:xfrm>
-            <a:off x="899756" y="1390321"/>
-            <a:ext cx="8284287" cy="4005819"/>
+            <a:off x="1409094" y="2587388"/>
+            <a:ext cx="7113211" cy="2652225"/>
           </a:xfrm>
           <a:prstGeom prst="rect">
             <a:avLst/>
           </a:prstGeom>
         </p:spPr>
       </p:pic>
+      <p:sp>
+        <p:nvSpPr>
+          <p:cNvPr id="6" name="Metin kutusu 5">
+            <a:extLst>
+              <a:ext uri="{FF2B5EF4-FFF2-40B4-BE49-F238E27FC236}">
+                <a16:creationId xmlns:a16="http://schemas.microsoft.com/office/drawing/2014/main" id="{BF667AD8-3A05-D462-95D5-F876F34C40A2}"/>
+              </a:ext>
+            </a:extLst>
+          </p:cNvPr>
+          <p:cNvSpPr txBox="1"/>
+          <p:nvPr/>
+        </p:nvSpPr>
+        <p:spPr>
+          <a:xfrm>
+            <a:off x="626803" y="1664058"/>
+            <a:ext cx="9004300" cy="923330"/>
+          </a:xfrm>
+          <a:prstGeom prst="rect">
+            <a:avLst/>
+          </a:prstGeom>
+          <a:noFill/>
+        </p:spPr>
+        <p:txBody>
+          <a:bodyPr wrap="square" rtlCol="0">
+            <a:spAutoFit/>
+          </a:bodyPr>
+          <a:lstStyle/>
+          <a:p>
+            <a:r>
+              <a:rPr lang="tr-TR" dirty="0">
+                <a:latin typeface="Arial" panose="020B0604020202020204" pitchFamily="34" charset="0"/>
+                <a:cs typeface="Arial" panose="020B0604020202020204" pitchFamily="34" charset="0"/>
+              </a:rPr>
+              <a:t>Türkçe veriler ile önceden eğitilmiş ‘</a:t>
+            </a:r>
+            <a:r>
+              <a:rPr lang="tr-TR" dirty="0" err="1">
+                <a:latin typeface="Arial" panose="020B0604020202020204" pitchFamily="34" charset="0"/>
+                <a:cs typeface="Arial" panose="020B0604020202020204" pitchFamily="34" charset="0"/>
+              </a:rPr>
+              <a:t>dbmdz</a:t>
+            </a:r>
+            <a:r>
+              <a:rPr lang="tr-TR" dirty="0">
+                <a:latin typeface="Arial" panose="020B0604020202020204" pitchFamily="34" charset="0"/>
+                <a:cs typeface="Arial" panose="020B0604020202020204" pitchFamily="34" charset="0"/>
+              </a:rPr>
+              <a:t>/bert-</a:t>
+            </a:r>
+            <a:r>
+              <a:rPr lang="tr-TR" dirty="0" err="1">
+                <a:latin typeface="Arial" panose="020B0604020202020204" pitchFamily="34" charset="0"/>
+                <a:cs typeface="Arial" panose="020B0604020202020204" pitchFamily="34" charset="0"/>
+              </a:rPr>
+              <a:t>base</a:t>
+            </a:r>
+            <a:r>
+              <a:rPr lang="tr-TR" dirty="0">
+                <a:latin typeface="Arial" panose="020B0604020202020204" pitchFamily="34" charset="0"/>
+                <a:cs typeface="Arial" panose="020B0604020202020204" pitchFamily="34" charset="0"/>
+              </a:rPr>
+              <a:t>-</a:t>
+            </a:r>
+            <a:r>
+              <a:rPr lang="tr-TR" dirty="0" err="1">
+                <a:latin typeface="Arial" panose="020B0604020202020204" pitchFamily="34" charset="0"/>
+                <a:cs typeface="Arial" panose="020B0604020202020204" pitchFamily="34" charset="0"/>
+              </a:rPr>
+              <a:t>turkish-cased</a:t>
+            </a:r>
+            <a:r>
+              <a:rPr lang="tr-TR" dirty="0">
+                <a:latin typeface="Arial" panose="020B0604020202020204" pitchFamily="34" charset="0"/>
+                <a:cs typeface="Arial" panose="020B0604020202020204" pitchFamily="34" charset="0"/>
+              </a:rPr>
+              <a:t>’ modelini kendi veri setimiz üzerinde kullandık. </a:t>
+            </a:r>
+          </a:p>
+          <a:p>
+            <a:endParaRPr lang="tr-TR" dirty="0">
+              <a:latin typeface="Arial" panose="020B0604020202020204" pitchFamily="34" charset="0"/>
+              <a:cs typeface="Arial" panose="020B0604020202020204" pitchFamily="34" charset="0"/>
+            </a:endParaRPr>
+          </a:p>
+        </p:txBody>
+      </p:sp>
     </p:spTree>
     <p:extLst>
       <p:ext uri="{BB962C8B-B14F-4D97-AF65-F5344CB8AC3E}">
-        <p14:creationId xmlns:p14="http://schemas.microsoft.com/office/powerpoint/2010/main" val="1964443063"/>
+        <p14:creationId xmlns:p14="http://schemas.microsoft.com/office/powerpoint/2010/main" val="463082530"/>
       </p:ext>
     </p:extLst>
   </p:cSld>
@@ -3432,7 +3515,7 @@
         </p:blipFill>
         <p:spPr>
           <a:xfrm>
-            <a:off x="412144" y="2732700"/>
+            <a:off x="393094" y="2255646"/>
             <a:ext cx="3973853" cy="2286000"/>
           </a:xfrm>
           <a:prstGeom prst="rect">
@@ -3478,7 +3561,7 @@
         </p:blipFill>
         <p:spPr bwMode="auto">
           <a:xfrm>
-            <a:off x="4813299" y="3001305"/>
+            <a:off x="4794980" y="2570975"/>
             <a:ext cx="4313555" cy="2017395"/>
           </a:xfrm>
           <a:prstGeom prst="rect">
@@ -3587,8 +3670,8 @@
         </p:nvSpPr>
         <p:spPr>
           <a:xfrm>
-            <a:off x="412144" y="1508774"/>
-            <a:ext cx="4276918" cy="1384995"/>
+            <a:off x="393094" y="1414124"/>
+            <a:ext cx="4276918" cy="523220"/>
           </a:xfrm>
           <a:prstGeom prst="rect">
             <a:avLst/>
@@ -3602,11 +3685,11 @@
           <a:lstStyle/>
           <a:p>
             <a:r>
-              <a:rPr lang="tr-TR" sz="1400" dirty="0">
-                <a:latin typeface="Arial" panose="020B0604020202020204" pitchFamily="34" charset="0"/>
-                <a:cs typeface="Arial" panose="020B0604020202020204" pitchFamily="34" charset="0"/>
-              </a:rPr>
-              <a:t>En iyi sonuç :</a:t>
+              <a:rPr lang="tr-TR" sz="1400" b="1" u="sng" dirty="0">
+                <a:latin typeface="Arial" panose="020B0604020202020204" pitchFamily="34" charset="0"/>
+                <a:cs typeface="Arial" panose="020B0604020202020204" pitchFamily="34" charset="0"/>
+              </a:rPr>
+              <a:t>Optimum değerler:</a:t>
             </a:r>
           </a:p>
           <a:p>
@@ -3621,52 +3704,6 @@
               </a:rPr>
               <a:t>Learning rate 1e-6</a:t>
             </a:r>
-          </a:p>
-          <a:p>
-            <a:pPr marL="285750" indent="-285750">
-              <a:buFont typeface="Arial" panose="020B0604020202020204" pitchFamily="34" charset="0"/>
-              <a:buChar char="•"/>
-            </a:pPr>
-            <a:r>
-              <a:rPr lang="tr-TR" sz="1400" dirty="0" err="1">
-                <a:latin typeface="Arial" panose="020B0604020202020204" pitchFamily="34" charset="0"/>
-                <a:cs typeface="Arial" panose="020B0604020202020204" pitchFamily="34" charset="0"/>
-              </a:rPr>
-              <a:t>Max_seq_length</a:t>
-            </a:r>
-            <a:r>
-              <a:rPr lang="tr-TR" sz="1400" dirty="0">
-                <a:latin typeface="Arial" panose="020B0604020202020204" pitchFamily="34" charset="0"/>
-                <a:cs typeface="Arial" panose="020B0604020202020204" pitchFamily="34" charset="0"/>
-              </a:rPr>
-              <a:t> = 512</a:t>
-            </a:r>
-          </a:p>
-          <a:p>
-            <a:pPr marL="285750" indent="-285750">
-              <a:buFont typeface="Arial" panose="020B0604020202020204" pitchFamily="34" charset="0"/>
-              <a:buChar char="•"/>
-            </a:pPr>
-            <a:r>
-              <a:rPr lang="tr-TR" sz="1400" dirty="0" err="1">
-                <a:latin typeface="Arial" panose="020B0604020202020204" pitchFamily="34" charset="0"/>
-                <a:cs typeface="Arial" panose="020B0604020202020204" pitchFamily="34" charset="0"/>
-              </a:rPr>
-              <a:t>Train_batch_size</a:t>
-            </a:r>
-            <a:r>
-              <a:rPr lang="tr-TR" sz="1400" dirty="0">
-                <a:latin typeface="Arial" panose="020B0604020202020204" pitchFamily="34" charset="0"/>
-                <a:cs typeface="Arial" panose="020B0604020202020204" pitchFamily="34" charset="0"/>
-              </a:rPr>
-              <a:t> = 2, parametre ile elde edilmiştir. </a:t>
-            </a:r>
-          </a:p>
-          <a:p>
-            <a:endParaRPr lang="tr-TR" sz="1400" dirty="0">
-              <a:latin typeface="Arial" panose="020B0604020202020204" pitchFamily="34" charset="0"/>
-              <a:cs typeface="Arial" panose="020B0604020202020204" pitchFamily="34" charset="0"/>
-            </a:endParaRPr>
           </a:p>
         </p:txBody>
       </p:sp>
@@ -3684,8 +3721,8 @@
         </p:nvSpPr>
         <p:spPr>
           <a:xfrm>
-            <a:off x="4825999" y="1563149"/>
-            <a:ext cx="4276918" cy="1384995"/>
+            <a:off x="4813299" y="1401424"/>
+            <a:ext cx="4276918" cy="1169551"/>
           </a:xfrm>
           <a:prstGeom prst="rect">
             <a:avLst/>
@@ -3699,11 +3736,11 @@
           <a:lstStyle/>
           <a:p>
             <a:r>
-              <a:rPr lang="tr-TR" sz="1400" dirty="0">
-                <a:latin typeface="Arial" panose="020B0604020202020204" pitchFamily="34" charset="0"/>
-                <a:cs typeface="Arial" panose="020B0604020202020204" pitchFamily="34" charset="0"/>
-              </a:rPr>
-              <a:t>Bu parametreler doğrultusunda ;</a:t>
+              <a:rPr lang="tr-TR" sz="1400" b="1" u="sng" dirty="0">
+                <a:latin typeface="Arial" panose="020B0604020202020204" pitchFamily="34" charset="0"/>
+                <a:cs typeface="Arial" panose="020B0604020202020204" pitchFamily="34" charset="0"/>
+              </a:rPr>
+              <a:t>Elde edilen sonuçlar:</a:t>
             </a:r>
           </a:p>
           <a:p>
@@ -3716,7 +3753,14 @@
                 <a:latin typeface="Arial" panose="020B0604020202020204" pitchFamily="34" charset="0"/>
                 <a:cs typeface="Arial" panose="020B0604020202020204" pitchFamily="34" charset="0"/>
               </a:rPr>
-              <a:t>Eğitim seti ortalama doğruluk skoru ~= 0,91</a:t>
+              <a:t>Eğitim seti ortalama doğruluk skoru : </a:t>
+            </a:r>
+            <a:r>
+              <a:rPr lang="tr-TR" sz="1400" b="1" dirty="0">
+                <a:latin typeface="Arial" panose="020B0604020202020204" pitchFamily="34" charset="0"/>
+                <a:cs typeface="Arial" panose="020B0604020202020204" pitchFamily="34" charset="0"/>
+              </a:rPr>
+              <a:t>%91</a:t>
             </a:r>
           </a:p>
           <a:p>
@@ -3729,7 +3773,14 @@
                 <a:latin typeface="Arial" panose="020B0604020202020204" pitchFamily="34" charset="0"/>
                 <a:cs typeface="Arial" panose="020B0604020202020204" pitchFamily="34" charset="0"/>
               </a:rPr>
-              <a:t>Doğrulama seti ortalama doğruluk skoru ~= 0,91</a:t>
+              <a:t>Doğrulama seti ortalama doğruluk skoru : </a:t>
+            </a:r>
+            <a:r>
+              <a:rPr lang="tr-TR" sz="1400" b="1" dirty="0">
+                <a:latin typeface="Arial" panose="020B0604020202020204" pitchFamily="34" charset="0"/>
+                <a:cs typeface="Arial" panose="020B0604020202020204" pitchFamily="34" charset="0"/>
+              </a:rPr>
+              <a:t>%91</a:t>
             </a:r>
           </a:p>
           <a:p>
@@ -3742,16 +3793,41 @@
                 <a:latin typeface="Arial" panose="020B0604020202020204" pitchFamily="34" charset="0"/>
                 <a:cs typeface="Arial" panose="020B0604020202020204" pitchFamily="34" charset="0"/>
               </a:rPr>
-              <a:t>Test seti ortalama doğruluk skoru ~= 0,82 bulunmuştur. </a:t>
-            </a:r>
-          </a:p>
-          <a:p>
+              <a:t>Test seti ortalama doğruluk skoru : </a:t>
+            </a:r>
+            <a:r>
+              <a:rPr lang="tr-TR" sz="1400" b="1" dirty="0">
+                <a:latin typeface="Arial" panose="020B0604020202020204" pitchFamily="34" charset="0"/>
+                <a:cs typeface="Arial" panose="020B0604020202020204" pitchFamily="34" charset="0"/>
+              </a:rPr>
+              <a:t>%82 </a:t>
+            </a:r>
+          </a:p>
+          <a:p>
+            <a:pPr marL="285750" indent="-285750">
+              <a:buFont typeface="Arial" panose="020B0604020202020204" pitchFamily="34" charset="0"/>
+              <a:buChar char="•"/>
+            </a:pPr>
             <a:r>
               <a:rPr lang="tr-TR" sz="1400" dirty="0">
                 <a:latin typeface="Arial" panose="020B0604020202020204" pitchFamily="34" charset="0"/>
                 <a:cs typeface="Arial" panose="020B0604020202020204" pitchFamily="34" charset="0"/>
               </a:rPr>
-              <a:t>Modelin f1 skoru 0,91 bulunmuştur.</a:t>
+              <a:t>Modelin f1 skoru </a:t>
+            </a:r>
+            <a:r>
+              <a:rPr lang="tr-TR" sz="1400" b="1" dirty="0">
+                <a:latin typeface="Arial" panose="020B0604020202020204" pitchFamily="34" charset="0"/>
+                <a:cs typeface="Arial" panose="020B0604020202020204" pitchFamily="34" charset="0"/>
+              </a:rPr>
+              <a:t>%91</a:t>
+            </a:r>
+            <a:r>
+              <a:rPr lang="tr-TR" sz="1400" dirty="0">
+                <a:latin typeface="Arial" panose="020B0604020202020204" pitchFamily="34" charset="0"/>
+                <a:cs typeface="Arial" panose="020B0604020202020204" pitchFamily="34" charset="0"/>
+              </a:rPr>
+              <a:t> bulunmuştur.</a:t>
             </a:r>
           </a:p>
         </p:txBody>
@@ -4176,7 +4252,7 @@
               <a:rPr lang="tr-TR" sz="1400" dirty="0">
                 <a:hlinkClick r:id="rId6"/>
               </a:rPr>
-              <a:t>https://github.com/thealper2/gat0r-nlp/blob/main/images/flask-video.mp4</a:t>
+              <a:t>https://www.youtube.com/watch?v=tbE72ufQMJM</a:t>
             </a:r>
             <a:endParaRPr lang="tr-TR" sz="1400" dirty="0"/>
           </a:p>
@@ -4411,7 +4487,7 @@
                 <a:latin typeface="Verdana"/>
                 <a:cs typeface="Verdana"/>
               </a:rPr>
-              <a:t>GRADİO VE STREAMLİT</a:t>
+              <a:t>GRADIO VE STREAMLIT</a:t>
             </a:r>
             <a:endParaRPr sz="2400" dirty="0">
               <a:solidFill>
@@ -4575,7 +4651,7 @@
         <p:spPr>
           <a:xfrm>
             <a:off x="6139167" y="1646232"/>
-            <a:ext cx="3801041" cy="1231106"/>
+            <a:ext cx="3779533" cy="1231106"/>
           </a:xfrm>
           <a:prstGeom prst="rect">
             <a:avLst/>
@@ -4583,7 +4659,7 @@
           <a:noFill/>
         </p:spPr>
         <p:txBody>
-          <a:bodyPr wrap="none" rtlCol="0">
+          <a:bodyPr wrap="square" rtlCol="0">
             <a:spAutoFit/>
           </a:bodyPr>
           <a:lstStyle/>
@@ -4618,16 +4694,7 @@
                 <a:latin typeface="Arial" panose="020B0604020202020204" pitchFamily="34" charset="0"/>
                 <a:cs typeface="Arial" panose="020B0604020202020204" pitchFamily="34" charset="0"/>
               </a:rPr>
-              <a:t>Sınıflandırılmamış veri setini yükleyerek</a:t>
-            </a:r>
-          </a:p>
-          <a:p>
-            <a:r>
-              <a:rPr lang="tr-TR" sz="1600" dirty="0">
-                <a:latin typeface="Arial" panose="020B0604020202020204" pitchFamily="34" charset="0"/>
-                <a:cs typeface="Arial" panose="020B0604020202020204" pitchFamily="34" charset="0"/>
-              </a:rPr>
-              <a:t>modeli test edebilirsiniz.</a:t>
+              <a:t>Sınıflandırılmamış veri seti dosyasını yükleyerek modeli test edebilirsiniz.</a:t>
             </a:r>
           </a:p>
         </p:txBody>
@@ -4800,21 +4867,21 @@
           <a:lstStyle/>
           <a:p>
             <a:r>
-              <a:rPr lang="tr-TR" sz="900">
+              <a:rPr lang="tr-TR" sz="900" dirty="0">
                 <a:latin typeface="Arial" panose="020B0604020202020204" pitchFamily="34" charset="0"/>
                 <a:cs typeface="Arial" panose="020B0604020202020204" pitchFamily="34" charset="0"/>
               </a:rPr>
               <a:t>[1]</a:t>
             </a:r>
             <a:r>
-              <a:rPr lang="en-US" sz="900">
+              <a:rPr lang="en-US" sz="900" dirty="0">
                 <a:latin typeface="Arial" panose="020B0604020202020204" pitchFamily="34" charset="0"/>
                 <a:cs typeface="Arial" panose="020B0604020202020204" pitchFamily="34" charset="0"/>
               </a:rPr>
               <a:t> Xu, S., Zhang, C., &amp; Hong, D. (2022). BERT-based NLP techniques for classification and severity modeling in basic warranty data study. Insurance: Mathematics and Economics, 107, 57-67.</a:t>
             </a:r>
             <a:r>
-              <a:rPr lang="tr-TR" sz="900">
+              <a:rPr lang="tr-TR" sz="900" dirty="0">
                 <a:latin typeface="Arial" panose="020B0604020202020204" pitchFamily="34" charset="0"/>
                 <a:cs typeface="Arial" panose="020B0604020202020204" pitchFamily="34" charset="0"/>
               </a:rPr>
@@ -4823,14 +4890,14 @@
           </a:p>
           <a:p>
             <a:r>
-              <a:rPr lang="tr-TR" sz="900">
+              <a:rPr lang="tr-TR" sz="900" dirty="0">
                 <a:latin typeface="Arial" panose="020B0604020202020204" pitchFamily="34" charset="0"/>
                 <a:cs typeface="Arial" panose="020B0604020202020204" pitchFamily="34" charset="0"/>
               </a:rPr>
               <a:t>[2] </a:t>
             </a:r>
             <a:r>
-              <a:rPr lang="tr-TR" sz="900" b="0" i="0" err="1">
+              <a:rPr lang="tr-TR" sz="900" b="0" i="0" dirty="0" err="1">
                 <a:solidFill>
                   <a:srgbClr val="222222"/>
                 </a:solidFill>
@@ -4841,7 +4908,7 @@
               <a:t>Prottasha</a:t>
             </a:r>
             <a:r>
-              <a:rPr lang="tr-TR" sz="900" b="0" i="0">
+              <a:rPr lang="tr-TR" sz="900" b="0" i="0" dirty="0">
                 <a:solidFill>
                   <a:srgbClr val="222222"/>
                 </a:solidFill>
@@ -4852,7 +4919,7 @@
               <a:t>, N. J., Sami, A. A., </a:t>
             </a:r>
             <a:r>
-              <a:rPr lang="tr-TR" sz="900" b="0" i="0" err="1">
+              <a:rPr lang="tr-TR" sz="900" b="0" i="0" dirty="0" err="1">
                 <a:solidFill>
                   <a:srgbClr val="222222"/>
                 </a:solidFill>
@@ -4863,7 +4930,7 @@
               <a:t>Kowsher</a:t>
             </a:r>
             <a:r>
-              <a:rPr lang="tr-TR" sz="900" b="0" i="0">
+              <a:rPr lang="tr-TR" sz="900" b="0" i="0" dirty="0">
                 <a:solidFill>
                   <a:srgbClr val="222222"/>
                 </a:solidFill>
@@ -4874,7 +4941,7 @@
               <a:t>, M., Murad, S. A., </a:t>
             </a:r>
             <a:r>
-              <a:rPr lang="tr-TR" sz="900" b="0" i="0" err="1">
+              <a:rPr lang="tr-TR" sz="900" b="0" i="0" dirty="0" err="1">
                 <a:solidFill>
                   <a:srgbClr val="222222"/>
                 </a:solidFill>
@@ -4885,7 +4952,7 @@
               <a:t>Bairagi</a:t>
             </a:r>
             <a:r>
-              <a:rPr lang="tr-TR" sz="900" b="0" i="0">
+              <a:rPr lang="tr-TR" sz="900" b="0" i="0" dirty="0">
                 <a:solidFill>
                   <a:srgbClr val="222222"/>
                 </a:solidFill>
@@ -4896,7 +4963,7 @@
               <a:t>, A. K., </a:t>
             </a:r>
             <a:r>
-              <a:rPr lang="tr-TR" sz="900" b="0" i="0" err="1">
+              <a:rPr lang="tr-TR" sz="900" b="0" i="0" dirty="0" err="1">
                 <a:solidFill>
                   <a:srgbClr val="222222"/>
                 </a:solidFill>
@@ -4907,7 +4974,7 @@
               <a:t>Masud</a:t>
             </a:r>
             <a:r>
-              <a:rPr lang="tr-TR" sz="900" b="0" i="0">
+              <a:rPr lang="tr-TR" sz="900" b="0" i="0" dirty="0">
                 <a:solidFill>
                   <a:srgbClr val="222222"/>
                 </a:solidFill>
@@ -4918,7 +4985,7 @@
               <a:t>, M., &amp; Baz, M. (2022). Transfer </a:t>
             </a:r>
             <a:r>
-              <a:rPr lang="tr-TR" sz="900" b="0" i="0" err="1">
+              <a:rPr lang="tr-TR" sz="900" b="0" i="0" dirty="0" err="1">
                 <a:solidFill>
                   <a:srgbClr val="222222"/>
                 </a:solidFill>
@@ -4929,7 +4996,7 @@
               <a:t>learning</a:t>
             </a:r>
             <a:r>
-              <a:rPr lang="tr-TR" sz="900" b="0" i="0">
+              <a:rPr lang="tr-TR" sz="900" b="0" i="0" dirty="0">
                 <a:solidFill>
                   <a:srgbClr val="222222"/>
                 </a:solidFill>
@@ -4940,7 +5007,7 @@
               <a:t> </a:t>
             </a:r>
             <a:r>
-              <a:rPr lang="tr-TR" sz="900" b="0" i="0" err="1">
+              <a:rPr lang="tr-TR" sz="900" b="0" i="0" dirty="0" err="1">
                 <a:solidFill>
                   <a:srgbClr val="222222"/>
                 </a:solidFill>
@@ -4951,7 +5018,7 @@
               <a:t>for</a:t>
             </a:r>
             <a:r>
-              <a:rPr lang="tr-TR" sz="900" b="0" i="0">
+              <a:rPr lang="tr-TR" sz="900" b="0" i="0" dirty="0">
                 <a:solidFill>
                   <a:srgbClr val="222222"/>
                 </a:solidFill>
@@ -4962,7 +5029,7 @@
               <a:t> </a:t>
             </a:r>
             <a:r>
-              <a:rPr lang="tr-TR" sz="900" b="0" i="0" err="1">
+              <a:rPr lang="tr-TR" sz="900" b="0" i="0" dirty="0" err="1">
                 <a:solidFill>
                   <a:srgbClr val="222222"/>
                 </a:solidFill>
@@ -4973,7 +5040,7 @@
               <a:t>sentiment</a:t>
             </a:r>
             <a:r>
-              <a:rPr lang="tr-TR" sz="900" b="0" i="0">
+              <a:rPr lang="tr-TR" sz="900" b="0" i="0" dirty="0">
                 <a:solidFill>
                   <a:srgbClr val="222222"/>
                 </a:solidFill>
@@ -4984,7 +5051,7 @@
               <a:t> </a:t>
             </a:r>
             <a:r>
-              <a:rPr lang="tr-TR" sz="900" b="0" i="0" err="1">
+              <a:rPr lang="tr-TR" sz="900" b="0" i="0" dirty="0" err="1">
                 <a:solidFill>
                   <a:srgbClr val="222222"/>
                 </a:solidFill>
@@ -4995,7 +5062,7 @@
               <a:t>analysis</a:t>
             </a:r>
             <a:r>
-              <a:rPr lang="tr-TR" sz="900" b="0" i="0">
+              <a:rPr lang="tr-TR" sz="900" b="0" i="0" dirty="0">
                 <a:solidFill>
                   <a:srgbClr val="222222"/>
                 </a:solidFill>
@@ -5006,7 +5073,7 @@
               <a:t> </a:t>
             </a:r>
             <a:r>
-              <a:rPr lang="tr-TR" sz="900" b="0" i="0" err="1">
+              <a:rPr lang="tr-TR" sz="900" b="0" i="0" dirty="0" err="1">
                 <a:solidFill>
                   <a:srgbClr val="222222"/>
                 </a:solidFill>
@@ -5017,7 +5084,7 @@
               <a:t>using</a:t>
             </a:r>
             <a:r>
-              <a:rPr lang="tr-TR" sz="900" b="0" i="0">
+              <a:rPr lang="tr-TR" sz="900" b="0" i="0" dirty="0">
                 <a:solidFill>
                   <a:srgbClr val="222222"/>
                 </a:solidFill>
@@ -5028,7 +5095,7 @@
               <a:t> BERT </a:t>
             </a:r>
             <a:r>
-              <a:rPr lang="tr-TR" sz="900" b="0" i="0" err="1">
+              <a:rPr lang="tr-TR" sz="900" b="0" i="0" dirty="0" err="1">
                 <a:solidFill>
                   <a:srgbClr val="222222"/>
                 </a:solidFill>
@@ -5039,7 +5106,7 @@
               <a:t>based</a:t>
             </a:r>
             <a:r>
-              <a:rPr lang="tr-TR" sz="900" b="0" i="0">
+              <a:rPr lang="tr-TR" sz="900" b="0" i="0" dirty="0">
                 <a:solidFill>
                   <a:srgbClr val="222222"/>
                 </a:solidFill>
@@ -5050,7 +5117,7 @@
               <a:t> </a:t>
             </a:r>
             <a:r>
-              <a:rPr lang="tr-TR" sz="900" b="0" i="0" err="1">
+              <a:rPr lang="tr-TR" sz="900" b="0" i="0" dirty="0" err="1">
                 <a:solidFill>
                   <a:srgbClr val="222222"/>
                 </a:solidFill>
@@ -5061,7 +5128,7 @@
               <a:t>supervised</a:t>
             </a:r>
             <a:r>
-              <a:rPr lang="tr-TR" sz="900" b="0" i="0">
+              <a:rPr lang="tr-TR" sz="900" b="0" i="0" dirty="0">
                 <a:solidFill>
                   <a:srgbClr val="222222"/>
                 </a:solidFill>
@@ -5072,7 +5139,7 @@
               <a:t> </a:t>
             </a:r>
             <a:r>
-              <a:rPr lang="tr-TR" sz="900" b="0" i="0" err="1">
+              <a:rPr lang="tr-TR" sz="900" b="0" i="0" dirty="0" err="1">
                 <a:solidFill>
                   <a:srgbClr val="222222"/>
                 </a:solidFill>
@@ -5083,7 +5150,7 @@
               <a:t>fine-tuning</a:t>
             </a:r>
             <a:r>
-              <a:rPr lang="tr-TR" sz="900" b="0" i="0">
+              <a:rPr lang="tr-TR" sz="900" b="0" i="0" dirty="0">
                 <a:solidFill>
                   <a:srgbClr val="222222"/>
                 </a:solidFill>
@@ -5096,7 +5163,7 @@
           </a:p>
           <a:p>
             <a:r>
-              <a:rPr lang="tr-TR" sz="900">
+              <a:rPr lang="tr-TR" sz="900" dirty="0">
                 <a:solidFill>
                   <a:srgbClr val="222222"/>
                 </a:solidFill>
@@ -5106,7 +5173,7 @@
               <a:t>     </a:t>
             </a:r>
             <a:r>
-              <a:rPr lang="tr-TR" sz="900" b="0" i="1" err="1">
+              <a:rPr lang="tr-TR" sz="900" b="0" i="1" dirty="0" err="1">
                 <a:solidFill>
                   <a:srgbClr val="222222"/>
                 </a:solidFill>
@@ -5117,7 +5184,7 @@
               <a:t>Sensors</a:t>
             </a:r>
             <a:r>
-              <a:rPr lang="tr-TR" sz="900" b="0" i="0">
+              <a:rPr lang="tr-TR" sz="900" b="0" i="0" dirty="0">
                 <a:solidFill>
                   <a:srgbClr val="222222"/>
                 </a:solidFill>
@@ -5128,7 +5195,7 @@
               <a:t>, </a:t>
             </a:r>
             <a:r>
-              <a:rPr lang="tr-TR" sz="900" b="0" i="1">
+              <a:rPr lang="tr-TR" sz="900" b="0" i="1" dirty="0">
                 <a:solidFill>
                   <a:srgbClr val="222222"/>
                 </a:solidFill>
@@ -5139,7 +5206,7 @@
               <a:t>22</a:t>
             </a:r>
             <a:r>
-              <a:rPr lang="tr-TR" sz="900" b="0" i="0">
+              <a:rPr lang="tr-TR" sz="900" b="0" i="0" dirty="0">
                 <a:solidFill>
                   <a:srgbClr val="222222"/>
                 </a:solidFill>
@@ -5152,7 +5219,7 @@
           </a:p>
           <a:p>
             <a:r>
-              <a:rPr lang="tr-TR" sz="900">
+              <a:rPr lang="tr-TR" sz="900" dirty="0">
                 <a:solidFill>
                   <a:srgbClr val="222222"/>
                 </a:solidFill>
@@ -5162,7 +5229,7 @@
               <a:t>[3] </a:t>
             </a:r>
             <a:r>
-              <a:rPr lang="en-US" sz="900" b="0" i="0">
+              <a:rPr lang="en-US" sz="900" b="0" i="0" dirty="0">
                 <a:solidFill>
                   <a:srgbClr val="222222"/>
                 </a:solidFill>
@@ -5172,7 +5239,7 @@
               </a:rPr>
               <a:t>Lin, S. Y., Kung, Y. C., &amp; Leu, F. Y. (2022). Predictive intelligence in harmful news identification by BERT-based ensemble learning model with text sentiment analysis. </a:t>
             </a:r>
-            <a:endParaRPr lang="tr-TR" sz="900" b="0" i="0">
+            <a:endParaRPr lang="tr-TR" sz="900" b="0" i="0" dirty="0">
               <a:solidFill>
                 <a:srgbClr val="222222"/>
               </a:solidFill>
@@ -5183,7 +5250,7 @@
           </a:p>
           <a:p>
             <a:r>
-              <a:rPr lang="tr-TR" sz="900">
+              <a:rPr lang="tr-TR" sz="900" dirty="0">
                 <a:solidFill>
                   <a:srgbClr val="222222"/>
                 </a:solidFill>
@@ -5193,7 +5260,7 @@
               <a:t>     </a:t>
             </a:r>
             <a:r>
-              <a:rPr lang="en-US" sz="900" b="0" i="1">
+              <a:rPr lang="en-US" sz="900" b="0" i="1" dirty="0">
                 <a:solidFill>
                   <a:srgbClr val="222222"/>
                 </a:solidFill>
@@ -5204,7 +5271,7 @@
               <a:t>Information Processing &amp; Management</a:t>
             </a:r>
             <a:r>
-              <a:rPr lang="en-US" sz="900" b="0" i="0">
+              <a:rPr lang="en-US" sz="900" b="0" i="0" dirty="0">
                 <a:solidFill>
                   <a:srgbClr val="222222"/>
                 </a:solidFill>
@@ -5215,7 +5282,7 @@
               <a:t>, </a:t>
             </a:r>
             <a:r>
-              <a:rPr lang="en-US" sz="900" b="0" i="1">
+              <a:rPr lang="en-US" sz="900" b="0" i="1" dirty="0">
                 <a:solidFill>
                   <a:srgbClr val="222222"/>
                 </a:solidFill>
@@ -5226,7 +5293,7 @@
               <a:t>59</a:t>
             </a:r>
             <a:r>
-              <a:rPr lang="en-US" sz="900" b="0" i="0">
+              <a:rPr lang="en-US" sz="900" b="0" i="0" dirty="0">
                 <a:solidFill>
                   <a:srgbClr val="222222"/>
                 </a:solidFill>
@@ -5236,7 +5303,7 @@
               </a:rPr>
               <a:t>(2), 102872.</a:t>
             </a:r>
-            <a:endParaRPr lang="tr-TR" sz="900">
+            <a:endParaRPr lang="tr-TR" sz="900" dirty="0">
               <a:solidFill>
                 <a:srgbClr val="222222"/>
               </a:solidFill>
@@ -5246,7 +5313,7 @@
           </a:p>
           <a:p>
             <a:r>
-              <a:rPr lang="en-US" sz="900">
+              <a:rPr lang="en-US" sz="900" dirty="0">
                 <a:solidFill>
                   <a:srgbClr val="222222"/>
                 </a:solidFill>
@@ -5256,7 +5323,7 @@
               <a:t>[4] </a:t>
             </a:r>
             <a:r>
-              <a:rPr lang="tr-TR" sz="900" b="0" i="0" err="1">
+              <a:rPr lang="tr-TR" sz="900" b="0" i="0" dirty="0" err="1">
                 <a:solidFill>
                   <a:srgbClr val="222222"/>
                 </a:solidFill>
@@ -5267,7 +5334,7 @@
               <a:t>Emon</a:t>
             </a:r>
             <a:r>
-              <a:rPr lang="tr-TR" sz="900" b="0" i="0">
+              <a:rPr lang="tr-TR" sz="900" b="0" i="0" dirty="0">
                 <a:solidFill>
                   <a:srgbClr val="222222"/>
                 </a:solidFill>
@@ -5278,7 +5345,7 @@
               <a:t>, M. I. H., </a:t>
             </a:r>
             <a:r>
-              <a:rPr lang="tr-TR" sz="900" b="0" i="0" err="1">
+              <a:rPr lang="tr-TR" sz="900" b="0" i="0" dirty="0" err="1">
                 <a:solidFill>
                   <a:srgbClr val="222222"/>
                 </a:solidFill>
@@ -5289,7 +5356,7 @@
               <a:t>Iqbal</a:t>
             </a:r>
             <a:r>
-              <a:rPr lang="tr-TR" sz="900" b="0" i="0">
+              <a:rPr lang="tr-TR" sz="900" b="0" i="0" dirty="0">
                 <a:solidFill>
                   <a:srgbClr val="222222"/>
                 </a:solidFill>
@@ -5300,7 +5367,7 @@
               <a:t>, K. N., </a:t>
             </a:r>
             <a:r>
-              <a:rPr lang="tr-TR" sz="900" b="0" i="0" err="1">
+              <a:rPr lang="tr-TR" sz="900" b="0" i="0" dirty="0" err="1">
                 <a:solidFill>
                   <a:srgbClr val="222222"/>
                 </a:solidFill>
@@ -5311,7 +5378,7 @@
               <a:t>Mehedi</a:t>
             </a:r>
             <a:r>
-              <a:rPr lang="tr-TR" sz="900" b="0" i="0">
+              <a:rPr lang="tr-TR" sz="900" b="0" i="0" dirty="0">
                 <a:solidFill>
                   <a:srgbClr val="222222"/>
                 </a:solidFill>
@@ -5322,7 +5389,7 @@
               <a:t>, M. H. K., </a:t>
             </a:r>
             <a:r>
-              <a:rPr lang="tr-TR" sz="900" b="0" i="0" err="1">
+              <a:rPr lang="tr-TR" sz="900" b="0" i="0" dirty="0" err="1">
                 <a:solidFill>
                   <a:srgbClr val="222222"/>
                 </a:solidFill>
@@ -5333,7 +5400,7 @@
               <a:t>Mahbub</a:t>
             </a:r>
             <a:r>
-              <a:rPr lang="tr-TR" sz="900" b="0" i="0">
+              <a:rPr lang="tr-TR" sz="900" b="0" i="0" dirty="0">
                 <a:solidFill>
                   <a:srgbClr val="222222"/>
                 </a:solidFill>
@@ -5344,7 +5411,7 @@
               <a:t>, M. J. A., &amp; </a:t>
             </a:r>
             <a:r>
-              <a:rPr lang="tr-TR" sz="900" b="0" i="0" err="1">
+              <a:rPr lang="tr-TR" sz="900" b="0" i="0" dirty="0" err="1">
                 <a:solidFill>
                   <a:srgbClr val="222222"/>
                 </a:solidFill>
@@ -5355,7 +5422,7 @@
               <a:t>Rasel</a:t>
             </a:r>
             <a:r>
-              <a:rPr lang="tr-TR" sz="900" b="0" i="0">
+              <a:rPr lang="tr-TR" sz="900" b="0" i="0" dirty="0">
                 <a:solidFill>
                   <a:srgbClr val="222222"/>
                 </a:solidFill>
@@ -5366,7 +5433,7 @@
               <a:t>, A. A. (2022, </a:t>
             </a:r>
             <a:r>
-              <a:rPr lang="tr-TR" sz="900" b="0" i="0" err="1">
+              <a:rPr lang="tr-TR" sz="900" b="0" i="0" dirty="0" err="1">
                 <a:solidFill>
                   <a:srgbClr val="222222"/>
                 </a:solidFill>
@@ -5377,7 +5444,7 @@
               <a:t>July</a:t>
             </a:r>
             <a:r>
-              <a:rPr lang="tr-TR" sz="900" b="0" i="0">
+              <a:rPr lang="tr-TR" sz="900" b="0" i="0" dirty="0">
                 <a:solidFill>
                   <a:srgbClr val="222222"/>
                 </a:solidFill>
@@ -5388,7 +5455,7 @@
               <a:t>). </a:t>
             </a:r>
             <a:r>
-              <a:rPr lang="tr-TR" sz="900" b="0" i="0" err="1">
+              <a:rPr lang="tr-TR" sz="900" b="0" i="0" dirty="0" err="1">
                 <a:solidFill>
                   <a:srgbClr val="222222"/>
                 </a:solidFill>
@@ -5399,7 +5466,7 @@
               <a:t>Detection</a:t>
             </a:r>
             <a:r>
-              <a:rPr lang="tr-TR" sz="900" b="0" i="0">
+              <a:rPr lang="tr-TR" sz="900" b="0" i="0" dirty="0">
                 <a:solidFill>
                   <a:srgbClr val="222222"/>
                 </a:solidFill>
@@ -5410,7 +5477,7 @@
               <a:t> of </a:t>
             </a:r>
             <a:r>
-              <a:rPr lang="tr-TR" sz="900" b="0" i="0" err="1">
+              <a:rPr lang="tr-TR" sz="900" b="0" i="0" dirty="0" err="1">
                 <a:solidFill>
                   <a:srgbClr val="222222"/>
                 </a:solidFill>
@@ -5421,7 +5488,7 @@
               <a:t>Bangla</a:t>
             </a:r>
             <a:r>
-              <a:rPr lang="tr-TR" sz="900" b="0" i="0">
+              <a:rPr lang="tr-TR" sz="900" b="0" i="0" dirty="0">
                 <a:solidFill>
                   <a:srgbClr val="222222"/>
                 </a:solidFill>
@@ -5432,7 +5499,7 @@
               <a:t> </a:t>
             </a:r>
             <a:r>
-              <a:rPr lang="tr-TR" sz="900" b="0" i="0" err="1">
+              <a:rPr lang="tr-TR" sz="900" b="0" i="0" dirty="0" err="1">
                 <a:solidFill>
                   <a:srgbClr val="222222"/>
                 </a:solidFill>
@@ -5443,7 +5510,7 @@
               <a:t>Hate</a:t>
             </a:r>
             <a:r>
-              <a:rPr lang="tr-TR" sz="900" b="0" i="0">
+              <a:rPr lang="tr-TR" sz="900" b="0" i="0" dirty="0">
                 <a:solidFill>
                   <a:srgbClr val="222222"/>
                 </a:solidFill>
@@ -5454,7 +5521,7 @@
               <a:t> </a:t>
             </a:r>
             <a:r>
-              <a:rPr lang="tr-TR" sz="900" b="0" i="0" err="1">
+              <a:rPr lang="tr-TR" sz="900" b="0" i="0" dirty="0" err="1">
                 <a:solidFill>
                   <a:srgbClr val="222222"/>
                 </a:solidFill>
@@ -5465,7 +5532,7 @@
               <a:t>Comments</a:t>
             </a:r>
             <a:r>
-              <a:rPr lang="tr-TR" sz="900" b="0" i="0">
+              <a:rPr lang="tr-TR" sz="900" b="0" i="0" dirty="0">
                 <a:solidFill>
                   <a:srgbClr val="222222"/>
                 </a:solidFill>
@@ -5476,7 +5543,7 @@
               <a:t> </a:t>
             </a:r>
             <a:r>
-              <a:rPr lang="tr-TR" sz="900" b="0" i="0" err="1">
+              <a:rPr lang="tr-TR" sz="900" b="0" i="0" dirty="0" err="1">
                 <a:solidFill>
                   <a:srgbClr val="222222"/>
                 </a:solidFill>
@@ -5487,7 +5554,7 @@
               <a:t>and</a:t>
             </a:r>
             <a:r>
-              <a:rPr lang="tr-TR" sz="900" b="0" i="0">
+              <a:rPr lang="tr-TR" sz="900" b="0" i="0" dirty="0">
                 <a:solidFill>
                   <a:srgbClr val="222222"/>
                 </a:solidFill>
@@ -5498,7 +5565,7 @@
               <a:t> </a:t>
             </a:r>
             <a:r>
-              <a:rPr lang="tr-TR" sz="900" b="0" i="0" err="1">
+              <a:rPr lang="tr-TR" sz="900" b="0" i="0" dirty="0" err="1">
                 <a:solidFill>
                   <a:srgbClr val="222222"/>
                 </a:solidFill>
@@ -5509,7 +5576,7 @@
               <a:t>Cyberbullying</a:t>
             </a:r>
             <a:r>
-              <a:rPr lang="tr-TR" sz="900" b="0" i="0">
+              <a:rPr lang="tr-TR" sz="900" b="0" i="0" dirty="0">
                 <a:solidFill>
                   <a:srgbClr val="222222"/>
                 </a:solidFill>
@@ -5520,7 +5587,7 @@
               <a:t> in </a:t>
             </a:r>
             <a:r>
-              <a:rPr lang="tr-TR" sz="900" b="0" i="0" err="1">
+              <a:rPr lang="tr-TR" sz="900" b="0" i="0" dirty="0" err="1">
                 <a:solidFill>
                   <a:srgbClr val="222222"/>
                 </a:solidFill>
@@ -5531,7 +5598,7 @@
               <a:t>Social</a:t>
             </a:r>
             <a:r>
-              <a:rPr lang="tr-TR" sz="900" b="0" i="0">
+              <a:rPr lang="tr-TR" sz="900" b="0" i="0" dirty="0">
                 <a:solidFill>
                   <a:srgbClr val="222222"/>
                 </a:solidFill>
@@ -5542,7 +5609,7 @@
               <a:t> Media Using NLP </a:t>
             </a:r>
             <a:r>
-              <a:rPr lang="tr-TR" sz="900" b="0" i="0" err="1">
+              <a:rPr lang="tr-TR" sz="900" b="0" i="0" dirty="0" err="1">
                 <a:solidFill>
                   <a:srgbClr val="222222"/>
                 </a:solidFill>
@@ -5553,7 +5620,7 @@
               <a:t>and</a:t>
             </a:r>
             <a:r>
-              <a:rPr lang="tr-TR" sz="900" b="0" i="0">
+              <a:rPr lang="tr-TR" sz="900" b="0" i="0" dirty="0">
                 <a:solidFill>
                   <a:srgbClr val="222222"/>
                 </a:solidFill>
@@ -5566,7 +5633,7 @@
           </a:p>
           <a:p>
             <a:r>
-              <a:rPr lang="tr-TR" sz="900" b="0" i="0" err="1">
+              <a:rPr lang="tr-TR" sz="900" b="0" i="0" dirty="0" err="1">
                 <a:solidFill>
                   <a:srgbClr val="222222"/>
                 </a:solidFill>
@@ -5577,7 +5644,7 @@
               <a:t>Transformer</a:t>
             </a:r>
             <a:r>
-              <a:rPr lang="tr-TR" sz="900" b="0" i="0">
+              <a:rPr lang="tr-TR" sz="900" b="0" i="0" dirty="0">
                 <a:solidFill>
                   <a:srgbClr val="222222"/>
                 </a:solidFill>
@@ -5588,7 +5655,7 @@
               <a:t> </a:t>
             </a:r>
             <a:r>
-              <a:rPr lang="tr-TR" sz="900" b="0" i="0" err="1">
+              <a:rPr lang="tr-TR" sz="900" b="0" i="0" dirty="0" err="1">
                 <a:solidFill>
                   <a:srgbClr val="222222"/>
                 </a:solidFill>
@@ -5599,7 +5666,7 @@
               <a:t>Models</a:t>
             </a:r>
             <a:r>
-              <a:rPr lang="tr-TR" sz="900" b="0" i="0">
+              <a:rPr lang="tr-TR" sz="900" b="0" i="0" dirty="0">
                 <a:solidFill>
                   <a:srgbClr val="222222"/>
                 </a:solidFill>
@@ -5610,7 +5677,7 @@
               <a:t>. </a:t>
             </a:r>
             <a:r>
-              <a:rPr lang="tr-TR" sz="900" b="0" i="0" err="1">
+              <a:rPr lang="tr-TR" sz="900" b="0" i="0" dirty="0" err="1">
                 <a:solidFill>
                   <a:srgbClr val="222222"/>
                 </a:solidFill>
@@ -5621,7 +5688,7 @@
               <a:t>In</a:t>
             </a:r>
             <a:r>
-              <a:rPr lang="tr-TR" sz="900" b="0" i="0">
+              <a:rPr lang="tr-TR" sz="900" b="0" i="0" dirty="0">
                 <a:solidFill>
                   <a:srgbClr val="222222"/>
                 </a:solidFill>
@@ -5632,7 +5699,7 @@
               <a:t> </a:t>
             </a:r>
             <a:r>
-              <a:rPr lang="tr-TR" sz="900" b="0" i="1" err="1">
+              <a:rPr lang="tr-TR" sz="900" b="0" i="1" dirty="0" err="1">
                 <a:solidFill>
                   <a:srgbClr val="222222"/>
                 </a:solidFill>
@@ -5643,7 +5710,7 @@
               <a:t>Advances</a:t>
             </a:r>
             <a:r>
-              <a:rPr lang="tr-TR" sz="900" b="0" i="1">
+              <a:rPr lang="tr-TR" sz="900" b="0" i="1" dirty="0">
                 <a:solidFill>
                   <a:srgbClr val="222222"/>
                 </a:solidFill>
@@ -5654,7 +5721,7 @@
               <a:t> in Computing </a:t>
             </a:r>
             <a:r>
-              <a:rPr lang="tr-TR" sz="900" b="0" i="1" err="1">
+              <a:rPr lang="tr-TR" sz="900" b="0" i="1" dirty="0" err="1">
                 <a:solidFill>
                   <a:srgbClr val="222222"/>
                 </a:solidFill>
@@ -5665,7 +5732,7 @@
               <a:t>and</a:t>
             </a:r>
             <a:r>
-              <a:rPr lang="tr-TR" sz="900" b="0" i="1">
+              <a:rPr lang="tr-TR" sz="900" b="0" i="1" dirty="0">
                 <a:solidFill>
                   <a:srgbClr val="222222"/>
                 </a:solidFill>
@@ -5676,7 +5743,7 @@
               <a:t> Data </a:t>
             </a:r>
             <a:r>
-              <a:rPr lang="tr-TR" sz="900" b="0" i="1" err="1">
+              <a:rPr lang="tr-TR" sz="900" b="0" i="1" dirty="0" err="1">
                 <a:solidFill>
                   <a:srgbClr val="222222"/>
                 </a:solidFill>
@@ -5687,7 +5754,7 @@
               <a:t>Sciences</a:t>
             </a:r>
             <a:r>
-              <a:rPr lang="tr-TR" sz="900" b="0" i="1">
+              <a:rPr lang="tr-TR" sz="900" b="0" i="1" dirty="0">
                 <a:solidFill>
                   <a:srgbClr val="222222"/>
                 </a:solidFill>
@@ -5698,7 +5765,7 @@
               <a:t>: 6th International Conference, ICACDS 2022, </a:t>
             </a:r>
             <a:r>
-              <a:rPr lang="tr-TR" sz="900" b="0" i="1" err="1">
+              <a:rPr lang="tr-TR" sz="900" b="0" i="1" dirty="0" err="1">
                 <a:solidFill>
                   <a:srgbClr val="222222"/>
                 </a:solidFill>
@@ -5709,7 +5776,7 @@
               <a:t>Kurnool</a:t>
             </a:r>
             <a:r>
-              <a:rPr lang="tr-TR" sz="900" b="0" i="1">
+              <a:rPr lang="tr-TR" sz="900" b="0" i="1" dirty="0">
                 <a:solidFill>
                   <a:srgbClr val="222222"/>
                 </a:solidFill>
@@ -5720,7 +5787,7 @@
               <a:t>, </a:t>
             </a:r>
             <a:r>
-              <a:rPr lang="tr-TR" sz="900" b="0" i="1" err="1">
+              <a:rPr lang="tr-TR" sz="900" b="0" i="1" dirty="0" err="1">
                 <a:solidFill>
                   <a:srgbClr val="222222"/>
                 </a:solidFill>
@@ -5731,7 +5798,7 @@
               <a:t>India</a:t>
             </a:r>
             <a:r>
-              <a:rPr lang="tr-TR" sz="900" b="0" i="1">
+              <a:rPr lang="tr-TR" sz="900" b="0" i="1" dirty="0">
                 <a:solidFill>
                   <a:srgbClr val="222222"/>
                 </a:solidFill>
@@ -5742,7 +5809,7 @@
               <a:t>, April 22–23, 2022, </a:t>
             </a:r>
             <a:r>
-              <a:rPr lang="tr-TR" sz="900" b="0" i="1" err="1">
+              <a:rPr lang="tr-TR" sz="900" b="0" i="1" dirty="0" err="1">
                 <a:solidFill>
                   <a:srgbClr val="222222"/>
                 </a:solidFill>
@@ -5753,7 +5820,7 @@
               <a:t>Revised</a:t>
             </a:r>
             <a:r>
-              <a:rPr lang="tr-TR" sz="900" b="0" i="1">
+              <a:rPr lang="tr-TR" sz="900" b="0" i="1" dirty="0">
                 <a:solidFill>
                   <a:srgbClr val="222222"/>
                 </a:solidFill>
@@ -5764,7 +5831,7 @@
               <a:t> </a:t>
             </a:r>
             <a:r>
-              <a:rPr lang="tr-TR" sz="900" b="0" i="1" err="1">
+              <a:rPr lang="tr-TR" sz="900" b="0" i="1" dirty="0" err="1">
                 <a:solidFill>
                   <a:srgbClr val="222222"/>
                 </a:solidFill>
@@ -5775,7 +5842,7 @@
               <a:t>Selected</a:t>
             </a:r>
             <a:r>
-              <a:rPr lang="tr-TR" sz="900" b="0" i="1">
+              <a:rPr lang="tr-TR" sz="900" b="0" i="1" dirty="0">
                 <a:solidFill>
                   <a:srgbClr val="222222"/>
                 </a:solidFill>
@@ -5786,7 +5853,7 @@
               <a:t> </a:t>
             </a:r>
             <a:r>
-              <a:rPr lang="tr-TR" sz="900" b="0" i="1" err="1">
+              <a:rPr lang="tr-TR" sz="900" b="0" i="1" dirty="0" err="1">
                 <a:solidFill>
                   <a:srgbClr val="222222"/>
                 </a:solidFill>
@@ -5797,7 +5864,7 @@
               <a:t>Papers</a:t>
             </a:r>
             <a:r>
-              <a:rPr lang="tr-TR" sz="900" b="0" i="1">
+              <a:rPr lang="tr-TR" sz="900" b="0" i="1" dirty="0">
                 <a:solidFill>
                   <a:srgbClr val="222222"/>
                 </a:solidFill>
@@ -5810,7 +5877,7 @@
           </a:p>
           <a:p>
             <a:r>
-              <a:rPr lang="tr-TR" sz="900" b="0" i="1">
+              <a:rPr lang="tr-TR" sz="900" b="0" i="1" dirty="0">
                 <a:solidFill>
                   <a:srgbClr val="222222"/>
                 </a:solidFill>
@@ -5821,7 +5888,7 @@
               <a:t> </a:t>
             </a:r>
             <a:r>
-              <a:rPr lang="tr-TR" sz="900" b="0" i="1" err="1">
+              <a:rPr lang="tr-TR" sz="900" b="0" i="1" dirty="0" err="1">
                 <a:solidFill>
                   <a:srgbClr val="222222"/>
                 </a:solidFill>
@@ -5832,7 +5899,7 @@
               <a:t>Part</a:t>
             </a:r>
             <a:r>
-              <a:rPr lang="tr-TR" sz="900" b="0" i="1">
+              <a:rPr lang="tr-TR" sz="900" b="0" i="1" dirty="0">
                 <a:solidFill>
                   <a:srgbClr val="222222"/>
                 </a:solidFill>
@@ -5843,7 +5910,7 @@
               <a:t> I</a:t>
             </a:r>
             <a:r>
-              <a:rPr lang="tr-TR" sz="900" b="0" i="0">
+              <a:rPr lang="tr-TR" sz="900" b="0" i="0" dirty="0">
                 <a:solidFill>
                   <a:srgbClr val="222222"/>
                 </a:solidFill>
@@ -5854,7 +5921,7 @@
               <a:t> (</a:t>
             </a:r>
             <a:r>
-              <a:rPr lang="tr-TR" sz="900" b="0" i="0" err="1">
+              <a:rPr lang="tr-TR" sz="900" b="0" i="0" dirty="0" err="1">
                 <a:solidFill>
                   <a:srgbClr val="222222"/>
                 </a:solidFill>
@@ -5865,7 +5932,7 @@
               <a:t>pp</a:t>
             </a:r>
             <a:r>
-              <a:rPr lang="tr-TR" sz="900" b="0" i="0">
+              <a:rPr lang="tr-TR" sz="900" b="0" i="0" dirty="0">
                 <a:solidFill>
                   <a:srgbClr val="222222"/>
                 </a:solidFill>
@@ -5876,7 +5943,7 @@
               <a:t>. 86-96). </a:t>
             </a:r>
             <a:r>
-              <a:rPr lang="tr-TR" sz="900" b="0" i="0" err="1">
+              <a:rPr lang="tr-TR" sz="900" b="0" i="0" dirty="0" err="1">
                 <a:solidFill>
                   <a:srgbClr val="222222"/>
                 </a:solidFill>
@@ -5887,7 +5954,7 @@
               <a:t>Cham</a:t>
             </a:r>
             <a:r>
-              <a:rPr lang="tr-TR" sz="900" b="0" i="0">
+              <a:rPr lang="tr-TR" sz="900" b="0" i="0" dirty="0">
                 <a:solidFill>
                   <a:srgbClr val="222222"/>
                 </a:solidFill>
@@ -5898,7 +5965,7 @@
               <a:t>: </a:t>
             </a:r>
             <a:r>
-              <a:rPr lang="tr-TR" sz="900" b="0" i="0" err="1">
+              <a:rPr lang="tr-TR" sz="900" b="0" i="0" dirty="0" err="1">
                 <a:solidFill>
                   <a:srgbClr val="222222"/>
                 </a:solidFill>
@@ -5909,7 +5976,7 @@
               <a:t>Springer</a:t>
             </a:r>
             <a:r>
-              <a:rPr lang="tr-TR" sz="900" b="0" i="0">
+              <a:rPr lang="tr-TR" sz="900" b="0" i="0" dirty="0">
                 <a:solidFill>
                   <a:srgbClr val="222222"/>
                 </a:solidFill>
@@ -5922,7 +5989,7 @@
           </a:p>
           <a:p>
             <a:r>
-              <a:rPr lang="en-US" sz="900">
+              <a:rPr lang="en-US" sz="900" dirty="0">
                 <a:solidFill>
                   <a:srgbClr val="222222"/>
                 </a:solidFill>
@@ -5932,7 +5999,7 @@
               <a:t>[</a:t>
             </a:r>
             <a:r>
-              <a:rPr lang="tr-TR" sz="900">
+              <a:rPr lang="tr-TR" sz="900" dirty="0">
                 <a:solidFill>
                   <a:srgbClr val="222222"/>
                 </a:solidFill>
@@ -5942,7 +6009,7 @@
               <a:t>5</a:t>
             </a:r>
             <a:r>
-              <a:rPr lang="en-US" sz="900">
+              <a:rPr lang="en-US" sz="900" dirty="0">
                 <a:solidFill>
                   <a:srgbClr val="222222"/>
                 </a:solidFill>
@@ -5952,7 +6019,7 @@
               <a:t>]</a:t>
             </a:r>
             <a:r>
-              <a:rPr lang="tr-TR" sz="900">
+              <a:rPr lang="tr-TR" sz="900" dirty="0">
                 <a:solidFill>
                   <a:srgbClr val="222222"/>
                 </a:solidFill>
@@ -5962,7 +6029,7 @@
               <a:t> </a:t>
             </a:r>
             <a:r>
-              <a:rPr lang="tr-TR" sz="900" b="0" i="0" err="1">
+              <a:rPr lang="tr-TR" sz="900" b="0" i="0" dirty="0" err="1">
                 <a:solidFill>
                   <a:srgbClr val="222222"/>
                 </a:solidFill>
@@ -5973,7 +6040,7 @@
               <a:t>Karahmetoğlu</a:t>
             </a:r>
             <a:r>
-              <a:rPr lang="tr-TR" sz="900" b="0" i="0">
+              <a:rPr lang="tr-TR" sz="900" b="0" i="0" dirty="0">
                 <a:solidFill>
                   <a:srgbClr val="222222"/>
                 </a:solidFill>
@@ -5984,7 +6051,7 @@
               <a:t>, E., Ersöz, S., &amp; </a:t>
             </a:r>
             <a:r>
-              <a:rPr lang="tr-TR" sz="900" b="0" i="0" err="1">
+              <a:rPr lang="tr-TR" sz="900" b="0" i="0" dirty="0" err="1">
                 <a:solidFill>
                   <a:srgbClr val="222222"/>
                 </a:solidFill>
@@ -5995,7 +6062,7 @@
               <a:t>Karahmetoğlu</a:t>
             </a:r>
             <a:r>
-              <a:rPr lang="tr-TR" sz="900" b="0" i="0">
+              <a:rPr lang="tr-TR" sz="900" b="0" i="0" dirty="0">
                 <a:solidFill>
                   <a:srgbClr val="222222"/>
                 </a:solidFill>
@@ -6008,7 +6075,7 @@
           </a:p>
           <a:p>
             <a:r>
-              <a:rPr lang="tr-TR" sz="900" b="0" i="0">
+              <a:rPr lang="tr-TR" sz="900" b="0" i="0" dirty="0">
                 <a:solidFill>
                   <a:srgbClr val="222222"/>
                 </a:solidFill>
@@ -6019,7 +6086,7 @@
               <a:t> ANALİZİ ÇALIŞMASI. </a:t>
             </a:r>
             <a:r>
-              <a:rPr lang="tr-TR" sz="900" b="0" i="1">
+              <a:rPr lang="tr-TR" sz="900" b="0" i="1" dirty="0">
                 <a:solidFill>
                   <a:srgbClr val="222222"/>
                 </a:solidFill>
@@ -6030,7 +6097,7 @@
               <a:t>Ergonomi</a:t>
             </a:r>
             <a:r>
-              <a:rPr lang="tr-TR" sz="900" b="0" i="0">
+              <a:rPr lang="tr-TR" sz="900" b="0" i="0" dirty="0">
                 <a:solidFill>
                   <a:srgbClr val="222222"/>
                 </a:solidFill>
@@ -6041,7 +6108,7 @@
               <a:t>, </a:t>
             </a:r>
             <a:r>
-              <a:rPr lang="tr-TR" sz="900" b="0" i="1">
+              <a:rPr lang="tr-TR" sz="900" b="0" i="1" dirty="0">
                 <a:solidFill>
                   <a:srgbClr val="222222"/>
                 </a:solidFill>
@@ -6052,7 +6119,7 @@
               <a:t>4</a:t>
             </a:r>
             <a:r>
-              <a:rPr lang="tr-TR" sz="900" b="0" i="0">
+              <a:rPr lang="tr-TR" sz="900" b="0" i="0" dirty="0">
                 <a:solidFill>
                   <a:srgbClr val="222222"/>
                 </a:solidFill>
@@ -6062,7 +6129,7 @@
               </a:rPr>
               <a:t>(1), 47-54.</a:t>
             </a:r>
-            <a:endParaRPr lang="tr-TR" sz="900">
+            <a:endParaRPr lang="tr-TR" sz="900" dirty="0">
               <a:solidFill>
                 <a:srgbClr val="222222"/>
               </a:solidFill>
@@ -6072,7 +6139,7 @@
           </a:p>
           <a:p>
             <a:r>
-              <a:rPr lang="en-US" sz="900">
+              <a:rPr lang="en-US" sz="900" dirty="0">
                 <a:solidFill>
                   <a:srgbClr val="222222"/>
                 </a:solidFill>
@@ -6082,7 +6149,7 @@
               <a:t>[</a:t>
             </a:r>
             <a:r>
-              <a:rPr lang="tr-TR" sz="900">
+              <a:rPr lang="tr-TR" sz="900" dirty="0">
                 <a:solidFill>
                   <a:srgbClr val="222222"/>
                 </a:solidFill>
@@ -6092,7 +6159,7 @@
               <a:t>6</a:t>
             </a:r>
             <a:r>
-              <a:rPr lang="en-US" sz="900">
+              <a:rPr lang="en-US" sz="900" dirty="0">
                 <a:solidFill>
                   <a:srgbClr val="222222"/>
                 </a:solidFill>
@@ -6102,7 +6169,7 @@
               <a:t>]</a:t>
             </a:r>
             <a:r>
-              <a:rPr lang="tr-TR" sz="900">
+              <a:rPr lang="tr-TR" sz="900" dirty="0">
                 <a:solidFill>
                   <a:srgbClr val="222222"/>
                 </a:solidFill>
@@ -6112,7 +6179,7 @@
               <a:t> </a:t>
             </a:r>
             <a:r>
-              <a:rPr lang="tr-TR" sz="900" b="0" i="0" err="1">
+              <a:rPr lang="tr-TR" sz="900" b="0" i="0" dirty="0" err="1">
                 <a:solidFill>
                   <a:srgbClr val="222222"/>
                 </a:solidFill>
@@ -6123,7 +6190,7 @@
               <a:t>Sousa</a:t>
             </a:r>
             <a:r>
-              <a:rPr lang="tr-TR" sz="900" b="0" i="0">
+              <a:rPr lang="tr-TR" sz="900" b="0" i="0" dirty="0">
                 <a:solidFill>
                   <a:srgbClr val="222222"/>
                 </a:solidFill>
@@ -6134,7 +6201,7 @@
               <a:t>, M. G., </a:t>
             </a:r>
             <a:r>
-              <a:rPr lang="tr-TR" sz="900" b="0" i="0" err="1">
+              <a:rPr lang="tr-TR" sz="900" b="0" i="0" dirty="0" err="1">
                 <a:solidFill>
                   <a:srgbClr val="222222"/>
                 </a:solidFill>
@@ -6145,7 +6212,7 @@
               <a:t>Sakiyama</a:t>
             </a:r>
             <a:r>
-              <a:rPr lang="tr-TR" sz="900" b="0" i="0">
+              <a:rPr lang="tr-TR" sz="900" b="0" i="0" dirty="0">
                 <a:solidFill>
                   <a:srgbClr val="222222"/>
                 </a:solidFill>
@@ -6156,7 +6223,7 @@
               <a:t>, K., de </a:t>
             </a:r>
             <a:r>
-              <a:rPr lang="tr-TR" sz="900" b="0" i="0" err="1">
+              <a:rPr lang="tr-TR" sz="900" b="0" i="0" dirty="0" err="1">
                 <a:solidFill>
                   <a:srgbClr val="222222"/>
                 </a:solidFill>
@@ -6167,7 +6234,7 @@
               <a:t>Souza</a:t>
             </a:r>
             <a:r>
-              <a:rPr lang="tr-TR" sz="900" b="0" i="0">
+              <a:rPr lang="tr-TR" sz="900" b="0" i="0" dirty="0">
                 <a:solidFill>
                   <a:srgbClr val="222222"/>
                 </a:solidFill>
@@ -6178,7 +6245,7 @@
               <a:t> </a:t>
             </a:r>
             <a:r>
-              <a:rPr lang="tr-TR" sz="900" b="0" i="0" err="1">
+              <a:rPr lang="tr-TR" sz="900" b="0" i="0" dirty="0" err="1">
                 <a:solidFill>
                   <a:srgbClr val="222222"/>
                 </a:solidFill>
@@ -6189,7 +6256,7 @@
               <a:t>Rodrigues</a:t>
             </a:r>
             <a:r>
-              <a:rPr lang="tr-TR" sz="900" b="0" i="0">
+              <a:rPr lang="tr-TR" sz="900" b="0" i="0" dirty="0">
                 <a:solidFill>
                   <a:srgbClr val="222222"/>
                 </a:solidFill>
@@ -6200,7 +6267,7 @@
               <a:t>, L., </a:t>
             </a:r>
             <a:r>
-              <a:rPr lang="tr-TR" sz="900" b="0" i="0" err="1">
+              <a:rPr lang="tr-TR" sz="900" b="0" i="0" dirty="0" err="1">
                 <a:solidFill>
                   <a:srgbClr val="222222"/>
                 </a:solidFill>
@@ -6211,7 +6278,7 @@
               <a:t>Moraes</a:t>
             </a:r>
             <a:r>
-              <a:rPr lang="tr-TR" sz="900" b="0" i="0">
+              <a:rPr lang="tr-TR" sz="900" b="0" i="0" dirty="0">
                 <a:solidFill>
                   <a:srgbClr val="222222"/>
                 </a:solidFill>
@@ -6222,7 +6289,7 @@
               <a:t>, P. H., </a:t>
             </a:r>
             <a:r>
-              <a:rPr lang="tr-TR" sz="900" b="0" i="0" err="1">
+              <a:rPr lang="tr-TR" sz="900" b="0" i="0" dirty="0" err="1">
                 <a:solidFill>
                   <a:srgbClr val="222222"/>
                 </a:solidFill>
@@ -6233,7 +6300,7 @@
               <a:t>Fernandes</a:t>
             </a:r>
             <a:r>
-              <a:rPr lang="tr-TR" sz="900" b="0" i="0">
+              <a:rPr lang="tr-TR" sz="900" b="0" i="0" dirty="0">
                 <a:solidFill>
                   <a:srgbClr val="222222"/>
                 </a:solidFill>
@@ -6244,7 +6311,7 @@
               <a:t>, E. R., &amp; </a:t>
             </a:r>
             <a:r>
-              <a:rPr lang="tr-TR" sz="900" b="0" i="0" err="1">
+              <a:rPr lang="tr-TR" sz="900" b="0" i="0" dirty="0" err="1">
                 <a:solidFill>
                   <a:srgbClr val="222222"/>
                 </a:solidFill>
@@ -6255,7 +6322,7 @@
               <a:t>Matsubara</a:t>
             </a:r>
             <a:r>
-              <a:rPr lang="tr-TR" sz="900" b="0" i="0">
+              <a:rPr lang="tr-TR" sz="900" b="0" i="0" dirty="0">
                 <a:solidFill>
                   <a:srgbClr val="222222"/>
                 </a:solidFill>
@@ -6266,7 +6333,7 @@
               <a:t>, E. T. (2019, </a:t>
             </a:r>
             <a:r>
-              <a:rPr lang="tr-TR" sz="900" b="0" i="0" err="1">
+              <a:rPr lang="tr-TR" sz="900" b="0" i="0" dirty="0" err="1">
                 <a:solidFill>
                   <a:srgbClr val="222222"/>
                 </a:solidFill>
@@ -6277,7 +6344,7 @@
               <a:t>November</a:t>
             </a:r>
             <a:r>
-              <a:rPr lang="tr-TR" sz="900" b="0" i="0">
+              <a:rPr lang="tr-TR" sz="900" b="0" i="0" dirty="0">
                 <a:solidFill>
                   <a:srgbClr val="222222"/>
                 </a:solidFill>
@@ -6288,7 +6355,7 @@
               <a:t>). BERT </a:t>
             </a:r>
             <a:r>
-              <a:rPr lang="tr-TR" sz="900" b="0" i="0" err="1">
+              <a:rPr lang="tr-TR" sz="900" b="0" i="0" dirty="0" err="1">
                 <a:solidFill>
                   <a:srgbClr val="222222"/>
                 </a:solidFill>
@@ -6299,7 +6366,7 @@
               <a:t>for</a:t>
             </a:r>
             <a:r>
-              <a:rPr lang="tr-TR" sz="900" b="0" i="0">
+              <a:rPr lang="tr-TR" sz="900" b="0" i="0" dirty="0">
                 <a:solidFill>
                   <a:srgbClr val="222222"/>
                 </a:solidFill>
@@ -6310,7 +6377,7 @@
               <a:t> </a:t>
             </a:r>
             <a:r>
-              <a:rPr lang="tr-TR" sz="900" b="0" i="0" err="1">
+              <a:rPr lang="tr-TR" sz="900" b="0" i="0" dirty="0" err="1">
                 <a:solidFill>
                   <a:srgbClr val="222222"/>
                 </a:solidFill>
@@ -6321,7 +6388,7 @@
               <a:t>stock</a:t>
             </a:r>
             <a:r>
-              <a:rPr lang="tr-TR" sz="900" b="0" i="0">
+              <a:rPr lang="tr-TR" sz="900" b="0" i="0" dirty="0">
                 <a:solidFill>
                   <a:srgbClr val="222222"/>
                 </a:solidFill>
@@ -6332,7 +6399,7 @@
               <a:t> market </a:t>
             </a:r>
             <a:r>
-              <a:rPr lang="tr-TR" sz="900" b="0" i="0" err="1">
+              <a:rPr lang="tr-TR" sz="900" b="0" i="0" dirty="0" err="1">
                 <a:solidFill>
                   <a:srgbClr val="222222"/>
                 </a:solidFill>
@@ -6343,7 +6410,7 @@
               <a:t>sentiment</a:t>
             </a:r>
             <a:r>
-              <a:rPr lang="tr-TR" sz="900" b="0" i="0">
+              <a:rPr lang="tr-TR" sz="900" b="0" i="0" dirty="0">
                 <a:solidFill>
                   <a:srgbClr val="222222"/>
                 </a:solidFill>
@@ -6354,7 +6421,7 @@
               <a:t> </a:t>
             </a:r>
             <a:r>
-              <a:rPr lang="tr-TR" sz="900" b="0" i="0" err="1">
+              <a:rPr lang="tr-TR" sz="900" b="0" i="0" dirty="0" err="1">
                 <a:solidFill>
                   <a:srgbClr val="222222"/>
                 </a:solidFill>
@@ -6365,7 +6432,7 @@
               <a:t>analysis</a:t>
             </a:r>
             <a:r>
-              <a:rPr lang="tr-TR" sz="900" b="0" i="0">
+              <a:rPr lang="tr-TR" sz="900" b="0" i="0" dirty="0">
                 <a:solidFill>
                   <a:srgbClr val="222222"/>
                 </a:solidFill>
@@ -6376,7 +6443,7 @@
               <a:t>. </a:t>
             </a:r>
             <a:r>
-              <a:rPr lang="tr-TR" sz="900" b="0" i="0" err="1">
+              <a:rPr lang="tr-TR" sz="900" b="0" i="0" dirty="0" err="1">
                 <a:solidFill>
                   <a:srgbClr val="222222"/>
                 </a:solidFill>
@@ -6386,7 +6453,7 @@
               </a:rPr>
               <a:t>In</a:t>
             </a:r>
-            <a:endParaRPr lang="tr-TR" sz="900" b="0" i="0">
+            <a:endParaRPr lang="tr-TR" sz="900" b="0" i="0" dirty="0">
               <a:solidFill>
                 <a:srgbClr val="222222"/>
               </a:solidFill>
@@ -6397,7 +6464,7 @@
           </a:p>
           <a:p>
             <a:r>
-              <a:rPr lang="tr-TR" sz="900" b="0" i="0">
+              <a:rPr lang="tr-TR" sz="900" b="0" i="0" dirty="0">
                 <a:solidFill>
                   <a:srgbClr val="222222"/>
                 </a:solidFill>
@@ -6408,7 +6475,7 @@
               <a:t> </a:t>
             </a:r>
             <a:r>
-              <a:rPr lang="tr-TR" sz="900" b="0" i="1">
+              <a:rPr lang="tr-TR" sz="900" b="0" i="1" dirty="0">
                 <a:solidFill>
                   <a:srgbClr val="222222"/>
                 </a:solidFill>
@@ -6419,7 +6486,7 @@
               <a:t>2019 IEEE 31st International Conference on Tools </a:t>
             </a:r>
             <a:r>
-              <a:rPr lang="tr-TR" sz="900" b="0" i="1" err="1">
+              <a:rPr lang="tr-TR" sz="900" b="0" i="1" dirty="0" err="1">
                 <a:solidFill>
                   <a:srgbClr val="222222"/>
                 </a:solidFill>
@@ -6430,7 +6497,7 @@
               <a:t>with</a:t>
             </a:r>
             <a:r>
-              <a:rPr lang="tr-TR" sz="900" b="0" i="1">
+              <a:rPr lang="tr-TR" sz="900" b="0" i="1" dirty="0">
                 <a:solidFill>
                   <a:srgbClr val="222222"/>
                 </a:solidFill>
@@ -6441,7 +6508,7 @@
               <a:t> </a:t>
             </a:r>
             <a:r>
-              <a:rPr lang="tr-TR" sz="900" b="0" i="1" err="1">
+              <a:rPr lang="tr-TR" sz="900" b="0" i="1" dirty="0" err="1">
                 <a:solidFill>
                   <a:srgbClr val="222222"/>
                 </a:solidFill>
@@ -6452,7 +6519,7 @@
               <a:t>Artificial</a:t>
             </a:r>
             <a:r>
-              <a:rPr lang="tr-TR" sz="900" b="0" i="1">
+              <a:rPr lang="tr-TR" sz="900" b="0" i="1" dirty="0">
                 <a:solidFill>
                   <a:srgbClr val="222222"/>
                 </a:solidFill>
@@ -6463,7 +6530,7 @@
               <a:t> </a:t>
             </a:r>
             <a:r>
-              <a:rPr lang="tr-TR" sz="900" b="0" i="1" err="1">
+              <a:rPr lang="tr-TR" sz="900" b="0" i="1" dirty="0" err="1">
                 <a:solidFill>
                   <a:srgbClr val="222222"/>
                 </a:solidFill>
@@ -6474,7 +6541,7 @@
               <a:t>Intelligence</a:t>
             </a:r>
             <a:r>
-              <a:rPr lang="tr-TR" sz="900" b="0" i="1">
+              <a:rPr lang="tr-TR" sz="900" b="0" i="1" dirty="0">
                 <a:solidFill>
                   <a:srgbClr val="222222"/>
                 </a:solidFill>
@@ -6485,7 +6552,7 @@
               <a:t> (ICTAI)</a:t>
             </a:r>
             <a:r>
-              <a:rPr lang="tr-TR" sz="900" b="0" i="0">
+              <a:rPr lang="tr-TR" sz="900" b="0" i="0" dirty="0">
                 <a:solidFill>
                   <a:srgbClr val="222222"/>
                 </a:solidFill>
@@ -6496,7 +6563,7 @@
               <a:t> (</a:t>
             </a:r>
             <a:r>
-              <a:rPr lang="tr-TR" sz="900" b="0" i="0" err="1">
+              <a:rPr lang="tr-TR" sz="900" b="0" i="0" dirty="0" err="1">
                 <a:solidFill>
                   <a:srgbClr val="222222"/>
                 </a:solidFill>
@@ -6507,7 +6574,7 @@
               <a:t>pp</a:t>
             </a:r>
             <a:r>
-              <a:rPr lang="tr-TR" sz="900" b="0" i="0">
+              <a:rPr lang="tr-TR" sz="900" b="0" i="0" dirty="0">
                 <a:solidFill>
                   <a:srgbClr val="222222"/>
                 </a:solidFill>
@@ -6520,7 +6587,7 @@
           </a:p>
           <a:p>
             <a:r>
-              <a:rPr lang="tr-TR" sz="900">
+              <a:rPr lang="tr-TR" sz="900" dirty="0">
                 <a:solidFill>
                   <a:srgbClr val="222222"/>
                 </a:solidFill>
@@ -6530,7 +6597,7 @@
               <a:t>[7] </a:t>
             </a:r>
             <a:r>
-              <a:rPr lang="en-US" sz="900" b="0" i="0">
+              <a:rPr lang="en-US" sz="900" b="0" i="0" dirty="0">
                 <a:solidFill>
                   <a:srgbClr val="222222"/>
                 </a:solidFill>
@@ -6541,7 +6608,7 @@
               <a:t>Zhao, L., Li, L., Zheng, X., &amp; Zhang, J. (2021, May). A BERT based sentiment analysis and key entity detection approach for online financial texts. In </a:t>
             </a:r>
             <a:r>
-              <a:rPr lang="en-US" sz="900" b="0" i="1">
+              <a:rPr lang="en-US" sz="900" b="0" i="1" dirty="0">
                 <a:solidFill>
                   <a:srgbClr val="222222"/>
                 </a:solidFill>
@@ -6551,7 +6618,7 @@
               </a:rPr>
               <a:t>2021 IEEE 24th </a:t>
             </a:r>
-            <a:endParaRPr lang="tr-TR" sz="900" b="0" i="1">
+            <a:endParaRPr lang="tr-TR" sz="900" b="0" i="1" dirty="0">
               <a:solidFill>
                 <a:srgbClr val="222222"/>
               </a:solidFill>
@@ -6562,7 +6629,7 @@
           </a:p>
           <a:p>
             <a:r>
-              <a:rPr lang="en-US" sz="900" b="0" i="1">
+              <a:rPr lang="en-US" sz="900" b="0" i="1" dirty="0">
                 <a:solidFill>
                   <a:srgbClr val="222222"/>
                 </a:solidFill>
@@ -6573,7 +6640,7 @@
               <a:t>International Conference on Computer Supported Cooperative Work in Design (CSCWD)</a:t>
             </a:r>
             <a:r>
-              <a:rPr lang="en-US" sz="900" b="0" i="0">
+              <a:rPr lang="en-US" sz="900" b="0" i="0" dirty="0">
                 <a:solidFill>
                   <a:srgbClr val="222222"/>
                 </a:solidFill>
@@ -6583,14 +6650,14 @@
               </a:rPr>
               <a:t> (pp. 1233-1238). IEEE.</a:t>
             </a:r>
-            <a:endParaRPr lang="tr-TR" sz="900">
+            <a:endParaRPr lang="tr-TR" sz="900" dirty="0">
               <a:latin typeface="Arial" panose="020B0604020202020204" pitchFamily="34" charset="0"/>
               <a:cs typeface="Arial" panose="020B0604020202020204" pitchFamily="34" charset="0"/>
             </a:endParaRPr>
           </a:p>
           <a:p>
             <a:r>
-              <a:rPr lang="tr-TR" sz="900">
+              <a:rPr lang="tr-TR" sz="900" dirty="0">
                 <a:solidFill>
                   <a:srgbClr val="222222"/>
                 </a:solidFill>
@@ -6600,7 +6667,7 @@
               <a:t>[8</a:t>
             </a:r>
             <a:r>
-              <a:rPr lang="en-US" sz="900">
+              <a:rPr lang="en-US" sz="900" dirty="0">
                 <a:solidFill>
                   <a:srgbClr val="222222"/>
                 </a:solidFill>
@@ -6610,7 +6677,7 @@
               <a:t>] </a:t>
             </a:r>
             <a:r>
-              <a:rPr lang="tr-TR" sz="900" b="0" i="0" err="1">
+              <a:rPr lang="tr-TR" sz="900" b="0" i="0" dirty="0" err="1">
                 <a:solidFill>
                   <a:srgbClr val="222222"/>
                 </a:solidFill>
@@ -6621,7 +6688,7 @@
               <a:t>Acikalin</a:t>
             </a:r>
             <a:r>
-              <a:rPr lang="tr-TR" sz="900" b="0" i="0">
+              <a:rPr lang="tr-TR" sz="900" b="0" i="0" dirty="0">
                 <a:solidFill>
                   <a:srgbClr val="222222"/>
                 </a:solidFill>
@@ -6632,7 +6699,7 @@
               <a:t>, U. U., Bardak, B., &amp; Kutlu, M. (2020, </a:t>
             </a:r>
             <a:r>
-              <a:rPr lang="tr-TR" sz="900" b="0" i="0" err="1">
+              <a:rPr lang="tr-TR" sz="900" b="0" i="0" dirty="0" err="1">
                 <a:solidFill>
                   <a:srgbClr val="222222"/>
                 </a:solidFill>
@@ -6643,7 +6710,7 @@
               <a:t>October</a:t>
             </a:r>
             <a:r>
-              <a:rPr lang="tr-TR" sz="900" b="0" i="0">
+              <a:rPr lang="tr-TR" sz="900" b="0" i="0" dirty="0">
                 <a:solidFill>
                   <a:srgbClr val="222222"/>
                 </a:solidFill>
@@ -6654,7 +6721,7 @@
               <a:t>). </a:t>
             </a:r>
             <a:r>
-              <a:rPr lang="tr-TR" sz="900" b="0" i="0" err="1">
+              <a:rPr lang="tr-TR" sz="900" b="0" i="0" dirty="0" err="1">
                 <a:solidFill>
                   <a:srgbClr val="222222"/>
                 </a:solidFill>
@@ -6665,7 +6732,7 @@
               <a:t>Turkish</a:t>
             </a:r>
             <a:r>
-              <a:rPr lang="tr-TR" sz="900" b="0" i="0">
+              <a:rPr lang="tr-TR" sz="900" b="0" i="0" dirty="0">
                 <a:solidFill>
                   <a:srgbClr val="222222"/>
                 </a:solidFill>
@@ -6676,7 +6743,7 @@
               <a:t> </a:t>
             </a:r>
             <a:r>
-              <a:rPr lang="tr-TR" sz="900" b="0" i="0" err="1">
+              <a:rPr lang="tr-TR" sz="900" b="0" i="0" dirty="0" err="1">
                 <a:solidFill>
                   <a:srgbClr val="222222"/>
                 </a:solidFill>
@@ -6687,7 +6754,7 @@
               <a:t>sentiment</a:t>
             </a:r>
             <a:r>
-              <a:rPr lang="tr-TR" sz="900" b="0" i="0">
+              <a:rPr lang="tr-TR" sz="900" b="0" i="0" dirty="0">
                 <a:solidFill>
                   <a:srgbClr val="222222"/>
                 </a:solidFill>
@@ -6698,7 +6765,7 @@
               <a:t> </a:t>
             </a:r>
             <a:r>
-              <a:rPr lang="tr-TR" sz="900" b="0" i="0" err="1">
+              <a:rPr lang="tr-TR" sz="900" b="0" i="0" dirty="0" err="1">
                 <a:solidFill>
                   <a:srgbClr val="222222"/>
                 </a:solidFill>
@@ -6709,7 +6776,7 @@
               <a:t>analysis</a:t>
             </a:r>
             <a:r>
-              <a:rPr lang="tr-TR" sz="900" b="0" i="0">
+              <a:rPr lang="tr-TR" sz="900" b="0" i="0" dirty="0">
                 <a:solidFill>
                   <a:srgbClr val="222222"/>
                 </a:solidFill>
@@ -6720,7 +6787,7 @@
               <a:t> </a:t>
             </a:r>
             <a:r>
-              <a:rPr lang="tr-TR" sz="900" b="0" i="0" err="1">
+              <a:rPr lang="tr-TR" sz="900" b="0" i="0" dirty="0" err="1">
                 <a:solidFill>
                   <a:srgbClr val="222222"/>
                 </a:solidFill>
@@ -6731,7 +6798,7 @@
               <a:t>using</a:t>
             </a:r>
             <a:r>
-              <a:rPr lang="tr-TR" sz="900" b="0" i="0">
+              <a:rPr lang="tr-TR" sz="900" b="0" i="0" dirty="0">
                 <a:solidFill>
                   <a:srgbClr val="222222"/>
                 </a:solidFill>
@@ -6742,7 +6809,7 @@
               <a:t> bert. </a:t>
             </a:r>
             <a:r>
-              <a:rPr lang="tr-TR" sz="900" b="0" i="0" err="1">
+              <a:rPr lang="tr-TR" sz="900" b="0" i="0" dirty="0" err="1">
                 <a:solidFill>
                   <a:srgbClr val="222222"/>
                 </a:solidFill>
@@ -6753,7 +6820,7 @@
               <a:t>In</a:t>
             </a:r>
             <a:r>
-              <a:rPr lang="tr-TR" sz="900" b="0" i="0">
+              <a:rPr lang="tr-TR" sz="900" b="0" i="0" dirty="0">
                 <a:solidFill>
                   <a:srgbClr val="222222"/>
                 </a:solidFill>
@@ -6764,7 +6831,7 @@
               <a:t> </a:t>
             </a:r>
             <a:r>
-              <a:rPr lang="tr-TR" sz="900" b="0" i="1">
+              <a:rPr lang="tr-TR" sz="900" b="0" i="1" dirty="0">
                 <a:solidFill>
                   <a:srgbClr val="222222"/>
                 </a:solidFill>
@@ -6775,7 +6842,7 @@
               <a:t>2020 28th </a:t>
             </a:r>
             <a:r>
-              <a:rPr lang="tr-TR" sz="900" b="0" i="1" err="1">
+              <a:rPr lang="tr-TR" sz="900" b="0" i="1" dirty="0" err="1">
                 <a:solidFill>
                   <a:srgbClr val="222222"/>
                 </a:solidFill>
@@ -6786,7 +6853,7 @@
               <a:t>Signal</a:t>
             </a:r>
             <a:r>
-              <a:rPr lang="tr-TR" sz="900" b="0" i="1">
+              <a:rPr lang="tr-TR" sz="900" b="0" i="1" dirty="0">
                 <a:solidFill>
                   <a:srgbClr val="222222"/>
                 </a:solidFill>
@@ -6797,7 +6864,7 @@
               <a:t> </a:t>
             </a:r>
             <a:r>
-              <a:rPr lang="tr-TR" sz="900" b="0" i="1" err="1">
+              <a:rPr lang="tr-TR" sz="900" b="0" i="1" dirty="0" err="1">
                 <a:solidFill>
                   <a:srgbClr val="222222"/>
                 </a:solidFill>
@@ -6808,7 +6875,7 @@
               <a:t>Processing</a:t>
             </a:r>
             <a:r>
-              <a:rPr lang="tr-TR" sz="900" b="0" i="1">
+              <a:rPr lang="tr-TR" sz="900" b="0" i="1" dirty="0">
                 <a:solidFill>
                   <a:srgbClr val="222222"/>
                 </a:solidFill>
@@ -6819,7 +6886,7 @@
               <a:t> </a:t>
             </a:r>
             <a:r>
-              <a:rPr lang="tr-TR" sz="900" b="0" i="1" err="1">
+              <a:rPr lang="tr-TR" sz="900" b="0" i="1" dirty="0" err="1">
                 <a:solidFill>
                   <a:srgbClr val="222222"/>
                 </a:solidFill>
@@ -6830,7 +6897,7 @@
               <a:t>and</a:t>
             </a:r>
             <a:r>
-              <a:rPr lang="tr-TR" sz="900" b="0" i="1">
+              <a:rPr lang="tr-TR" sz="900" b="0" i="1" dirty="0">
                 <a:solidFill>
                   <a:srgbClr val="222222"/>
                 </a:solidFill>
@@ -6843,7 +6910,7 @@
           </a:p>
           <a:p>
             <a:r>
-              <a:rPr lang="tr-TR" sz="900" b="0" i="0">
+              <a:rPr lang="tr-TR" sz="900" b="0" i="0" dirty="0">
                 <a:solidFill>
                   <a:srgbClr val="222222"/>
                 </a:solidFill>
@@ -6854,7 +6921,7 @@
               <a:t> (</a:t>
             </a:r>
             <a:r>
-              <a:rPr lang="tr-TR" sz="900" b="0" i="0" err="1">
+              <a:rPr lang="tr-TR" sz="900" b="0" i="0" dirty="0" err="1">
                 <a:solidFill>
                   <a:srgbClr val="222222"/>
                 </a:solidFill>
@@ -6865,7 +6932,7 @@
               <a:t>pp</a:t>
             </a:r>
             <a:r>
-              <a:rPr lang="tr-TR" sz="900" b="0" i="0">
+              <a:rPr lang="tr-TR" sz="900" b="0" i="0" dirty="0">
                 <a:solidFill>
                   <a:srgbClr val="222222"/>
                 </a:solidFill>
@@ -6878,7 +6945,7 @@
           </a:p>
           <a:p>
             <a:r>
-              <a:rPr lang="en-US" sz="900">
+              <a:rPr lang="en-US" sz="900" dirty="0">
                 <a:solidFill>
                   <a:srgbClr val="222222"/>
                 </a:solidFill>
@@ -6888,7 +6955,7 @@
               <a:t>[</a:t>
             </a:r>
             <a:r>
-              <a:rPr lang="tr-TR" sz="900">
+              <a:rPr lang="tr-TR" sz="900" dirty="0">
                 <a:solidFill>
                   <a:srgbClr val="222222"/>
                 </a:solidFill>
@@ -6898,7 +6965,7 @@
               <a:t>9</a:t>
             </a:r>
             <a:r>
-              <a:rPr lang="en-US" sz="900">
+              <a:rPr lang="en-US" sz="900" dirty="0">
                 <a:solidFill>
                   <a:srgbClr val="222222"/>
                 </a:solidFill>
@@ -6908,7 +6975,7 @@
               <a:t>] </a:t>
             </a:r>
             <a:r>
-              <a:rPr lang="tr-TR" sz="900" b="0" i="0">
+              <a:rPr lang="tr-TR" sz="900" b="0" i="0" dirty="0">
                 <a:solidFill>
                   <a:srgbClr val="222222"/>
                 </a:solidFill>
@@ -6919,7 +6986,7 @@
               <a:t>Karimi, A., Rossi, L., &amp; </a:t>
             </a:r>
             <a:r>
-              <a:rPr lang="tr-TR" sz="900" b="0" i="0" err="1">
+              <a:rPr lang="tr-TR" sz="900" b="0" i="0" dirty="0" err="1">
                 <a:solidFill>
                   <a:srgbClr val="222222"/>
                 </a:solidFill>
@@ -6930,7 +6997,7 @@
               <a:t>Prati</a:t>
             </a:r>
             <a:r>
-              <a:rPr lang="tr-TR" sz="900" b="0" i="0">
+              <a:rPr lang="tr-TR" sz="900" b="0" i="0" dirty="0">
                 <a:solidFill>
                   <a:srgbClr val="222222"/>
                 </a:solidFill>
@@ -6941,7 +7008,7 @@
               <a:t>, A. (2021, </a:t>
             </a:r>
             <a:r>
-              <a:rPr lang="tr-TR" sz="900" b="0" i="0" err="1">
+              <a:rPr lang="tr-TR" sz="900" b="0" i="0" dirty="0" err="1">
                 <a:solidFill>
                   <a:srgbClr val="222222"/>
                 </a:solidFill>
@@ -6952,7 +7019,7 @@
               <a:t>January</a:t>
             </a:r>
             <a:r>
-              <a:rPr lang="tr-TR" sz="900" b="0" i="0">
+              <a:rPr lang="tr-TR" sz="900" b="0" i="0" dirty="0">
                 <a:solidFill>
                   <a:srgbClr val="222222"/>
                 </a:solidFill>
@@ -6963,7 +7030,7 @@
               <a:t>). </a:t>
             </a:r>
             <a:r>
-              <a:rPr lang="tr-TR" sz="900" b="0" i="0" err="1">
+              <a:rPr lang="tr-TR" sz="900" b="0" i="0" dirty="0" err="1">
                 <a:solidFill>
                   <a:srgbClr val="222222"/>
                 </a:solidFill>
@@ -6974,7 +7041,7 @@
               <a:t>Adversarial</a:t>
             </a:r>
             <a:r>
-              <a:rPr lang="tr-TR" sz="900" b="0" i="0">
+              <a:rPr lang="tr-TR" sz="900" b="0" i="0" dirty="0">
                 <a:solidFill>
                   <a:srgbClr val="222222"/>
                 </a:solidFill>
@@ -6985,7 +7052,7 @@
               <a:t> </a:t>
             </a:r>
             <a:r>
-              <a:rPr lang="tr-TR" sz="900" b="0" i="0" err="1">
+              <a:rPr lang="tr-TR" sz="900" b="0" i="0" dirty="0" err="1">
                 <a:solidFill>
                   <a:srgbClr val="222222"/>
                 </a:solidFill>
@@ -6996,7 +7063,7 @@
               <a:t>training</a:t>
             </a:r>
             <a:r>
-              <a:rPr lang="tr-TR" sz="900" b="0" i="0">
+              <a:rPr lang="tr-TR" sz="900" b="0" i="0" dirty="0">
                 <a:solidFill>
                   <a:srgbClr val="222222"/>
                 </a:solidFill>
@@ -7007,7 +7074,7 @@
               <a:t> </a:t>
             </a:r>
             <a:r>
-              <a:rPr lang="tr-TR" sz="900" b="0" i="0" err="1">
+              <a:rPr lang="tr-TR" sz="900" b="0" i="0" dirty="0" err="1">
                 <a:solidFill>
                   <a:srgbClr val="222222"/>
                 </a:solidFill>
@@ -7018,7 +7085,7 @@
               <a:t>for</a:t>
             </a:r>
             <a:r>
-              <a:rPr lang="tr-TR" sz="900" b="0" i="0">
+              <a:rPr lang="tr-TR" sz="900" b="0" i="0" dirty="0">
                 <a:solidFill>
                   <a:srgbClr val="222222"/>
                 </a:solidFill>
@@ -7029,7 +7096,7 @@
               <a:t> </a:t>
             </a:r>
             <a:r>
-              <a:rPr lang="tr-TR" sz="900" b="0" i="0" err="1">
+              <a:rPr lang="tr-TR" sz="900" b="0" i="0" dirty="0" err="1">
                 <a:solidFill>
                   <a:srgbClr val="222222"/>
                 </a:solidFill>
@@ -7040,7 +7107,7 @@
               <a:t>aspect-based</a:t>
             </a:r>
             <a:r>
-              <a:rPr lang="tr-TR" sz="900" b="0" i="0">
+              <a:rPr lang="tr-TR" sz="900" b="0" i="0" dirty="0">
                 <a:solidFill>
                   <a:srgbClr val="222222"/>
                 </a:solidFill>
@@ -7051,7 +7118,7 @@
               <a:t> </a:t>
             </a:r>
             <a:r>
-              <a:rPr lang="tr-TR" sz="900" b="0" i="0" err="1">
+              <a:rPr lang="tr-TR" sz="900" b="0" i="0" dirty="0" err="1">
                 <a:solidFill>
                   <a:srgbClr val="222222"/>
                 </a:solidFill>
@@ -7062,7 +7129,7 @@
               <a:t>sentiment</a:t>
             </a:r>
             <a:r>
-              <a:rPr lang="tr-TR" sz="900" b="0" i="0">
+              <a:rPr lang="tr-TR" sz="900" b="0" i="0" dirty="0">
                 <a:solidFill>
                   <a:srgbClr val="222222"/>
                 </a:solidFill>
@@ -7073,7 +7140,7 @@
               <a:t> </a:t>
             </a:r>
             <a:r>
-              <a:rPr lang="tr-TR" sz="900" b="0" i="0" err="1">
+              <a:rPr lang="tr-TR" sz="900" b="0" i="0" dirty="0" err="1">
                 <a:solidFill>
                   <a:srgbClr val="222222"/>
                 </a:solidFill>
@@ -7084,7 +7151,7 @@
               <a:t>analysis</a:t>
             </a:r>
             <a:r>
-              <a:rPr lang="tr-TR" sz="900" b="0" i="0">
+              <a:rPr lang="tr-TR" sz="900" b="0" i="0" dirty="0">
                 <a:solidFill>
                   <a:srgbClr val="222222"/>
                 </a:solidFill>
@@ -7095,7 +7162,7 @@
               <a:t> </a:t>
             </a:r>
             <a:r>
-              <a:rPr lang="tr-TR" sz="900" b="0" i="0" err="1">
+              <a:rPr lang="tr-TR" sz="900" b="0" i="0" dirty="0" err="1">
                 <a:solidFill>
                   <a:srgbClr val="222222"/>
                 </a:solidFill>
@@ -7106,7 +7173,7 @@
               <a:t>with</a:t>
             </a:r>
             <a:r>
-              <a:rPr lang="tr-TR" sz="900" b="0" i="0">
+              <a:rPr lang="tr-TR" sz="900" b="0" i="0" dirty="0">
                 <a:solidFill>
                   <a:srgbClr val="222222"/>
                 </a:solidFill>
@@ -7117,7 +7184,7 @@
               <a:t> bert. </a:t>
             </a:r>
             <a:r>
-              <a:rPr lang="tr-TR" sz="900" b="0" i="0" err="1">
+              <a:rPr lang="tr-TR" sz="900" b="0" i="0" dirty="0" err="1">
                 <a:solidFill>
                   <a:srgbClr val="222222"/>
                 </a:solidFill>
@@ -7128,7 +7195,7 @@
               <a:t>In</a:t>
             </a:r>
             <a:r>
-              <a:rPr lang="tr-TR" sz="900" b="0" i="0">
+              <a:rPr lang="tr-TR" sz="900" b="0" i="0" dirty="0">
                 <a:solidFill>
                   <a:srgbClr val="222222"/>
                 </a:solidFill>
@@ -7139,7 +7206,7 @@
               <a:t> </a:t>
             </a:r>
             <a:r>
-              <a:rPr lang="tr-TR" sz="900" b="0" i="1">
+              <a:rPr lang="tr-TR" sz="900" b="0" i="1" dirty="0">
                 <a:solidFill>
                   <a:srgbClr val="222222"/>
                 </a:solidFill>
@@ -7152,7 +7219,7 @@
           </a:p>
           <a:p>
             <a:r>
-              <a:rPr lang="tr-TR" sz="900" b="0" i="1" err="1">
+              <a:rPr lang="tr-TR" sz="900" b="0" i="1" dirty="0" err="1">
                 <a:solidFill>
                   <a:srgbClr val="222222"/>
                 </a:solidFill>
@@ -7163,7 +7230,7 @@
               <a:t>Pattern</a:t>
             </a:r>
             <a:r>
-              <a:rPr lang="tr-TR" sz="900" b="0" i="1">
+              <a:rPr lang="tr-TR" sz="900" b="0" i="1" dirty="0">
                 <a:solidFill>
                   <a:srgbClr val="222222"/>
                 </a:solidFill>
@@ -7174,7 +7241,7 @@
               <a:t> </a:t>
             </a:r>
             <a:r>
-              <a:rPr lang="tr-TR" sz="900" b="0" i="1" err="1">
+              <a:rPr lang="tr-TR" sz="900" b="0" i="1" dirty="0" err="1">
                 <a:solidFill>
                   <a:srgbClr val="222222"/>
                 </a:solidFill>
@@ -7185,7 +7252,7 @@
               <a:t>Recognition</a:t>
             </a:r>
             <a:r>
-              <a:rPr lang="tr-TR" sz="900" b="0" i="1">
+              <a:rPr lang="tr-TR" sz="900" b="0" i="1" dirty="0">
                 <a:solidFill>
                   <a:srgbClr val="222222"/>
                 </a:solidFill>
@@ -7196,7 +7263,7 @@
               <a:t> (ICPR)</a:t>
             </a:r>
             <a:r>
-              <a:rPr lang="tr-TR" sz="900" b="0" i="0">
+              <a:rPr lang="tr-TR" sz="900" b="0" i="0" dirty="0">
                 <a:solidFill>
                   <a:srgbClr val="222222"/>
                 </a:solidFill>
@@ -7207,7 +7274,7 @@
               <a:t> (</a:t>
             </a:r>
             <a:r>
-              <a:rPr lang="tr-TR" sz="900" b="0" i="0" err="1">
+              <a:rPr lang="tr-TR" sz="900" b="0" i="0" dirty="0" err="1">
                 <a:solidFill>
                   <a:srgbClr val="222222"/>
                 </a:solidFill>
@@ -7218,7 +7285,7 @@
               <a:t>pp</a:t>
             </a:r>
             <a:r>
-              <a:rPr lang="tr-TR" sz="900" b="0" i="0">
+              <a:rPr lang="tr-TR" sz="900" b="0" i="0" dirty="0">
                 <a:solidFill>
                   <a:srgbClr val="222222"/>
                 </a:solidFill>
@@ -7231,7 +7298,7 @@
           </a:p>
           <a:p>
             <a:r>
-              <a:rPr lang="tr" sz="900" b="0" i="0">
+              <a:rPr lang="tr" sz="900" b="0" i="0" dirty="0">
                 <a:solidFill>
                   <a:srgbClr val="222222"/>
                 </a:solidFill>
@@ -7242,7 +7309,7 @@
               <a:t>[10] </a:t>
             </a:r>
             <a:r>
-              <a:rPr lang="tr-TR" sz="900" b="0" i="0" err="1">
+              <a:rPr lang="tr-TR" sz="900" b="0" i="0" dirty="0" err="1">
                 <a:solidFill>
                   <a:srgbClr val="222222"/>
                 </a:solidFill>
@@ -7253,7 +7320,7 @@
               <a:t>Guven</a:t>
             </a:r>
             <a:r>
-              <a:rPr lang="tr-TR" sz="900" b="0" i="0">
+              <a:rPr lang="tr-TR" sz="900" b="0" i="0" dirty="0">
                 <a:solidFill>
                   <a:srgbClr val="222222"/>
                 </a:solidFill>
@@ -7263,7 +7330,7 @@
               </a:rPr>
               <a:t>, Z. A. Türkçe Tweetlerde Duygu Analizi için BERT Modelleri ve Makine Öğrenme Yöntemlerinin Karşılaştırılması.</a:t>
             </a:r>
-            <a:endParaRPr lang="tr" sz="900" b="0" i="0">
+            <a:endParaRPr lang="tr" sz="900" b="0" i="0" dirty="0">
               <a:solidFill>
                 <a:srgbClr val="222222"/>
               </a:solidFill>
@@ -7274,7 +7341,7 @@
           </a:p>
           <a:p>
             <a:r>
-              <a:rPr lang="tr" sz="900">
+              <a:rPr lang="tr" sz="900" dirty="0">
                 <a:solidFill>
                   <a:srgbClr val="222222"/>
                 </a:solidFill>
@@ -7284,7 +7351,7 @@
               <a:t>[11]</a:t>
             </a:r>
             <a:r>
-              <a:rPr lang="tr-TR" sz="900" b="0" i="0">
+              <a:rPr lang="tr-TR" sz="900" b="0" i="0" dirty="0">
                 <a:solidFill>
                   <a:srgbClr val="222222"/>
                 </a:solidFill>
@@ -7294,7 +7361,7 @@
               </a:rPr>
               <a:t> ÖZKAN, M., &amp; Görkem, K. A. R. (2022). Türkçe Dilinde Yazılan Bilimsel Metinlerin Derin Öğrenme Tekniği Uygulayarak Çoklu Sınıflandırılması.</a:t>
             </a:r>
-            <a:endParaRPr lang="tr" sz="900" b="0" i="0">
+            <a:endParaRPr lang="tr" sz="900" b="0" i="0" dirty="0">
               <a:solidFill>
                 <a:srgbClr val="222222"/>
               </a:solidFill>
@@ -7305,7 +7372,7 @@
           </a:p>
           <a:p>
             <a:r>
-              <a:rPr lang="tr-TR" sz="900" b="0" i="0">
+              <a:rPr lang="tr-TR" sz="900" b="0" i="0" dirty="0">
                 <a:solidFill>
                   <a:srgbClr val="222222"/>
                 </a:solidFill>
@@ -7316,7 +7383,7 @@
               <a:t> </a:t>
             </a:r>
             <a:r>
-              <a:rPr lang="tr-TR" sz="900" b="0" i="1">
+              <a:rPr lang="tr-TR" sz="900" b="0" i="1" dirty="0">
                 <a:solidFill>
                   <a:srgbClr val="222222"/>
                 </a:solidFill>
@@ -7327,7 +7394,7 @@
               <a:t>Mühendislik Bilimleri ve Tasarım Dergisi</a:t>
             </a:r>
             <a:r>
-              <a:rPr lang="tr-TR" sz="900" b="0" i="0">
+              <a:rPr lang="tr-TR" sz="900" b="0" i="0" dirty="0">
                 <a:solidFill>
                   <a:srgbClr val="222222"/>
                 </a:solidFill>
@@ -7338,7 +7405,7 @@
               <a:t>, </a:t>
             </a:r>
             <a:r>
-              <a:rPr lang="tr-TR" sz="900" b="0" i="1">
+              <a:rPr lang="tr-TR" sz="900" b="0" i="1" dirty="0">
                 <a:solidFill>
                   <a:srgbClr val="222222"/>
                 </a:solidFill>
@@ -7349,7 +7416,7 @@
               <a:t>10</a:t>
             </a:r>
             <a:r>
-              <a:rPr lang="tr-TR" sz="900" b="0" i="0">
+              <a:rPr lang="tr-TR" sz="900" b="0" i="0" dirty="0">
                 <a:solidFill>
                   <a:srgbClr val="222222"/>
                 </a:solidFill>
@@ -7359,13 +7426,13 @@
               </a:rPr>
               <a:t>(2), 504-519.</a:t>
             </a:r>
-            <a:endParaRPr lang="tr-TR" sz="900">
+            <a:endParaRPr lang="tr-TR" sz="900" dirty="0">
               <a:latin typeface="Arial" panose="020B0604020202020204" pitchFamily="34" charset="0"/>
               <a:cs typeface="Arial" panose="020B0604020202020204" pitchFamily="34" charset="0"/>
             </a:endParaRPr>
           </a:p>
           <a:p>
-            <a:endParaRPr lang="tr" sz="900" b="0" i="0">
+            <a:endParaRPr lang="tr" sz="900" b="0" i="0" dirty="0">
               <a:solidFill>
                 <a:srgbClr val="222222"/>
               </a:solidFill>
@@ -7374,10 +7441,10 @@
             </a:endParaRPr>
           </a:p>
           <a:p>
-            <a:endParaRPr lang="tr-TR" sz="900"/>
-          </a:p>
-          <a:p>
-            <a:endParaRPr lang="en-US" sz="900" b="0" i="0">
+            <a:endParaRPr lang="tr-TR" sz="900" dirty="0"/>
+          </a:p>
+          <a:p>
+            <a:endParaRPr lang="en-US" sz="900" b="0" i="0" dirty="0">
               <a:solidFill>
                 <a:srgbClr val="222222"/>
               </a:solidFill>
@@ -7386,7 +7453,7 @@
             </a:endParaRPr>
           </a:p>
           <a:p>
-            <a:endParaRPr lang="tr-TR" sz="900">
+            <a:endParaRPr lang="tr-TR" sz="900" dirty="0">
               <a:solidFill>
                 <a:srgbClr val="222222"/>
               </a:solidFill>
@@ -7394,7 +7461,7 @@
             </a:endParaRPr>
           </a:p>
           <a:p>
-            <a:endParaRPr lang="tr-TR" sz="900">
+            <a:endParaRPr lang="tr-TR" sz="900" dirty="0">
               <a:solidFill>
                 <a:srgbClr val="222222"/>
               </a:solidFill>
@@ -7402,7 +7469,7 @@
             </a:endParaRPr>
           </a:p>
           <a:p>
-            <a:endParaRPr lang="tr-TR" sz="900">
+            <a:endParaRPr lang="tr-TR" sz="900" dirty="0">
               <a:solidFill>
                 <a:srgbClr val="222222"/>
               </a:solidFill>
@@ -7410,7 +7477,7 @@
             </a:endParaRPr>
           </a:p>
           <a:p>
-            <a:endParaRPr lang="tr-TR" sz="900">
+            <a:endParaRPr lang="tr-TR" sz="900" dirty="0">
               <a:solidFill>
                 <a:srgbClr val="222222"/>
               </a:solidFill>
@@ -7418,7 +7485,7 @@
             </a:endParaRPr>
           </a:p>
           <a:p>
-            <a:endParaRPr lang="tr-TR" sz="900">
+            <a:endParaRPr lang="tr-TR" sz="900" dirty="0">
               <a:solidFill>
                 <a:srgbClr val="222222"/>
               </a:solidFill>
@@ -7514,6 +7581,156 @@
     <p:extLst>
       <p:ext uri="{BB962C8B-B14F-4D97-AF65-F5344CB8AC3E}">
         <p14:creationId xmlns:p14="http://schemas.microsoft.com/office/powerpoint/2010/main" val="140520430"/>
+      </p:ext>
+    </p:extLst>
+  </p:cSld>
+  <p:clrMapOvr>
+    <a:masterClrMapping/>
+  </p:clrMapOvr>
+</p:sld>
+</file>
+
+<file path=ppt/slides/slide16.xml><?xml version="1.0" encoding="utf-8"?>
+<p:sld xmlns:a="http://schemas.openxmlformats.org/drawingml/2006/main" xmlns:r="http://schemas.openxmlformats.org/officeDocument/2006/relationships" xmlns:p="http://schemas.openxmlformats.org/presentationml/2006/main">
+  <p:cSld>
+    <p:spTree>
+      <p:nvGrpSpPr>
+        <p:cNvPr id="1" name=""/>
+        <p:cNvGrpSpPr/>
+        <p:nvPr/>
+      </p:nvGrpSpPr>
+      <p:grpSpPr>
+        <a:xfrm>
+          <a:off x="0" y="0"/>
+          <a:ext cx="0" cy="0"/>
+          <a:chOff x="0" y="0"/>
+          <a:chExt cx="0" cy="0"/>
+        </a:xfrm>
+      </p:grpSpPr>
+      <p:sp>
+        <p:nvSpPr>
+          <p:cNvPr id="2" name="Başlık 1">
+            <a:extLst>
+              <a:ext uri="{FF2B5EF4-FFF2-40B4-BE49-F238E27FC236}">
+                <a16:creationId xmlns:a16="http://schemas.microsoft.com/office/drawing/2014/main" id="{F85F415B-D8E1-475D-A163-C94E48CC4230}"/>
+              </a:ext>
+            </a:extLst>
+          </p:cNvPr>
+          <p:cNvSpPr>
+            <a:spLocks noGrp="1"/>
+          </p:cNvSpPr>
+          <p:nvPr>
+            <p:ph type="title"/>
+          </p:nvPr>
+        </p:nvSpPr>
+        <p:spPr>
+          <a:xfrm>
+            <a:off x="1422400" y="2609850"/>
+            <a:ext cx="7239000" cy="738664"/>
+          </a:xfrm>
+        </p:spPr>
+        <p:txBody>
+          <a:bodyPr/>
+          <a:lstStyle/>
+          <a:p>
+            <a:pPr algn="ctr"/>
+            <a:r>
+              <a:rPr lang="tr-TR" sz="4800" dirty="0">
+                <a:latin typeface="Verdana" panose="020B0604030504040204" pitchFamily="34" charset="0"/>
+                <a:ea typeface="Verdana" panose="020B0604030504040204" pitchFamily="34" charset="0"/>
+              </a:rPr>
+              <a:t>Teşekkürler</a:t>
+            </a:r>
+          </a:p>
+        </p:txBody>
+      </p:sp>
+      <p:sp>
+        <p:nvSpPr>
+          <p:cNvPr id="4" name="object 7">
+            <a:extLst>
+              <a:ext uri="{FF2B5EF4-FFF2-40B4-BE49-F238E27FC236}">
+                <a16:creationId xmlns:a16="http://schemas.microsoft.com/office/drawing/2014/main" id="{1D6B055C-EB2A-A10D-E5B5-53AD8BEBA0F1}"/>
+              </a:ext>
+            </a:extLst>
+          </p:cNvPr>
+          <p:cNvSpPr txBox="1">
+            <a:spLocks noGrp="1"/>
+          </p:cNvSpPr>
+          <p:nvPr>
+            <p:ph type="sldNum" sz="quarter" idx="7"/>
+          </p:nvPr>
+        </p:nvSpPr>
+        <p:spPr>
+          <a:xfrm>
+            <a:off x="9385300" y="5276850"/>
+            <a:ext cx="478713" cy="285976"/>
+          </a:xfrm>
+          <a:prstGeom prst="rect">
+            <a:avLst/>
+          </a:prstGeom>
+        </p:spPr>
+        <p:txBody>
+          <a:bodyPr vert="horz" wrap="square" lIns="0" tIns="8890" rIns="0" bIns="0" rtlCol="0">
+            <a:spAutoFit/>
+          </a:bodyPr>
+          <a:lstStyle/>
+          <a:p>
+            <a:pPr marL="38100">
+              <a:lnSpc>
+                <a:spcPct val="100000"/>
+              </a:lnSpc>
+              <a:spcBef>
+                <a:spcPts val="70"/>
+              </a:spcBef>
+            </a:pPr>
+            <a:fld id="{81D60167-4931-47E6-BA6A-407CBD079E47}" type="slidenum">
+              <a:rPr spc="-310"/>
+              <a:t>16</a:t>
+            </a:fld>
+            <a:endParaRPr spc="-310"/>
+          </a:p>
+        </p:txBody>
+      </p:sp>
+      <p:pic>
+        <p:nvPicPr>
+          <p:cNvPr id="5" name="Resim 4" descr="logo içeren bir resim&#10;&#10;Açıklama otomatik olarak oluşturuldu">
+            <a:extLst>
+              <a:ext uri="{FF2B5EF4-FFF2-40B4-BE49-F238E27FC236}">
+                <a16:creationId xmlns:a16="http://schemas.microsoft.com/office/drawing/2014/main" id="{7CCD2609-541E-3BDD-E914-A7A30BACE6C1}"/>
+              </a:ext>
+            </a:extLst>
+          </p:cNvPr>
+          <p:cNvPicPr>
+            <a:picLocks noChangeAspect="1"/>
+          </p:cNvPicPr>
+          <p:nvPr/>
+        </p:nvPicPr>
+        <p:blipFill>
+          <a:blip r:embed="rId2" cstate="print">
+            <a:extLst>
+              <a:ext uri="{28A0092B-C50C-407E-A947-70E740481C1C}">
+                <a14:useLocalDpi xmlns:a14="http://schemas.microsoft.com/office/drawing/2010/main" val="0"/>
+              </a:ext>
+            </a:extLst>
+          </a:blip>
+          <a:stretch>
+            <a:fillRect/>
+          </a:stretch>
+        </p:blipFill>
+        <p:spPr>
+          <a:xfrm>
+            <a:off x="-34231" y="5018700"/>
+            <a:ext cx="913071" cy="639150"/>
+          </a:xfrm>
+          <a:prstGeom prst="rect">
+            <a:avLst/>
+          </a:prstGeom>
+        </p:spPr>
+      </p:pic>
+    </p:spTree>
+    <p:extLst>
+      <p:ext uri="{BB962C8B-B14F-4D97-AF65-F5344CB8AC3E}">
+        <p14:creationId xmlns:p14="http://schemas.microsoft.com/office/powerpoint/2010/main" val="1946812158"/>
       </p:ext>
     </p:extLst>
   </p:cSld>
@@ -10615,7 +10832,7 @@
         </p:blipFill>
         <p:spPr>
           <a:xfrm>
-            <a:off x="2849879" y="1438655"/>
+            <a:off x="2904484" y="1422258"/>
             <a:ext cx="1652016" cy="1639824"/>
           </a:xfrm>
           <a:prstGeom prst="rect">
@@ -10654,7 +10871,7 @@
         <p:spPr>
           <a:xfrm>
             <a:off x="347300" y="3031032"/>
-            <a:ext cx="2223770" cy="877484"/>
+            <a:ext cx="2264874" cy="877484"/>
           </a:xfrm>
           <a:prstGeom prst="rect">
             <a:avLst/>
@@ -10820,27 +11037,7 @@
                 <a:latin typeface="Arial" panose="020B0604020202020204" pitchFamily="34" charset="0"/>
                 <a:cs typeface="Arial" panose="020B0604020202020204" pitchFamily="34" charset="0"/>
               </a:rPr>
-              <a:t>Oluşturulan modelin </a:t>
-            </a:r>
-            <a:r>
-              <a:rPr lang="tr-TR" sz="1000" spc="-15" dirty="0" err="1">
-                <a:solidFill>
-                  <a:srgbClr val="2C3E50"/>
-                </a:solidFill>
-                <a:latin typeface="Arial" panose="020B0604020202020204" pitchFamily="34" charset="0"/>
-                <a:cs typeface="Arial" panose="020B0604020202020204" pitchFamily="34" charset="0"/>
-              </a:rPr>
-              <a:t>tune</a:t>
-            </a:r>
-            <a:r>
-              <a:rPr lang="tr-TR" sz="1000" spc="-15" dirty="0">
-                <a:solidFill>
-                  <a:srgbClr val="2C3E50"/>
-                </a:solidFill>
-                <a:latin typeface="Arial" panose="020B0604020202020204" pitchFamily="34" charset="0"/>
-                <a:cs typeface="Arial" panose="020B0604020202020204" pitchFamily="34" charset="0"/>
-              </a:rPr>
-              <a:t> edilmesi</a:t>
+              <a:t>Oluşturulan modelin değerlendirilmesi </a:t>
             </a:r>
             <a:endParaRPr sz="1000" dirty="0">
               <a:latin typeface="Arial" panose="020B0604020202020204" pitchFamily="34" charset="0"/>
@@ -10894,8 +11091,8 @@
         </p:nvSpPr>
         <p:spPr>
           <a:xfrm>
-            <a:off x="2777299" y="3012744"/>
-            <a:ext cx="2086610" cy="1218988"/>
+            <a:off x="2777298" y="3012744"/>
+            <a:ext cx="2317985" cy="1058944"/>
           </a:xfrm>
           <a:prstGeom prst="rect">
             <a:avLst/>
@@ -11936,6 +12133,325 @@
       </p:grpSpPr>
       <p:sp>
         <p:nvSpPr>
+          <p:cNvPr id="2" name="object 2"/>
+          <p:cNvSpPr txBox="1">
+            <a:spLocks noGrp="1"/>
+          </p:cNvSpPr>
+          <p:nvPr>
+            <p:ph type="title"/>
+          </p:nvPr>
+        </p:nvSpPr>
+        <p:spPr>
+          <a:xfrm>
+            <a:off x="2755900" y="476250"/>
+            <a:ext cx="4419600" cy="382156"/>
+          </a:xfrm>
+          <a:prstGeom prst="rect">
+            <a:avLst/>
+          </a:prstGeom>
+        </p:spPr>
+        <p:txBody>
+          <a:bodyPr vert="horz" wrap="square" lIns="0" tIns="12700" rIns="0" bIns="0" rtlCol="0">
+            <a:spAutoFit/>
+          </a:bodyPr>
+          <a:lstStyle/>
+          <a:p>
+            <a:pPr marL="12700" algn="ctr">
+              <a:lnSpc>
+                <a:spcPct val="100000"/>
+              </a:lnSpc>
+              <a:spcBef>
+                <a:spcPts val="100"/>
+              </a:spcBef>
+            </a:pPr>
+            <a:r>
+              <a:rPr lang="tr-TR" sz="2400" dirty="0">
+                <a:solidFill>
+                  <a:srgbClr val="00B050"/>
+                </a:solidFill>
+                <a:latin typeface="Verdana"/>
+                <a:cs typeface="Verdana"/>
+              </a:rPr>
+              <a:t>PROBLEMİN ÇÖZÜMÜ</a:t>
+            </a:r>
+            <a:endParaRPr sz="2400" dirty="0">
+              <a:solidFill>
+                <a:srgbClr val="00B050"/>
+              </a:solidFill>
+              <a:latin typeface="Verdana"/>
+              <a:cs typeface="Verdana"/>
+            </a:endParaRPr>
+          </a:p>
+        </p:txBody>
+      </p:sp>
+      <p:sp>
+        <p:nvSpPr>
+          <p:cNvPr id="7" name="object 7"/>
+          <p:cNvSpPr txBox="1">
+            <a:spLocks noGrp="1"/>
+          </p:cNvSpPr>
+          <p:nvPr>
+            <p:ph type="sldNum" sz="quarter" idx="7"/>
+          </p:nvPr>
+        </p:nvSpPr>
+        <p:spPr>
+          <a:prstGeom prst="rect">
+            <a:avLst/>
+          </a:prstGeom>
+        </p:spPr>
+        <p:txBody>
+          <a:bodyPr vert="horz" wrap="square" lIns="0" tIns="8890" rIns="0" bIns="0" rtlCol="0">
+            <a:spAutoFit/>
+          </a:bodyPr>
+          <a:lstStyle/>
+          <a:p>
+            <a:pPr marL="38100">
+              <a:lnSpc>
+                <a:spcPct val="100000"/>
+              </a:lnSpc>
+              <a:spcBef>
+                <a:spcPts val="70"/>
+              </a:spcBef>
+            </a:pPr>
+            <a:fld id="{81D60167-4931-47E6-BA6A-407CBD079E47}" type="slidenum">
+              <a:rPr spc="-310"/>
+              <a:t>5</a:t>
+            </a:fld>
+            <a:endParaRPr spc="-310"/>
+          </a:p>
+        </p:txBody>
+      </p:sp>
+      <p:pic>
+        <p:nvPicPr>
+          <p:cNvPr id="4" name="Resim 3" descr="logo içeren bir resim&#10;&#10;Açıklama otomatik olarak oluşturuldu">
+            <a:extLst>
+              <a:ext uri="{FF2B5EF4-FFF2-40B4-BE49-F238E27FC236}">
+                <a16:creationId xmlns:a16="http://schemas.microsoft.com/office/drawing/2014/main" id="{600F71AB-0BB6-3A04-C5AC-317926315E07}"/>
+              </a:ext>
+            </a:extLst>
+          </p:cNvPr>
+          <p:cNvPicPr>
+            <a:picLocks noChangeAspect="1"/>
+          </p:cNvPicPr>
+          <p:nvPr/>
+        </p:nvPicPr>
+        <p:blipFill>
+          <a:blip r:embed="rId2" cstate="print">
+            <a:extLst>
+              <a:ext uri="{28A0092B-C50C-407E-A947-70E740481C1C}">
+                <a14:useLocalDpi xmlns:a14="http://schemas.microsoft.com/office/drawing/2010/main" val="0"/>
+              </a:ext>
+            </a:extLst>
+          </a:blip>
+          <a:stretch>
+            <a:fillRect/>
+          </a:stretch>
+        </p:blipFill>
+        <p:spPr>
+          <a:xfrm>
+            <a:off x="-34231" y="5018700"/>
+            <a:ext cx="913071" cy="639150"/>
+          </a:xfrm>
+          <a:prstGeom prst="rect">
+            <a:avLst/>
+          </a:prstGeom>
+        </p:spPr>
+      </p:pic>
+      <p:sp>
+        <p:nvSpPr>
+          <p:cNvPr id="5" name="Metin kutusu 4">
+            <a:extLst>
+              <a:ext uri="{FF2B5EF4-FFF2-40B4-BE49-F238E27FC236}">
+                <a16:creationId xmlns:a16="http://schemas.microsoft.com/office/drawing/2014/main" id="{194D71AB-B552-8942-96A7-FC1933D62BBF}"/>
+              </a:ext>
+            </a:extLst>
+          </p:cNvPr>
+          <p:cNvSpPr txBox="1"/>
+          <p:nvPr/>
+        </p:nvSpPr>
+        <p:spPr>
+          <a:xfrm>
+            <a:off x="1231900" y="1695450"/>
+            <a:ext cx="7086600" cy="2308324"/>
+          </a:xfrm>
+          <a:prstGeom prst="rect">
+            <a:avLst/>
+          </a:prstGeom>
+          <a:noFill/>
+        </p:spPr>
+        <p:txBody>
+          <a:bodyPr wrap="square" rtlCol="0">
+            <a:spAutoFit/>
+          </a:bodyPr>
+          <a:lstStyle/>
+          <a:p>
+            <a:r>
+              <a:rPr lang="tr-TR" dirty="0">
+                <a:latin typeface="Arial" panose="020B0604020202020204" pitchFamily="34" charset="0"/>
+                <a:cs typeface="Arial" panose="020B0604020202020204" pitchFamily="34" charset="0"/>
+              </a:rPr>
+              <a:t>ÇÖZÜM: </a:t>
+            </a:r>
+          </a:p>
+          <a:p>
+            <a:pPr marL="285750" indent="-285750">
+              <a:buFont typeface="Arial" panose="020B0604020202020204" pitchFamily="34" charset="0"/>
+              <a:buChar char="•"/>
+            </a:pPr>
+            <a:r>
+              <a:rPr lang="tr-TR" dirty="0">
+                <a:latin typeface="Arial" panose="020B0604020202020204" pitchFamily="34" charset="0"/>
+                <a:cs typeface="Arial" panose="020B0604020202020204" pitchFamily="34" charset="0"/>
+              </a:rPr>
+              <a:t>Her bir metnin ofansif ve ofansif olmayan şeklinde etiketlenmesi</a:t>
+            </a:r>
+          </a:p>
+          <a:p>
+            <a:pPr marL="285750" indent="-285750">
+              <a:buFont typeface="Arial" panose="020B0604020202020204" pitchFamily="34" charset="0"/>
+              <a:buChar char="•"/>
+            </a:pPr>
+            <a:r>
+              <a:rPr lang="tr-TR" dirty="0">
+                <a:latin typeface="Arial" panose="020B0604020202020204" pitchFamily="34" charset="0"/>
+                <a:cs typeface="Arial" panose="020B0604020202020204" pitchFamily="34" charset="0"/>
+              </a:rPr>
+              <a:t>Ofansif olarak sınıflandırılan metnin alt kategorisinin tespit edilmesi</a:t>
+            </a:r>
+          </a:p>
+          <a:p>
+            <a:pPr marL="285750" indent="-285750">
+              <a:buFont typeface="Arial" panose="020B0604020202020204" pitchFamily="34" charset="0"/>
+              <a:buChar char="•"/>
+            </a:pPr>
+            <a:endParaRPr lang="tr-TR" dirty="0">
+              <a:latin typeface="Arial" panose="020B0604020202020204" pitchFamily="34" charset="0"/>
+              <a:cs typeface="Arial" panose="020B0604020202020204" pitchFamily="34" charset="0"/>
+            </a:endParaRPr>
+          </a:p>
+          <a:p>
+            <a:pPr marL="285750" indent="-285750">
+              <a:buFont typeface="Arial" panose="020B0604020202020204" pitchFamily="34" charset="0"/>
+              <a:buChar char="•"/>
+            </a:pPr>
+            <a:endParaRPr lang="tr-TR" dirty="0">
+              <a:latin typeface="Arial" panose="020B0604020202020204" pitchFamily="34" charset="0"/>
+              <a:cs typeface="Arial" panose="020B0604020202020204" pitchFamily="34" charset="0"/>
+            </a:endParaRPr>
+          </a:p>
+          <a:p>
+            <a:pPr marL="285750" indent="-285750">
+              <a:buFont typeface="Arial" panose="020B0604020202020204" pitchFamily="34" charset="0"/>
+              <a:buChar char="•"/>
+            </a:pPr>
+            <a:endParaRPr lang="tr-TR" dirty="0">
+              <a:latin typeface="Arial" panose="020B0604020202020204" pitchFamily="34" charset="0"/>
+              <a:cs typeface="Arial" panose="020B0604020202020204" pitchFamily="34" charset="0"/>
+            </a:endParaRPr>
+          </a:p>
+          <a:p>
+            <a:r>
+              <a:rPr lang="tr-TR" dirty="0">
+                <a:latin typeface="Arial" panose="020B0604020202020204" pitchFamily="34" charset="0"/>
+                <a:cs typeface="Arial" panose="020B0604020202020204" pitchFamily="34" charset="0"/>
+              </a:rPr>
+              <a:t>	   </a:t>
+            </a:r>
+          </a:p>
+        </p:txBody>
+      </p:sp>
+      <p:pic>
+        <p:nvPicPr>
+          <p:cNvPr id="10" name="Resim 9">
+            <a:extLst>
+              <a:ext uri="{FF2B5EF4-FFF2-40B4-BE49-F238E27FC236}">
+                <a16:creationId xmlns:a16="http://schemas.microsoft.com/office/drawing/2014/main" id="{0796A020-2408-3F36-E87C-D5F2B4E03E1C}"/>
+              </a:ext>
+            </a:extLst>
+          </p:cNvPr>
+          <p:cNvPicPr>
+            <a:picLocks noChangeAspect="1"/>
+          </p:cNvPicPr>
+          <p:nvPr/>
+        </p:nvPicPr>
+        <p:blipFill>
+          <a:blip r:embed="rId3"/>
+          <a:stretch>
+            <a:fillRect/>
+          </a:stretch>
+        </p:blipFill>
+        <p:spPr>
+          <a:xfrm>
+            <a:off x="5708365" y="3524250"/>
+            <a:ext cx="3292232" cy="1143000"/>
+          </a:xfrm>
+          <a:prstGeom prst="rect">
+            <a:avLst/>
+          </a:prstGeom>
+        </p:spPr>
+      </p:pic>
+      <p:pic>
+        <p:nvPicPr>
+          <p:cNvPr id="12" name="Resim 11">
+            <a:extLst>
+              <a:ext uri="{FF2B5EF4-FFF2-40B4-BE49-F238E27FC236}">
+                <a16:creationId xmlns:a16="http://schemas.microsoft.com/office/drawing/2014/main" id="{D0951EB0-4B80-53DC-1D92-F9C531915D71}"/>
+              </a:ext>
+            </a:extLst>
+          </p:cNvPr>
+          <p:cNvPicPr>
+            <a:picLocks noChangeAspect="1"/>
+          </p:cNvPicPr>
+          <p:nvPr/>
+        </p:nvPicPr>
+        <p:blipFill>
+          <a:blip r:embed="rId4"/>
+          <a:stretch>
+            <a:fillRect/>
+          </a:stretch>
+        </p:blipFill>
+        <p:spPr>
+          <a:xfrm>
+            <a:off x="1114668" y="3524250"/>
+            <a:ext cx="3282463" cy="1143000"/>
+          </a:xfrm>
+          <a:prstGeom prst="rect">
+            <a:avLst/>
+          </a:prstGeom>
+        </p:spPr>
+      </p:pic>
+    </p:spTree>
+    <p:extLst>
+      <p:ext uri="{BB962C8B-B14F-4D97-AF65-F5344CB8AC3E}">
+        <p14:creationId xmlns:p14="http://schemas.microsoft.com/office/powerpoint/2010/main" val="4240746380"/>
+      </p:ext>
+    </p:extLst>
+  </p:cSld>
+  <p:clrMapOvr>
+    <a:masterClrMapping/>
+  </p:clrMapOvr>
+</p:sld>
+</file>
+
+<file path=ppt/slides/slide6.xml><?xml version="1.0" encoding="utf-8"?>
+<p:sld xmlns:a="http://schemas.openxmlformats.org/drawingml/2006/main" xmlns:r="http://schemas.openxmlformats.org/officeDocument/2006/relationships" xmlns:p="http://schemas.openxmlformats.org/presentationml/2006/main">
+  <p:cSld>
+    <p:spTree>
+      <p:nvGrpSpPr>
+        <p:cNvPr id="1" name=""/>
+        <p:cNvGrpSpPr/>
+        <p:nvPr/>
+      </p:nvGrpSpPr>
+      <p:grpSpPr>
+        <a:xfrm>
+          <a:off x="0" y="0"/>
+          <a:ext cx="0" cy="0"/>
+          <a:chOff x="0" y="0"/>
+          <a:chExt cx="0" cy="0"/>
+        </a:xfrm>
+      </p:grpSpPr>
+      <p:sp>
+        <p:nvSpPr>
           <p:cNvPr id="2" name="Başlık 1">
             <a:extLst>
               <a:ext uri="{FF2B5EF4-FFF2-40B4-BE49-F238E27FC236}">
@@ -11986,7 +12502,7 @@
           <p:nvPr>
             <p:extLst>
               <p:ext uri="{D42A27DB-BD31-4B8C-83A1-F6EECF244321}">
-                <p14:modId xmlns:p14="http://schemas.microsoft.com/office/powerpoint/2010/main" val="3827695908"/>
+                <p14:modId xmlns:p14="http://schemas.microsoft.com/office/powerpoint/2010/main" val="3933646574"/>
               </p:ext>
             </p:extLst>
           </p:nvPr>
@@ -12002,14 +12518,14 @@
                 <a:tableStyleId>{5940675A-B579-460E-94D1-54222C63F5DA}</a:tableStyleId>
               </a:tblPr>
               <a:tblGrid>
-                <a:gridCol w="1407160">
+                <a:gridCol w="1953260">
                   <a:extLst>
                     <a:ext uri="{9D8B030D-6E8A-4147-A177-3AD203B41FA5}">
                       <a16:colId xmlns:a16="http://schemas.microsoft.com/office/drawing/2014/main" val="2366242623"/>
                     </a:ext>
                   </a:extLst>
                 </a:gridCol>
-                <a:gridCol w="3505200">
+                <a:gridCol w="2959100">
                   <a:extLst>
                     <a:ext uri="{9D8B030D-6E8A-4147-A177-3AD203B41FA5}">
                       <a16:colId xmlns:a16="http://schemas.microsoft.com/office/drawing/2014/main" val="630622089"/>
@@ -12129,7 +12645,7 @@
                     <a:lstStyle/>
                     <a:p>
                       <a:r>
-                        <a:rPr lang="tr-TR" sz="1100">
+                        <a:rPr lang="tr-TR" sz="1100" dirty="0">
                           <a:latin typeface="Arial" panose="020B0604020202020204" pitchFamily="34" charset="0"/>
                           <a:cs typeface="Arial" panose="020B0604020202020204" pitchFamily="34" charset="0"/>
                         </a:rPr>
@@ -12357,7 +12873,7 @@
                     <a:lstStyle/>
                     <a:p>
                       <a:r>
-                        <a:rPr lang="tr-TR" sz="1100" b="0" i="0" err="1">
+                        <a:rPr lang="tr-TR" sz="1100" b="0" i="0" dirty="0" err="1">
                           <a:solidFill>
                             <a:srgbClr val="222222"/>
                           </a:solidFill>
@@ -12368,7 +12884,7 @@
                         <a:t>Emon</a:t>
                       </a:r>
                       <a:r>
-                        <a:rPr lang="tr-TR" sz="1100" b="0" i="0">
+                        <a:rPr lang="tr-TR" sz="1100" b="0" i="0" dirty="0">
                           <a:solidFill>
                             <a:srgbClr val="222222"/>
                           </a:solidFill>
@@ -12379,7 +12895,7 @@
                         <a:t> vd.</a:t>
                       </a:r>
                       <a:r>
-                        <a:rPr lang="tr-TR" sz="1100">
+                        <a:rPr lang="tr-TR" sz="1100" dirty="0">
                           <a:solidFill>
                             <a:schemeClr val="tx1"/>
                           </a:solidFill>
@@ -12389,7 +12905,7 @@
                         <a:t>(</a:t>
                       </a:r>
                       <a:r>
-                        <a:rPr lang="tr-TR" sz="1100" b="0" i="0">
+                        <a:rPr lang="tr-TR" sz="1100" b="0" i="0" u="none" dirty="0">
                           <a:solidFill>
                             <a:schemeClr val="tx1"/>
                           </a:solidFill>
@@ -12397,54 +12913,20 @@
                           <a:latin typeface="Arial" panose="020B0604020202020204" pitchFamily="34" charset="0"/>
                           <a:ea typeface="+mn-ea"/>
                           <a:cs typeface="Arial" panose="020B0604020202020204" pitchFamily="34" charset="0"/>
-                          <a:hlinkClick r:id="rId2">
-                            <a:extLst>
-                              <a:ext uri="{A12FA001-AC4F-418D-AE19-62706E023703}">
-                                <ahyp:hlinkClr xmlns:ahyp="http://schemas.microsoft.com/office/drawing/2018/hyperlinkcolor" val="tx"/>
-                              </a:ext>
-                            </a:extLst>
-                          </a:hlinkClick>
                         </a:rPr>
                         <a:t>2022</a:t>
                       </a:r>
                       <a:r>
-                        <a:rPr lang="tr-TR" sz="1100">
+                        <a:rPr lang="tr-TR" sz="1100" dirty="0">
                           <a:solidFill>
                             <a:schemeClr val="tx1"/>
                           </a:solidFill>
                           <a:latin typeface="Arial" panose="020B0604020202020204" pitchFamily="34" charset="0"/>
                           <a:cs typeface="Arial" panose="020B0604020202020204" pitchFamily="34" charset="0"/>
                         </a:rPr>
-                        <a:t>) [</a:t>
+                        <a:t>) [4]</a:t>
                       </a:r>
-                      <a:r>
-                        <a:rPr lang="tr-TR" sz="1100">
-                          <a:solidFill>
-                            <a:schemeClr val="tx1"/>
-                          </a:solidFill>
-                          <a:latin typeface="Arial" panose="020B0604020202020204" pitchFamily="34" charset="0"/>
-                          <a:cs typeface="Arial" panose="020B0604020202020204" pitchFamily="34" charset="0"/>
-                          <a:hlinkClick r:id="rId3">
-                            <a:extLst>
-                              <a:ext uri="{A12FA001-AC4F-418D-AE19-62706E023703}">
-                                <ahyp:hlinkClr xmlns:ahyp="http://schemas.microsoft.com/office/drawing/2018/hyperlinkcolor" val="tx"/>
-                              </a:ext>
-                            </a:extLst>
-                          </a:hlinkClick>
-                        </a:rPr>
-                        <a:t>4</a:t>
-                      </a:r>
-                      <a:r>
-                        <a:rPr lang="tr-TR" sz="1100">
-                          <a:solidFill>
-                            <a:schemeClr val="tx1"/>
-                          </a:solidFill>
-                          <a:latin typeface="Arial" panose="020B0604020202020204" pitchFamily="34" charset="0"/>
-                          <a:cs typeface="Arial" panose="020B0604020202020204" pitchFamily="34" charset="0"/>
-                        </a:rPr>
-                        <a:t>]</a:t>
-                      </a:r>
-                      <a:endParaRPr lang="tr-TR" sz="1100">
+                      <a:endParaRPr lang="tr-TR" sz="1100" dirty="0">
                         <a:latin typeface="Arial" panose="020B0604020202020204" pitchFamily="34" charset="0"/>
                         <a:cs typeface="Arial" panose="020B0604020202020204" pitchFamily="34" charset="0"/>
                       </a:endParaRPr>
@@ -12834,7 +13316,7 @@
                     <a:lstStyle/>
                     <a:p>
                       <a:r>
-                        <a:rPr lang="tr-TR" sz="1100">
+                        <a:rPr lang="tr-TR" sz="1100" dirty="0">
                           <a:latin typeface="Arial" panose="020B0604020202020204" pitchFamily="34" charset="0"/>
                           <a:cs typeface="Arial" panose="020B0604020202020204" pitchFamily="34" charset="0"/>
                         </a:rPr>
@@ -12889,7 +13371,7 @@
                     <a:lstStyle/>
                     <a:p>
                       <a:r>
-                        <a:rPr lang="tr-TR" sz="1100" b="0" i="0" u="none" strike="noStrike" err="1">
+                        <a:rPr lang="tr-TR" sz="1100" b="0" i="0" u="none" strike="noStrike" dirty="0" err="1">
                           <a:solidFill>
                             <a:schemeClr val="tx1"/>
                           </a:solidFill>
@@ -12897,18 +13379,11 @@
                           <a:latin typeface="Arial" panose="020B0604020202020204" pitchFamily="34" charset="0"/>
                           <a:ea typeface="+mn-ea"/>
                           <a:cs typeface="Arial" panose="020B0604020202020204" pitchFamily="34" charset="0"/>
-                          <a:hlinkClick r:id="rId4">
-                            <a:extLst>
-                              <a:ext uri="{A12FA001-AC4F-418D-AE19-62706E023703}">
-                                <ahyp:hlinkClr xmlns:ahyp="http://schemas.microsoft.com/office/drawing/2018/hyperlinkcolor" val="tx"/>
-                              </a:ext>
-                            </a:extLst>
-                          </a:hlinkClick>
                         </a:rPr>
-                        <a:t>Sousa</a:t>
+                        <a:t>Souza</a:t>
                       </a:r>
                       <a:r>
-                        <a:rPr lang="tr-TR" sz="1100" b="0" i="0" u="none" strike="noStrike">
+                        <a:rPr lang="tr-TR" sz="1100" b="0" i="0" u="none" strike="noStrike" dirty="0">
                           <a:solidFill>
                             <a:schemeClr val="tx1"/>
                           </a:solidFill>
@@ -12920,7 +13395,7 @@
                         <a:t> vd. (2019)</a:t>
                       </a:r>
                       <a:r>
-                        <a:rPr lang="tr-TR" sz="1100">
+                        <a:rPr lang="tr-TR" sz="1100" dirty="0">
                           <a:solidFill>
                             <a:schemeClr val="tx1"/>
                           </a:solidFill>
@@ -12981,7 +13456,7 @@
                     <a:lstStyle/>
                     <a:p>
                       <a:r>
-                        <a:rPr lang="tr-TR" sz="1100">
+                        <a:rPr lang="tr-TR" sz="1100" dirty="0">
                           <a:latin typeface="Arial" panose="020B0604020202020204" pitchFamily="34" charset="0"/>
                           <a:cs typeface="Arial" panose="020B0604020202020204" pitchFamily="34" charset="0"/>
                         </a:rPr>
@@ -13016,7 +13491,7 @@
           <p:nvPr/>
         </p:nvPicPr>
         <p:blipFill>
-          <a:blip r:embed="rId5" cstate="print">
+          <a:blip r:embed="rId2" cstate="print">
             <a:extLst>
               <a:ext uri="{28A0092B-C50C-407E-A947-70E740481C1C}">
                 <a14:useLocalDpi xmlns:a14="http://schemas.microsoft.com/office/drawing/2010/main" val="0"/>
@@ -13091,7 +13566,7 @@
 </p:sld>
 </file>
 
-<file path=ppt/slides/slide6.xml><?xml version="1.0" encoding="utf-8"?>
+<file path=ppt/slides/slide7.xml><?xml version="1.0" encoding="utf-8"?>
 <p:sld xmlns:a="http://schemas.openxmlformats.org/drawingml/2006/main" xmlns:r="http://schemas.openxmlformats.org/officeDocument/2006/relationships" xmlns:p="http://schemas.openxmlformats.org/presentationml/2006/main">
   <p:cSld>
     <p:spTree>
@@ -13171,14 +13646,14 @@
           <p:nvPr>
             <p:extLst>
               <p:ext uri="{D42A27DB-BD31-4B8C-83A1-F6EECF244321}">
-                <p14:modId xmlns:p14="http://schemas.microsoft.com/office/powerpoint/2010/main" val="632540940"/>
+                <p14:modId xmlns:p14="http://schemas.microsoft.com/office/powerpoint/2010/main" val="21627490"/>
               </p:ext>
             </p:extLst>
           </p:nvPr>
         </p:nvGraphicFramePr>
         <p:xfrm>
           <a:off x="878840" y="1534750"/>
-          <a:ext cx="7592059" cy="3056300"/>
+          <a:ext cx="7681641" cy="3056300"/>
         </p:xfrm>
         <a:graphic>
           <a:graphicData uri="http://schemas.openxmlformats.org/drawingml/2006/table">
@@ -13187,14 +13662,14 @@
                 <a:tableStyleId>{5940675A-B579-460E-94D1-54222C63F5DA}</a:tableStyleId>
               </a:tblPr>
               <a:tblGrid>
-                <a:gridCol w="1439498">
+                <a:gridCol w="1572260">
                   <a:extLst>
                     <a:ext uri="{9D8B030D-6E8A-4147-A177-3AD203B41FA5}">
                       <a16:colId xmlns:a16="http://schemas.microsoft.com/office/drawing/2014/main" val="2366242623"/>
                     </a:ext>
                   </a:extLst>
                 </a:gridCol>
-                <a:gridCol w="3458605">
+                <a:gridCol w="3415425">
                   <a:extLst>
                     <a:ext uri="{9D8B030D-6E8A-4147-A177-3AD203B41FA5}">
                       <a16:colId xmlns:a16="http://schemas.microsoft.com/office/drawing/2014/main" val="630622089"/>
@@ -13224,7 +13699,7 @@
                     <a:p>
                       <a:pPr algn="ctr"/>
                       <a:r>
-                        <a:rPr lang="tr-TR" sz="1100" b="1">
+                        <a:rPr lang="tr-TR" sz="1100" b="1" dirty="0">
                           <a:latin typeface="Arial" panose="020B0604020202020204" pitchFamily="34" charset="0"/>
                           <a:cs typeface="Arial" panose="020B0604020202020204" pitchFamily="34" charset="0"/>
                         </a:rPr>
@@ -13241,7 +13716,7 @@
                     <a:p>
                       <a:pPr algn="ctr"/>
                       <a:r>
-                        <a:rPr lang="tr-TR" sz="1100" b="1">
+                        <a:rPr lang="tr-TR" sz="1100" b="1" dirty="0">
                           <a:latin typeface="Arial" panose="020B0604020202020204" pitchFamily="34" charset="0"/>
                           <a:cs typeface="Arial" panose="020B0604020202020204" pitchFamily="34" charset="0"/>
                         </a:rPr>
@@ -13364,7 +13839,7 @@
                         <a:defRPr/>
                       </a:pPr>
                       <a:r>
-                        <a:rPr lang="tr-TR" sz="1100">
+                        <a:rPr lang="tr-TR" sz="1100" dirty="0">
                           <a:latin typeface="Arial" panose="020B0604020202020204" pitchFamily="34" charset="0"/>
                           <a:cs typeface="Arial" panose="020B0604020202020204" pitchFamily="34" charset="0"/>
                         </a:rPr>
@@ -13372,7 +13847,7 @@
                       </a:r>
                     </a:p>
                     <a:p>
-                      <a:endParaRPr lang="tr-TR" sz="1100">
+                      <a:endParaRPr lang="tr-TR" sz="1100" dirty="0">
                         <a:latin typeface="Arial" panose="020B0604020202020204" pitchFamily="34" charset="0"/>
                         <a:cs typeface="Arial" panose="020B0604020202020204" pitchFamily="34" charset="0"/>
                       </a:endParaRPr>
@@ -13551,26 +14026,7 @@
                     <a:lstStyle/>
                     <a:p>
                       <a:r>
-                        <a:rPr lang="tr-TR" sz="1100" b="0" i="0" u="sng">
-                          <a:solidFill>
-                            <a:schemeClr val="tx1"/>
-                          </a:solidFill>
-                          <a:effectLst/>
-                          <a:latin typeface="Arial" panose="020B0604020202020204" pitchFamily="34" charset="0"/>
-                          <a:ea typeface="+mn-ea"/>
-                          <a:cs typeface="Arial" panose="020B0604020202020204" pitchFamily="34" charset="0"/>
-                          <a:hlinkClick r:id="rId2">
-                            <a:extLst>
-                              <a:ext uri="{A12FA001-AC4F-418D-AE19-62706E023703}">
-                                <ahyp:hlinkClr xmlns:ahyp="http://schemas.microsoft.com/office/drawing/2018/hyperlinkcolor" val="tx"/>
-                              </a:ext>
-                            </a:extLst>
-                          </a:hlinkClick>
-                        </a:rPr>
-                        <a:t>Karimi</a:t>
-                      </a:r>
-                      <a:r>
-                        <a:rPr lang="tr-TR" sz="1100" b="0" i="0" u="sng">
+                        <a:rPr lang="tr-TR" sz="1100" b="0" i="0" u="none" dirty="0">
                           <a:solidFill>
                             <a:schemeClr val="tx1"/>
                           </a:solidFill>
@@ -13579,19 +14035,10 @@
                           <a:ea typeface="+mn-ea"/>
                           <a:cs typeface="Arial" panose="020B0604020202020204" pitchFamily="34" charset="0"/>
                         </a:rPr>
-                        <a:t> vd.</a:t>
+                        <a:t>Karimi vd. </a:t>
                       </a:r>
-                      <a:endParaRPr lang="tr-TR" sz="1100">
-                        <a:solidFill>
-                          <a:schemeClr val="tx1"/>
-                        </a:solidFill>
-                        <a:latin typeface="Arial" panose="020B0604020202020204" pitchFamily="34" charset="0"/>
-                        <a:cs typeface="Arial" panose="020B0604020202020204" pitchFamily="34" charset="0"/>
-                      </a:endParaRPr>
-                    </a:p>
-                    <a:p>
                       <a:r>
-                        <a:rPr lang="tr-TR" sz="1100">
+                        <a:rPr lang="tr-TR" sz="1100" u="none" dirty="0">
                           <a:solidFill>
                             <a:schemeClr val="tx1"/>
                           </a:solidFill>
@@ -13693,21 +14140,21 @@
                     <a:lstStyle/>
                     <a:p>
                       <a:r>
-                        <a:rPr lang="tr-TR" sz="1100" err="1">
+                        <a:rPr lang="tr-TR" sz="1100" dirty="0" err="1">
                           <a:latin typeface="Arial" panose="020B0604020202020204" pitchFamily="34" charset="0"/>
                           <a:cs typeface="Arial" panose="020B0604020202020204" pitchFamily="34" charset="0"/>
                         </a:rPr>
                         <a:t>Guven</a:t>
                       </a:r>
                       <a:r>
-                        <a:rPr lang="tr" sz="1100">
+                        <a:rPr lang="tr" sz="1100" dirty="0">
                           <a:latin typeface="Arial" panose="020B0604020202020204" pitchFamily="34" charset="0"/>
                           <a:cs typeface="Arial" panose="020B0604020202020204" pitchFamily="34" charset="0"/>
                         </a:rPr>
                         <a:t> vd.(2021) </a:t>
                       </a:r>
                       <a:r>
-                        <a:rPr lang="tr-TR" sz="1100">
+                        <a:rPr lang="tr-TR" sz="1100" dirty="0">
                           <a:solidFill>
                             <a:schemeClr val="tx1"/>
                           </a:solidFill>
@@ -13716,7 +14163,7 @@
                         </a:rPr>
                         <a:t>[10]</a:t>
                       </a:r>
-                      <a:endParaRPr lang="tr-TR" sz="1100">
+                      <a:endParaRPr lang="tr-TR" sz="1100" dirty="0">
                         <a:latin typeface="Arial" panose="020B0604020202020204" pitchFamily="34" charset="0"/>
                         <a:cs typeface="Arial" panose="020B0604020202020204" pitchFamily="34" charset="0"/>
                       </a:endParaRPr>
@@ -13826,21 +14273,21 @@
                         <a:defRPr/>
                       </a:pPr>
                       <a:r>
-                        <a:rPr lang="tr-TR" sz="1100">
+                        <a:rPr lang="tr-TR" sz="1100" dirty="0">
                           <a:latin typeface="Arial" panose="020B0604020202020204" pitchFamily="34" charset="0"/>
                           <a:cs typeface="Arial" panose="020B0604020202020204" pitchFamily="34" charset="0"/>
                         </a:rPr>
                         <a:t>Özkan</a:t>
                       </a:r>
                       <a:r>
-                        <a:rPr lang="tr" sz="1100">
+                        <a:rPr lang="tr" sz="1100" dirty="0">
                           <a:latin typeface="Arial" panose="020B0604020202020204" pitchFamily="34" charset="0"/>
                           <a:cs typeface="Arial" panose="020B0604020202020204" pitchFamily="34" charset="0"/>
                         </a:rPr>
                         <a:t> vd.(2022) </a:t>
                       </a:r>
                       <a:r>
-                        <a:rPr lang="tr-TR" sz="1100">
+                        <a:rPr lang="tr-TR" sz="1100" dirty="0">
                           <a:solidFill>
                             <a:schemeClr val="tx1"/>
                           </a:solidFill>
@@ -13849,7 +14296,7 @@
                         </a:rPr>
                         <a:t>[11]</a:t>
                       </a:r>
-                      <a:endParaRPr lang="tr-TR" sz="1100">
+                      <a:endParaRPr lang="tr-TR" sz="1100" dirty="0">
                         <a:latin typeface="Arial" panose="020B0604020202020204" pitchFamily="34" charset="0"/>
                         <a:cs typeface="Arial" panose="020B0604020202020204" pitchFamily="34" charset="0"/>
                       </a:endParaRPr>
@@ -13986,7 +14433,7 @@
                     <a:lstStyle/>
                     <a:p>
                       <a:r>
-                        <a:rPr lang="tr-TR" sz="1100">
+                        <a:rPr lang="tr-TR" sz="1100" dirty="0">
                           <a:latin typeface="Arial" panose="020B0604020202020204" pitchFamily="34" charset="0"/>
                           <a:cs typeface="Arial" panose="020B0604020202020204" pitchFamily="34" charset="0"/>
                         </a:rPr>
@@ -14021,7 +14468,7 @@
           <p:nvPr/>
         </p:nvPicPr>
         <p:blipFill>
-          <a:blip r:embed="rId3" cstate="print">
+          <a:blip r:embed="rId2" cstate="print">
             <a:extLst>
               <a:ext uri="{28A0092B-C50C-407E-A947-70E740481C1C}">
                 <a14:useLocalDpi xmlns:a14="http://schemas.microsoft.com/office/drawing/2010/main" val="0"/>
@@ -14096,7 +14543,7 @@
 </p:sld>
 </file>
 
-<file path=ppt/slides/slide7.xml><?xml version="1.0" encoding="utf-8"?>
+<file path=ppt/slides/slide8.xml><?xml version="1.0" encoding="utf-8"?>
 <p:sld xmlns:a="http://schemas.openxmlformats.org/drawingml/2006/main" xmlns:r="http://schemas.openxmlformats.org/officeDocument/2006/relationships" xmlns:p="http://schemas.openxmlformats.org/presentationml/2006/main">
   <p:cSld>
     <p:spTree>
@@ -14154,7 +14601,7 @@
                 <a:latin typeface="Verdana"/>
                 <a:cs typeface="Verdana"/>
               </a:rPr>
-              <a:t>PROBLEMİN ÇÖZÜMÜ</a:t>
+              <a:t>PROJE İŞ AKIŞI</a:t>
             </a:r>
             <a:endParaRPr sz="2400" dirty="0">
               <a:solidFill>
@@ -14177,6 +14624,10 @@
           </p:nvPr>
         </p:nvSpPr>
         <p:spPr>
+          <a:xfrm>
+            <a:off x="9385300" y="5253152"/>
+            <a:ext cx="326313" cy="285976"/>
+          </a:xfrm>
           <a:prstGeom prst="rect">
             <a:avLst/>
           </a:prstGeom>
@@ -14197,9 +14648,9 @@
             </a:pPr>
             <a:fld id="{81D60167-4931-47E6-BA6A-407CBD079E47}" type="slidenum">
               <a:rPr spc="-310"/>
-              <a:t>7</a:t>
+              <a:t>8</a:t>
             </a:fld>
-            <a:endParaRPr spc="-310"/>
+            <a:endParaRPr spc="-310" dirty="0"/>
           </a:p>
         </p:txBody>
       </p:sp>
@@ -14239,115 +14690,12 @@
           </a:prstGeom>
         </p:spPr>
       </p:pic>
-      <p:sp>
-        <p:nvSpPr>
-          <p:cNvPr id="5" name="Metin kutusu 4">
+      <p:pic>
+        <p:nvPicPr>
+          <p:cNvPr id="5" name="Resim 4">
             <a:extLst>
               <a:ext uri="{FF2B5EF4-FFF2-40B4-BE49-F238E27FC236}">
-                <a16:creationId xmlns:a16="http://schemas.microsoft.com/office/drawing/2014/main" id="{194D71AB-B552-8942-96A7-FC1933D62BBF}"/>
-              </a:ext>
-            </a:extLst>
-          </p:cNvPr>
-          <p:cNvSpPr txBox="1"/>
-          <p:nvPr/>
-        </p:nvSpPr>
-        <p:spPr>
-          <a:xfrm>
-            <a:off x="1231900" y="1695450"/>
-            <a:ext cx="6858000" cy="2308324"/>
-          </a:xfrm>
-          <a:prstGeom prst="rect">
-            <a:avLst/>
-          </a:prstGeom>
-          <a:noFill/>
-        </p:spPr>
-        <p:txBody>
-          <a:bodyPr wrap="square" rtlCol="0">
-            <a:spAutoFit/>
-          </a:bodyPr>
-          <a:lstStyle/>
-          <a:p>
-            <a:r>
-              <a:rPr lang="tr-TR" dirty="0">
-                <a:latin typeface="Arial" panose="020B0604020202020204" pitchFamily="34" charset="0"/>
-                <a:cs typeface="Arial" panose="020B0604020202020204" pitchFamily="34" charset="0"/>
-              </a:rPr>
-              <a:t>ÇÖZÜM: </a:t>
-            </a:r>
-          </a:p>
-          <a:p>
-            <a:pPr marL="285750" indent="-285750">
-              <a:buFont typeface="Arial" panose="020B0604020202020204" pitchFamily="34" charset="0"/>
-              <a:buChar char="•"/>
-            </a:pPr>
-            <a:r>
-              <a:rPr lang="tr-TR" dirty="0">
-                <a:latin typeface="Arial" panose="020B0604020202020204" pitchFamily="34" charset="0"/>
-                <a:cs typeface="Arial" panose="020B0604020202020204" pitchFamily="34" charset="0"/>
-              </a:rPr>
-              <a:t>Her bir cümlenin ofansif ve ofansif değil şeklinde etiketlenmesi</a:t>
-            </a:r>
-          </a:p>
-          <a:p>
-            <a:pPr marL="285750" indent="-285750">
-              <a:buFont typeface="Arial" panose="020B0604020202020204" pitchFamily="34" charset="0"/>
-              <a:buChar char="•"/>
-            </a:pPr>
-            <a:r>
-              <a:rPr lang="tr-TR" dirty="0">
-                <a:latin typeface="Arial" panose="020B0604020202020204" pitchFamily="34" charset="0"/>
-                <a:cs typeface="Arial" panose="020B0604020202020204" pitchFamily="34" charset="0"/>
-              </a:rPr>
-              <a:t>Ofansif olarak sınıflandırılan metnin alt kategorisinin tespit edilmesi</a:t>
-            </a:r>
-          </a:p>
-          <a:p>
-            <a:pPr marL="285750" indent="-285750">
-              <a:buFont typeface="Arial" panose="020B0604020202020204" pitchFamily="34" charset="0"/>
-              <a:buChar char="•"/>
-            </a:pPr>
-            <a:endParaRPr lang="tr-TR" dirty="0">
-              <a:latin typeface="Arial" panose="020B0604020202020204" pitchFamily="34" charset="0"/>
-              <a:cs typeface="Arial" panose="020B0604020202020204" pitchFamily="34" charset="0"/>
-            </a:endParaRPr>
-          </a:p>
-          <a:p>
-            <a:pPr marL="285750" indent="-285750">
-              <a:buFont typeface="Arial" panose="020B0604020202020204" pitchFamily="34" charset="0"/>
-              <a:buChar char="•"/>
-            </a:pPr>
-            <a:endParaRPr lang="tr-TR" dirty="0">
-              <a:latin typeface="Arial" panose="020B0604020202020204" pitchFamily="34" charset="0"/>
-              <a:cs typeface="Arial" panose="020B0604020202020204" pitchFamily="34" charset="0"/>
-            </a:endParaRPr>
-          </a:p>
-          <a:p>
-            <a:pPr marL="285750" indent="-285750">
-              <a:buFont typeface="Arial" panose="020B0604020202020204" pitchFamily="34" charset="0"/>
-              <a:buChar char="•"/>
-            </a:pPr>
-            <a:endParaRPr lang="tr-TR" dirty="0">
-              <a:latin typeface="Arial" panose="020B0604020202020204" pitchFamily="34" charset="0"/>
-              <a:cs typeface="Arial" panose="020B0604020202020204" pitchFamily="34" charset="0"/>
-            </a:endParaRPr>
-          </a:p>
-          <a:p>
-            <a:r>
-              <a:rPr lang="tr-TR" dirty="0">
-                <a:latin typeface="Arial" panose="020B0604020202020204" pitchFamily="34" charset="0"/>
-                <a:cs typeface="Arial" panose="020B0604020202020204" pitchFamily="34" charset="0"/>
-              </a:rPr>
-              <a:t>	   </a:t>
-            </a:r>
-          </a:p>
-        </p:txBody>
-      </p:sp>
-      <p:pic>
-        <p:nvPicPr>
-          <p:cNvPr id="10" name="Resim 9">
-            <a:extLst>
-              <a:ext uri="{FF2B5EF4-FFF2-40B4-BE49-F238E27FC236}">
-                <a16:creationId xmlns:a16="http://schemas.microsoft.com/office/drawing/2014/main" id="{0796A020-2408-3F36-E87C-D5F2B4E03E1C}"/>
+                <a16:creationId xmlns:a16="http://schemas.microsoft.com/office/drawing/2014/main" id="{F80FFF92-3307-8C32-E3B1-21CFC98FB323}"/>
               </a:ext>
             </a:extLst>
           </p:cNvPr>
@@ -14364,38 +14712,8 @@
         </p:blipFill>
         <p:spPr>
           <a:xfrm>
-            <a:off x="5708365" y="3524250"/>
-            <a:ext cx="3292232" cy="1143000"/>
-          </a:xfrm>
-          <a:prstGeom prst="rect">
-            <a:avLst/>
-          </a:prstGeom>
-        </p:spPr>
-      </p:pic>
-      <p:pic>
-        <p:nvPicPr>
-          <p:cNvPr id="12" name="Resim 11">
-            <a:extLst>
-              <a:ext uri="{FF2B5EF4-FFF2-40B4-BE49-F238E27FC236}">
-                <a16:creationId xmlns:a16="http://schemas.microsoft.com/office/drawing/2014/main" id="{D0951EB0-4B80-53DC-1D92-F9C531915D71}"/>
-              </a:ext>
-            </a:extLst>
-          </p:cNvPr>
-          <p:cNvPicPr>
-            <a:picLocks noChangeAspect="1"/>
-          </p:cNvPicPr>
-          <p:nvPr/>
-        </p:nvPicPr>
-        <p:blipFill>
-          <a:blip r:embed="rId4"/>
-          <a:stretch>
-            <a:fillRect/>
-          </a:stretch>
-        </p:blipFill>
-        <p:spPr>
-          <a:xfrm>
-            <a:off x="1114668" y="3524250"/>
-            <a:ext cx="3282463" cy="1143000"/>
+            <a:off x="899756" y="1390321"/>
+            <a:ext cx="8284287" cy="4005819"/>
           </a:xfrm>
           <a:prstGeom prst="rect">
             <a:avLst/>
@@ -14405,321 +14723,7 @@
     </p:spTree>
     <p:extLst>
       <p:ext uri="{BB962C8B-B14F-4D97-AF65-F5344CB8AC3E}">
-        <p14:creationId xmlns:p14="http://schemas.microsoft.com/office/powerpoint/2010/main" val="4240746380"/>
-      </p:ext>
-    </p:extLst>
-  </p:cSld>
-  <p:clrMapOvr>
-    <a:masterClrMapping/>
-  </p:clrMapOvr>
-</p:sld>
-</file>
-
-<file path=ppt/slides/slide8.xml><?xml version="1.0" encoding="utf-8"?>
-<p:sld xmlns:a="http://schemas.openxmlformats.org/drawingml/2006/main" xmlns:r="http://schemas.openxmlformats.org/officeDocument/2006/relationships" xmlns:p="http://schemas.openxmlformats.org/presentationml/2006/main">
-  <p:cSld>
-    <p:spTree>
-      <p:nvGrpSpPr>
-        <p:cNvPr id="1" name=""/>
-        <p:cNvGrpSpPr/>
-        <p:nvPr/>
-      </p:nvGrpSpPr>
-      <p:grpSpPr>
-        <a:xfrm>
-          <a:off x="0" y="0"/>
-          <a:ext cx="0" cy="0"/>
-          <a:chOff x="0" y="0"/>
-          <a:chExt cx="0" cy="0"/>
-        </a:xfrm>
-      </p:grpSpPr>
-      <p:sp>
-        <p:nvSpPr>
-          <p:cNvPr id="2" name="object 2"/>
-          <p:cNvSpPr txBox="1">
-            <a:spLocks noGrp="1"/>
-          </p:cNvSpPr>
-          <p:nvPr>
-            <p:ph type="title"/>
-          </p:nvPr>
-        </p:nvSpPr>
-        <p:spPr>
-          <a:xfrm>
-            <a:off x="2755900" y="247650"/>
-            <a:ext cx="4419600" cy="751488"/>
-          </a:xfrm>
-          <a:prstGeom prst="rect">
-            <a:avLst/>
-          </a:prstGeom>
-        </p:spPr>
-        <p:txBody>
-          <a:bodyPr vert="horz" wrap="square" lIns="0" tIns="12700" rIns="0" bIns="0" rtlCol="0">
-            <a:spAutoFit/>
-          </a:bodyPr>
-          <a:lstStyle/>
-          <a:p>
-            <a:pPr marL="12700" algn="ctr">
-              <a:lnSpc>
-                <a:spcPct val="100000"/>
-              </a:lnSpc>
-              <a:spcBef>
-                <a:spcPts val="100"/>
-              </a:spcBef>
-            </a:pPr>
-            <a:r>
-              <a:rPr lang="tr-TR" sz="2400" dirty="0">
-                <a:solidFill>
-                  <a:srgbClr val="00B050"/>
-                </a:solidFill>
-                <a:latin typeface="Verdana"/>
-                <a:cs typeface="Verdana"/>
-              </a:rPr>
-              <a:t>HANGİ YÖNTEMLE ÇÖZÜM GELİŞTİRİLDİ</a:t>
-            </a:r>
-            <a:endParaRPr sz="2400" dirty="0">
-              <a:solidFill>
-                <a:srgbClr val="00B050"/>
-              </a:solidFill>
-              <a:latin typeface="Verdana"/>
-              <a:cs typeface="Verdana"/>
-            </a:endParaRPr>
-          </a:p>
-        </p:txBody>
-      </p:sp>
-      <p:sp>
-        <p:nvSpPr>
-          <p:cNvPr id="7" name="object 7"/>
-          <p:cNvSpPr txBox="1">
-            <a:spLocks noGrp="1"/>
-          </p:cNvSpPr>
-          <p:nvPr>
-            <p:ph type="sldNum" sz="quarter" idx="7"/>
-          </p:nvPr>
-        </p:nvSpPr>
-        <p:spPr>
-          <a:prstGeom prst="rect">
-            <a:avLst/>
-          </a:prstGeom>
-        </p:spPr>
-        <p:txBody>
-          <a:bodyPr vert="horz" wrap="square" lIns="0" tIns="8890" rIns="0" bIns="0" rtlCol="0">
-            <a:spAutoFit/>
-          </a:bodyPr>
-          <a:lstStyle/>
-          <a:p>
-            <a:pPr marL="38100">
-              <a:lnSpc>
-                <a:spcPct val="100000"/>
-              </a:lnSpc>
-              <a:spcBef>
-                <a:spcPts val="70"/>
-              </a:spcBef>
-            </a:pPr>
-            <a:fld id="{81D60167-4931-47E6-BA6A-407CBD079E47}" type="slidenum">
-              <a:rPr spc="-310"/>
-              <a:t>8</a:t>
-            </a:fld>
-            <a:endParaRPr spc="-310"/>
-          </a:p>
-        </p:txBody>
-      </p:sp>
-      <p:pic>
-        <p:nvPicPr>
-          <p:cNvPr id="12" name="Resim 11" descr="logo içeren bir resim&#10;&#10;Açıklama otomatik olarak oluşturuldu">
-            <a:extLst>
-              <a:ext uri="{FF2B5EF4-FFF2-40B4-BE49-F238E27FC236}">
-                <a16:creationId xmlns:a16="http://schemas.microsoft.com/office/drawing/2014/main" id="{EA4DEAD5-5F83-301C-8632-C863FFCA8BEB}"/>
-              </a:ext>
-            </a:extLst>
-          </p:cNvPr>
-          <p:cNvPicPr>
-            <a:picLocks noChangeAspect="1"/>
-          </p:cNvPicPr>
-          <p:nvPr/>
-        </p:nvPicPr>
-        <p:blipFill>
-          <a:blip r:embed="rId2" cstate="print">
-            <a:extLst>
-              <a:ext uri="{28A0092B-C50C-407E-A947-70E740481C1C}">
-                <a14:useLocalDpi xmlns:a14="http://schemas.microsoft.com/office/drawing/2010/main" val="0"/>
-              </a:ext>
-            </a:extLst>
-          </a:blip>
-          <a:stretch>
-            <a:fillRect/>
-          </a:stretch>
-        </p:blipFill>
-        <p:spPr>
-          <a:xfrm>
-            <a:off x="-34231" y="5018700"/>
-            <a:ext cx="913071" cy="639150"/>
-          </a:xfrm>
-          <a:prstGeom prst="rect">
-            <a:avLst/>
-          </a:prstGeom>
-        </p:spPr>
-      </p:pic>
-      <p:pic>
-        <p:nvPicPr>
-          <p:cNvPr id="5" name="Resim 4">
-            <a:extLst>
-              <a:ext uri="{FF2B5EF4-FFF2-40B4-BE49-F238E27FC236}">
-                <a16:creationId xmlns:a16="http://schemas.microsoft.com/office/drawing/2014/main" id="{95A21609-DE1B-F94C-4A25-28D6AD7F733A}"/>
-              </a:ext>
-            </a:extLst>
-          </p:cNvPr>
-          <p:cNvPicPr>
-            <a:picLocks noChangeAspect="1"/>
-          </p:cNvPicPr>
-          <p:nvPr/>
-        </p:nvPicPr>
-        <p:blipFill>
-          <a:blip r:embed="rId3"/>
-          <a:stretch>
-            <a:fillRect/>
-          </a:stretch>
-        </p:blipFill>
-        <p:spPr>
-          <a:xfrm>
-            <a:off x="1409094" y="2587388"/>
-            <a:ext cx="7113211" cy="2652225"/>
-          </a:xfrm>
-          <a:prstGeom prst="rect">
-            <a:avLst/>
-          </a:prstGeom>
-        </p:spPr>
-      </p:pic>
-      <p:sp>
-        <p:nvSpPr>
-          <p:cNvPr id="6" name="Metin kutusu 5">
-            <a:extLst>
-              <a:ext uri="{FF2B5EF4-FFF2-40B4-BE49-F238E27FC236}">
-                <a16:creationId xmlns:a16="http://schemas.microsoft.com/office/drawing/2014/main" id="{BF667AD8-3A05-D462-95D5-F876F34C40A2}"/>
-              </a:ext>
-            </a:extLst>
-          </p:cNvPr>
-          <p:cNvSpPr txBox="1"/>
-          <p:nvPr/>
-        </p:nvSpPr>
-        <p:spPr>
-          <a:xfrm>
-            <a:off x="635712" y="1847850"/>
-            <a:ext cx="9004300" cy="923330"/>
-          </a:xfrm>
-          <a:prstGeom prst="rect">
-            <a:avLst/>
-          </a:prstGeom>
-          <a:noFill/>
-        </p:spPr>
-        <p:txBody>
-          <a:bodyPr wrap="square" rtlCol="0">
-            <a:spAutoFit/>
-          </a:bodyPr>
-          <a:lstStyle/>
-          <a:p>
-            <a:r>
-              <a:rPr lang="tr-TR" dirty="0">
-                <a:latin typeface="Arial" panose="020B0604020202020204" pitchFamily="34" charset="0"/>
-                <a:cs typeface="Arial" panose="020B0604020202020204" pitchFamily="34" charset="0"/>
-              </a:rPr>
-              <a:t>Türkçe veriler ile önceden eğitilmiş ‘</a:t>
-            </a:r>
-            <a:r>
-              <a:rPr lang="tr-TR" dirty="0" err="1">
-                <a:latin typeface="Arial" panose="020B0604020202020204" pitchFamily="34" charset="0"/>
-                <a:cs typeface="Arial" panose="020B0604020202020204" pitchFamily="34" charset="0"/>
-              </a:rPr>
-              <a:t>dbmdz</a:t>
-            </a:r>
-            <a:r>
-              <a:rPr lang="tr-TR" dirty="0">
-                <a:latin typeface="Arial" panose="020B0604020202020204" pitchFamily="34" charset="0"/>
-                <a:cs typeface="Arial" panose="020B0604020202020204" pitchFamily="34" charset="0"/>
-              </a:rPr>
-              <a:t>/bert-</a:t>
-            </a:r>
-            <a:r>
-              <a:rPr lang="tr-TR" dirty="0" err="1">
-                <a:latin typeface="Arial" panose="020B0604020202020204" pitchFamily="34" charset="0"/>
-                <a:cs typeface="Arial" panose="020B0604020202020204" pitchFamily="34" charset="0"/>
-              </a:rPr>
-              <a:t>base</a:t>
-            </a:r>
-            <a:r>
-              <a:rPr lang="tr-TR" dirty="0">
-                <a:latin typeface="Arial" panose="020B0604020202020204" pitchFamily="34" charset="0"/>
-                <a:cs typeface="Arial" panose="020B0604020202020204" pitchFamily="34" charset="0"/>
-              </a:rPr>
-              <a:t>-</a:t>
-            </a:r>
-            <a:r>
-              <a:rPr lang="tr-TR" dirty="0" err="1">
-                <a:latin typeface="Arial" panose="020B0604020202020204" pitchFamily="34" charset="0"/>
-                <a:cs typeface="Arial" panose="020B0604020202020204" pitchFamily="34" charset="0"/>
-              </a:rPr>
-              <a:t>turkish-uncased</a:t>
-            </a:r>
-            <a:r>
-              <a:rPr lang="tr-TR" dirty="0">
-                <a:latin typeface="Arial" panose="020B0604020202020204" pitchFamily="34" charset="0"/>
-                <a:cs typeface="Arial" panose="020B0604020202020204" pitchFamily="34" charset="0"/>
-              </a:rPr>
-              <a:t>’ ve ‘</a:t>
-            </a:r>
-            <a:r>
-              <a:rPr lang="tr-TR" dirty="0" err="1">
-                <a:latin typeface="Arial" panose="020B0604020202020204" pitchFamily="34" charset="0"/>
-                <a:cs typeface="Arial" panose="020B0604020202020204" pitchFamily="34" charset="0"/>
-              </a:rPr>
-              <a:t>dbmdz</a:t>
-            </a:r>
-            <a:r>
-              <a:rPr lang="tr-TR" dirty="0">
-                <a:latin typeface="Arial" panose="020B0604020202020204" pitchFamily="34" charset="0"/>
-                <a:cs typeface="Arial" panose="020B0604020202020204" pitchFamily="34" charset="0"/>
-              </a:rPr>
-              <a:t>/bert-</a:t>
-            </a:r>
-            <a:r>
-              <a:rPr lang="tr-TR" dirty="0" err="1">
-                <a:latin typeface="Arial" panose="020B0604020202020204" pitchFamily="34" charset="0"/>
-                <a:cs typeface="Arial" panose="020B0604020202020204" pitchFamily="34" charset="0"/>
-              </a:rPr>
-              <a:t>base</a:t>
-            </a:r>
-            <a:r>
-              <a:rPr lang="tr-TR" dirty="0">
-                <a:latin typeface="Arial" panose="020B0604020202020204" pitchFamily="34" charset="0"/>
-                <a:cs typeface="Arial" panose="020B0604020202020204" pitchFamily="34" charset="0"/>
-              </a:rPr>
-              <a:t>-</a:t>
-            </a:r>
-            <a:r>
-              <a:rPr lang="tr-TR" dirty="0" err="1">
-                <a:latin typeface="Arial" panose="020B0604020202020204" pitchFamily="34" charset="0"/>
-                <a:cs typeface="Arial" panose="020B0604020202020204" pitchFamily="34" charset="0"/>
-              </a:rPr>
-              <a:t>turkish-cased</a:t>
-            </a:r>
-            <a:r>
-              <a:rPr lang="tr-TR" dirty="0">
-                <a:latin typeface="Arial" panose="020B0604020202020204" pitchFamily="34" charset="0"/>
-                <a:cs typeface="Arial" panose="020B0604020202020204" pitchFamily="34" charset="0"/>
-              </a:rPr>
-              <a:t>’ modellerini kendi veri setimiz üzerinde kullandık. </a:t>
-            </a:r>
-          </a:p>
-          <a:p>
-            <a:endParaRPr lang="tr-TR" dirty="0">
-              <a:latin typeface="Arial" panose="020B0604020202020204" pitchFamily="34" charset="0"/>
-              <a:cs typeface="Arial" panose="020B0604020202020204" pitchFamily="34" charset="0"/>
-            </a:endParaRPr>
-          </a:p>
-        </p:txBody>
-      </p:sp>
-    </p:spTree>
-    <p:extLst>
-      <p:ext uri="{BB962C8B-B14F-4D97-AF65-F5344CB8AC3E}">
-        <p14:creationId xmlns:p14="http://schemas.microsoft.com/office/powerpoint/2010/main" val="463082530"/>
+        <p14:creationId xmlns:p14="http://schemas.microsoft.com/office/powerpoint/2010/main" val="1964443063"/>
       </p:ext>
     </p:extLst>
   </p:cSld>

--- a/GATOR_Sunum.pptx
+++ b/GATOR_Sunum.pptx
@@ -15,9 +15,9 @@
     <p:sldId id="263" r:id="rId6"/>
     <p:sldId id="259" r:id="rId7"/>
     <p:sldId id="264" r:id="rId8"/>
-    <p:sldId id="273" r:id="rId9"/>
+    <p:sldId id="268" r:id="rId9"/>
     <p:sldId id="272" r:id="rId10"/>
-    <p:sldId id="268" r:id="rId11"/>
+    <p:sldId id="273" r:id="rId11"/>
     <p:sldId id="269" r:id="rId12"/>
     <p:sldId id="274" r:id="rId13"/>
     <p:sldId id="275" r:id="rId14"/>
@@ -3196,8 +3196,8 @@
         </p:nvSpPr>
         <p:spPr>
           <a:xfrm>
-            <a:off x="2755900" y="247650"/>
-            <a:ext cx="4419600" cy="751488"/>
+            <a:off x="2755900" y="476250"/>
+            <a:ext cx="4419600" cy="382156"/>
           </a:xfrm>
           <a:prstGeom prst="rect">
             <a:avLst/>
@@ -3225,7 +3225,7 @@
                 <a:latin typeface="Verdana"/>
                 <a:cs typeface="Verdana"/>
               </a:rPr>
-              <a:t>HANGİ YÖNTEMLE ÇÖZÜM GELİŞTİRİLDİ</a:t>
+              <a:t>PROJE İŞ AKIŞI</a:t>
             </a:r>
             <a:endParaRPr sz="2400" dirty="0">
               <a:solidFill>
@@ -3248,6 +3248,10 @@
           </p:nvPr>
         </p:nvSpPr>
         <p:spPr>
+          <a:xfrm>
+            <a:off x="9385300" y="5253152"/>
+            <a:ext cx="326313" cy="285976"/>
+          </a:xfrm>
           <a:prstGeom prst="rect">
             <a:avLst/>
           </a:prstGeom>
@@ -3276,10 +3280,10 @@
       </p:sp>
       <p:pic>
         <p:nvPicPr>
-          <p:cNvPr id="12" name="Resim 11" descr="logo içeren bir resim&#10;&#10;Açıklama otomatik olarak oluşturuldu">
+          <p:cNvPr id="4" name="Resim 3" descr="logo içeren bir resim&#10;&#10;Açıklama otomatik olarak oluşturuldu">
             <a:extLst>
               <a:ext uri="{FF2B5EF4-FFF2-40B4-BE49-F238E27FC236}">
-                <a16:creationId xmlns:a16="http://schemas.microsoft.com/office/drawing/2014/main" id="{EA4DEAD5-5F83-301C-8632-C863FFCA8BEB}"/>
+                <a16:creationId xmlns:a16="http://schemas.microsoft.com/office/drawing/2014/main" id="{600F71AB-0BB6-3A04-C5AC-317926315E07}"/>
               </a:ext>
             </a:extLst>
           </p:cNvPr>
@@ -3315,7 +3319,7 @@
           <p:cNvPr id="5" name="Resim 4">
             <a:extLst>
               <a:ext uri="{FF2B5EF4-FFF2-40B4-BE49-F238E27FC236}">
-                <a16:creationId xmlns:a16="http://schemas.microsoft.com/office/drawing/2014/main" id="{95A21609-DE1B-F94C-4A25-28D6AD7F733A}"/>
+                <a16:creationId xmlns:a16="http://schemas.microsoft.com/office/drawing/2014/main" id="{F80FFF92-3307-8C32-E3B1-21CFC98FB323}"/>
               </a:ext>
             </a:extLst>
           </p:cNvPr>
@@ -3332,104 +3336,18 @@
         </p:blipFill>
         <p:spPr>
           <a:xfrm>
-            <a:off x="1409094" y="2587388"/>
-            <a:ext cx="7113211" cy="2652225"/>
+            <a:off x="899756" y="1390321"/>
+            <a:ext cx="8284287" cy="4005819"/>
           </a:xfrm>
           <a:prstGeom prst="rect">
             <a:avLst/>
           </a:prstGeom>
         </p:spPr>
       </p:pic>
-      <p:sp>
-        <p:nvSpPr>
-          <p:cNvPr id="6" name="Metin kutusu 5">
-            <a:extLst>
-              <a:ext uri="{FF2B5EF4-FFF2-40B4-BE49-F238E27FC236}">
-                <a16:creationId xmlns:a16="http://schemas.microsoft.com/office/drawing/2014/main" id="{BF667AD8-3A05-D462-95D5-F876F34C40A2}"/>
-              </a:ext>
-            </a:extLst>
-          </p:cNvPr>
-          <p:cNvSpPr txBox="1"/>
-          <p:nvPr/>
-        </p:nvSpPr>
-        <p:spPr>
-          <a:xfrm>
-            <a:off x="626803" y="1664058"/>
-            <a:ext cx="9004300" cy="923330"/>
-          </a:xfrm>
-          <a:prstGeom prst="rect">
-            <a:avLst/>
-          </a:prstGeom>
-          <a:noFill/>
-        </p:spPr>
-        <p:txBody>
-          <a:bodyPr wrap="square" rtlCol="0">
-            <a:spAutoFit/>
-          </a:bodyPr>
-          <a:lstStyle/>
-          <a:p>
-            <a:r>
-              <a:rPr lang="tr-TR" dirty="0">
-                <a:latin typeface="Arial" panose="020B0604020202020204" pitchFamily="34" charset="0"/>
-                <a:cs typeface="Arial" panose="020B0604020202020204" pitchFamily="34" charset="0"/>
-              </a:rPr>
-              <a:t>Türkçe veriler ile önceden eğitilmiş ‘</a:t>
-            </a:r>
-            <a:r>
-              <a:rPr lang="tr-TR" dirty="0" err="1">
-                <a:latin typeface="Arial" panose="020B0604020202020204" pitchFamily="34" charset="0"/>
-                <a:cs typeface="Arial" panose="020B0604020202020204" pitchFamily="34" charset="0"/>
-              </a:rPr>
-              <a:t>dbmdz</a:t>
-            </a:r>
-            <a:r>
-              <a:rPr lang="tr-TR" dirty="0">
-                <a:latin typeface="Arial" panose="020B0604020202020204" pitchFamily="34" charset="0"/>
-                <a:cs typeface="Arial" panose="020B0604020202020204" pitchFamily="34" charset="0"/>
-              </a:rPr>
-              <a:t>/bert-</a:t>
-            </a:r>
-            <a:r>
-              <a:rPr lang="tr-TR" dirty="0" err="1">
-                <a:latin typeface="Arial" panose="020B0604020202020204" pitchFamily="34" charset="0"/>
-                <a:cs typeface="Arial" panose="020B0604020202020204" pitchFamily="34" charset="0"/>
-              </a:rPr>
-              <a:t>base</a:t>
-            </a:r>
-            <a:r>
-              <a:rPr lang="tr-TR" dirty="0">
-                <a:latin typeface="Arial" panose="020B0604020202020204" pitchFamily="34" charset="0"/>
-                <a:cs typeface="Arial" panose="020B0604020202020204" pitchFamily="34" charset="0"/>
-              </a:rPr>
-              <a:t>-</a:t>
-            </a:r>
-            <a:r>
-              <a:rPr lang="tr-TR" dirty="0" err="1">
-                <a:latin typeface="Arial" panose="020B0604020202020204" pitchFamily="34" charset="0"/>
-                <a:cs typeface="Arial" panose="020B0604020202020204" pitchFamily="34" charset="0"/>
-              </a:rPr>
-              <a:t>turkish-cased</a:t>
-            </a:r>
-            <a:r>
-              <a:rPr lang="tr-TR" dirty="0">
-                <a:latin typeface="Arial" panose="020B0604020202020204" pitchFamily="34" charset="0"/>
-                <a:cs typeface="Arial" panose="020B0604020202020204" pitchFamily="34" charset="0"/>
-              </a:rPr>
-              <a:t>’ modelini kendi veri setimiz üzerinde kullandık. </a:t>
-            </a:r>
-          </a:p>
-          <a:p>
-            <a:endParaRPr lang="tr-TR" dirty="0">
-              <a:latin typeface="Arial" panose="020B0604020202020204" pitchFamily="34" charset="0"/>
-              <a:cs typeface="Arial" panose="020B0604020202020204" pitchFamily="34" charset="0"/>
-            </a:endParaRPr>
-          </a:p>
-        </p:txBody>
-      </p:sp>
     </p:spTree>
     <p:extLst>
       <p:ext uri="{BB962C8B-B14F-4D97-AF65-F5344CB8AC3E}">
-        <p14:creationId xmlns:p14="http://schemas.microsoft.com/office/powerpoint/2010/main" val="463082530"/>
+        <p14:creationId xmlns:p14="http://schemas.microsoft.com/office/powerpoint/2010/main" val="1964443063"/>
       </p:ext>
     </p:extLst>
   </p:cSld>
@@ -8281,7 +8199,7 @@
         <p:spPr>
           <a:xfrm>
             <a:off x="389284" y="3012744"/>
-            <a:ext cx="2223770" cy="1013419"/>
+            <a:ext cx="2223770" cy="851836"/>
           </a:xfrm>
           <a:prstGeom prst="rect">
             <a:avLst/>
@@ -8734,116 +8652,6 @@
                 <a:cs typeface="Arial" panose="020B0604020202020204" pitchFamily="34" charset="0"/>
               </a:rPr>
               <a:t>.</a:t>
-            </a:r>
-            <a:r>
-              <a:rPr sz="1000" spc="-114" dirty="0">
-                <a:solidFill>
-                  <a:srgbClr val="2C3E50"/>
-                </a:solidFill>
-                <a:latin typeface="Arial" panose="020B0604020202020204" pitchFamily="34" charset="0"/>
-                <a:cs typeface="Arial" panose="020B0604020202020204" pitchFamily="34" charset="0"/>
-              </a:rPr>
-              <a:t> </a:t>
-            </a:r>
-            <a:r>
-              <a:rPr sz="1000" spc="-5" dirty="0" err="1">
-                <a:solidFill>
-                  <a:srgbClr val="2C3E50"/>
-                </a:solidFill>
-                <a:latin typeface="Arial" panose="020B0604020202020204" pitchFamily="34" charset="0"/>
-                <a:cs typeface="Arial" panose="020B0604020202020204" pitchFamily="34" charset="0"/>
-              </a:rPr>
-              <a:t>Ekibin</a:t>
-            </a:r>
-            <a:r>
-              <a:rPr sz="1000" spc="-5" dirty="0">
-                <a:solidFill>
-                  <a:srgbClr val="2C3E50"/>
-                </a:solidFill>
-                <a:latin typeface="Arial" panose="020B0604020202020204" pitchFamily="34" charset="0"/>
-                <a:cs typeface="Arial" panose="020B0604020202020204" pitchFamily="34" charset="0"/>
-              </a:rPr>
-              <a:t>  </a:t>
-            </a:r>
-            <a:r>
-              <a:rPr sz="1000" spc="5" dirty="0" err="1">
-                <a:solidFill>
-                  <a:srgbClr val="2C3E50"/>
-                </a:solidFill>
-                <a:latin typeface="Arial" panose="020B0604020202020204" pitchFamily="34" charset="0"/>
-                <a:cs typeface="Arial" panose="020B0604020202020204" pitchFamily="34" charset="0"/>
-              </a:rPr>
-              <a:t>liderlik</a:t>
-            </a:r>
-            <a:r>
-              <a:rPr sz="1000" spc="-114" dirty="0">
-                <a:solidFill>
-                  <a:srgbClr val="2C3E50"/>
-                </a:solidFill>
-                <a:latin typeface="Arial" panose="020B0604020202020204" pitchFamily="34" charset="0"/>
-                <a:cs typeface="Arial" panose="020B0604020202020204" pitchFamily="34" charset="0"/>
-              </a:rPr>
-              <a:t> </a:t>
-            </a:r>
-            <a:r>
-              <a:rPr sz="1000" spc="-15" dirty="0" err="1">
-                <a:solidFill>
-                  <a:srgbClr val="2C3E50"/>
-                </a:solidFill>
-                <a:latin typeface="Arial" panose="020B0604020202020204" pitchFamily="34" charset="0"/>
-                <a:cs typeface="Arial" panose="020B0604020202020204" pitchFamily="34" charset="0"/>
-              </a:rPr>
-              <a:t>görevini</a:t>
-            </a:r>
-            <a:r>
-              <a:rPr sz="1000" spc="-114" dirty="0">
-                <a:solidFill>
-                  <a:srgbClr val="2C3E50"/>
-                </a:solidFill>
-                <a:latin typeface="Arial" panose="020B0604020202020204" pitchFamily="34" charset="0"/>
-                <a:cs typeface="Arial" panose="020B0604020202020204" pitchFamily="34" charset="0"/>
-              </a:rPr>
-              <a:t> </a:t>
-            </a:r>
-            <a:r>
-              <a:rPr sz="1000" spc="-10" dirty="0" err="1">
-                <a:solidFill>
-                  <a:srgbClr val="2C3E50"/>
-                </a:solidFill>
-                <a:latin typeface="Arial" panose="020B0604020202020204" pitchFamily="34" charset="0"/>
-                <a:cs typeface="Arial" panose="020B0604020202020204" pitchFamily="34" charset="0"/>
-              </a:rPr>
-              <a:t>üstlenmi</a:t>
-            </a:r>
-            <a:r>
-              <a:rPr sz="1000" spc="-105" dirty="0" err="1">
-                <a:solidFill>
-                  <a:srgbClr val="2C3E50"/>
-                </a:solidFill>
-                <a:latin typeface="Arial" panose="020B0604020202020204" pitchFamily="34" charset="0"/>
-                <a:cs typeface="Arial" panose="020B0604020202020204" pitchFamily="34" charset="0"/>
-              </a:rPr>
-              <a:t>ş</a:t>
-            </a:r>
-            <a:r>
-              <a:rPr sz="1000" spc="-155" dirty="0">
-                <a:solidFill>
-                  <a:srgbClr val="2C3E50"/>
-                </a:solidFill>
-                <a:latin typeface="Arial" panose="020B0604020202020204" pitchFamily="34" charset="0"/>
-                <a:cs typeface="Arial" panose="020B0604020202020204" pitchFamily="34" charset="0"/>
-              </a:rPr>
-              <a:t> </a:t>
-            </a:r>
-            <a:r>
-              <a:rPr lang="tr-TR" sz="1000" spc="-35" dirty="0">
-                <a:solidFill>
-                  <a:srgbClr val="2C3E50"/>
-                </a:solidFill>
-                <a:latin typeface="Arial" panose="020B0604020202020204" pitchFamily="34" charset="0"/>
-                <a:cs typeface="Arial" panose="020B0604020202020204" pitchFamily="34" charset="0"/>
-              </a:rPr>
-              <a:t>tir. </a:t>
             </a:r>
             <a:endParaRPr sz="1000" dirty="0">
               <a:latin typeface="Arial" panose="020B0604020202020204" pitchFamily="34" charset="0"/>
@@ -13541,14 +13349,14 @@
           <a:lstStyle/>
           <a:p>
             <a:r>
-              <a:rPr lang="tr-TR" sz="1700" b="1">
+              <a:rPr lang="tr-TR" sz="1700" b="1" dirty="0">
                 <a:solidFill>
                   <a:schemeClr val="bg1"/>
                 </a:solidFill>
                 <a:latin typeface="Verdana" panose="020B0604030504040204" pitchFamily="34" charset="0"/>
                 <a:ea typeface="Verdana" panose="020B0604030504040204" pitchFamily="34" charset="0"/>
               </a:rPr>
-              <a:t>5</a:t>
+              <a:t>6</a:t>
             </a:r>
           </a:p>
         </p:txBody>
@@ -14518,14 +14326,14 @@
           <a:lstStyle/>
           <a:p>
             <a:r>
-              <a:rPr lang="tr-TR" sz="1700" b="1">
+              <a:rPr lang="tr-TR" sz="1700" b="1" dirty="0">
                 <a:solidFill>
                   <a:schemeClr val="bg1"/>
                 </a:solidFill>
                 <a:latin typeface="Verdana" panose="020B0604030504040204" pitchFamily="34" charset="0"/>
                 <a:ea typeface="Verdana" panose="020B0604030504040204" pitchFamily="34" charset="0"/>
               </a:rPr>
-              <a:t>6</a:t>
+              <a:t>7</a:t>
             </a:r>
           </a:p>
         </p:txBody>
@@ -14572,8 +14380,8 @@
         </p:nvSpPr>
         <p:spPr>
           <a:xfrm>
-            <a:off x="2755900" y="476250"/>
-            <a:ext cx="4419600" cy="382156"/>
+            <a:off x="2755900" y="247650"/>
+            <a:ext cx="4419600" cy="751488"/>
           </a:xfrm>
           <a:prstGeom prst="rect">
             <a:avLst/>
@@ -14601,7 +14409,7 @@
                 <a:latin typeface="Verdana"/>
                 <a:cs typeface="Verdana"/>
               </a:rPr>
-              <a:t>PROJE İŞ AKIŞI</a:t>
+              <a:t>HANGİ YÖNTEMLE ÇÖZÜM GELİŞTİRİLDİ</a:t>
             </a:r>
             <a:endParaRPr sz="2400" dirty="0">
               <a:solidFill>
@@ -14624,10 +14432,6 @@
           </p:nvPr>
         </p:nvSpPr>
         <p:spPr>
-          <a:xfrm>
-            <a:off x="9385300" y="5253152"/>
-            <a:ext cx="326313" cy="285976"/>
-          </a:xfrm>
           <a:prstGeom prst="rect">
             <a:avLst/>
           </a:prstGeom>
@@ -14656,10 +14460,10 @@
       </p:sp>
       <p:pic>
         <p:nvPicPr>
-          <p:cNvPr id="4" name="Resim 3" descr="logo içeren bir resim&#10;&#10;Açıklama otomatik olarak oluşturuldu">
+          <p:cNvPr id="12" name="Resim 11" descr="logo içeren bir resim&#10;&#10;Açıklama otomatik olarak oluşturuldu">
             <a:extLst>
               <a:ext uri="{FF2B5EF4-FFF2-40B4-BE49-F238E27FC236}">
-                <a16:creationId xmlns:a16="http://schemas.microsoft.com/office/drawing/2014/main" id="{600F71AB-0BB6-3A04-C5AC-317926315E07}"/>
+                <a16:creationId xmlns:a16="http://schemas.microsoft.com/office/drawing/2014/main" id="{EA4DEAD5-5F83-301C-8632-C863FFCA8BEB}"/>
               </a:ext>
             </a:extLst>
           </p:cNvPr>
@@ -14695,7 +14499,7 @@
           <p:cNvPr id="5" name="Resim 4">
             <a:extLst>
               <a:ext uri="{FF2B5EF4-FFF2-40B4-BE49-F238E27FC236}">
-                <a16:creationId xmlns:a16="http://schemas.microsoft.com/office/drawing/2014/main" id="{F80FFF92-3307-8C32-E3B1-21CFC98FB323}"/>
+                <a16:creationId xmlns:a16="http://schemas.microsoft.com/office/drawing/2014/main" id="{95A21609-DE1B-F94C-4A25-28D6AD7F733A}"/>
               </a:ext>
             </a:extLst>
           </p:cNvPr>
@@ -14712,18 +14516,104 @@
         </p:blipFill>
         <p:spPr>
           <a:xfrm>
-            <a:off x="899756" y="1390321"/>
-            <a:ext cx="8284287" cy="4005819"/>
+            <a:off x="1409094" y="2587388"/>
+            <a:ext cx="7113211" cy="2652225"/>
           </a:xfrm>
           <a:prstGeom prst="rect">
             <a:avLst/>
           </a:prstGeom>
         </p:spPr>
       </p:pic>
+      <p:sp>
+        <p:nvSpPr>
+          <p:cNvPr id="6" name="Metin kutusu 5">
+            <a:extLst>
+              <a:ext uri="{FF2B5EF4-FFF2-40B4-BE49-F238E27FC236}">
+                <a16:creationId xmlns:a16="http://schemas.microsoft.com/office/drawing/2014/main" id="{BF667AD8-3A05-D462-95D5-F876F34C40A2}"/>
+              </a:ext>
+            </a:extLst>
+          </p:cNvPr>
+          <p:cNvSpPr txBox="1"/>
+          <p:nvPr/>
+        </p:nvSpPr>
+        <p:spPr>
+          <a:xfrm>
+            <a:off x="626803" y="1664058"/>
+            <a:ext cx="9004300" cy="923330"/>
+          </a:xfrm>
+          <a:prstGeom prst="rect">
+            <a:avLst/>
+          </a:prstGeom>
+          <a:noFill/>
+        </p:spPr>
+        <p:txBody>
+          <a:bodyPr wrap="square" rtlCol="0">
+            <a:spAutoFit/>
+          </a:bodyPr>
+          <a:lstStyle/>
+          <a:p>
+            <a:r>
+              <a:rPr lang="tr-TR" dirty="0">
+                <a:latin typeface="Arial" panose="020B0604020202020204" pitchFamily="34" charset="0"/>
+                <a:cs typeface="Arial" panose="020B0604020202020204" pitchFamily="34" charset="0"/>
+              </a:rPr>
+              <a:t>Türkçe veriler ile önceden eğitilmiş ‘</a:t>
+            </a:r>
+            <a:r>
+              <a:rPr lang="tr-TR" dirty="0" err="1">
+                <a:latin typeface="Arial" panose="020B0604020202020204" pitchFamily="34" charset="0"/>
+                <a:cs typeface="Arial" panose="020B0604020202020204" pitchFamily="34" charset="0"/>
+              </a:rPr>
+              <a:t>dbmdz</a:t>
+            </a:r>
+            <a:r>
+              <a:rPr lang="tr-TR" dirty="0">
+                <a:latin typeface="Arial" panose="020B0604020202020204" pitchFamily="34" charset="0"/>
+                <a:cs typeface="Arial" panose="020B0604020202020204" pitchFamily="34" charset="0"/>
+              </a:rPr>
+              <a:t>/bert-</a:t>
+            </a:r>
+            <a:r>
+              <a:rPr lang="tr-TR" dirty="0" err="1">
+                <a:latin typeface="Arial" panose="020B0604020202020204" pitchFamily="34" charset="0"/>
+                <a:cs typeface="Arial" panose="020B0604020202020204" pitchFamily="34" charset="0"/>
+              </a:rPr>
+              <a:t>base</a:t>
+            </a:r>
+            <a:r>
+              <a:rPr lang="tr-TR" dirty="0">
+                <a:latin typeface="Arial" panose="020B0604020202020204" pitchFamily="34" charset="0"/>
+                <a:cs typeface="Arial" panose="020B0604020202020204" pitchFamily="34" charset="0"/>
+              </a:rPr>
+              <a:t>-</a:t>
+            </a:r>
+            <a:r>
+              <a:rPr lang="tr-TR" dirty="0" err="1">
+                <a:latin typeface="Arial" panose="020B0604020202020204" pitchFamily="34" charset="0"/>
+                <a:cs typeface="Arial" panose="020B0604020202020204" pitchFamily="34" charset="0"/>
+              </a:rPr>
+              <a:t>turkish-uncased</a:t>
+            </a:r>
+            <a:r>
+              <a:rPr lang="tr-TR" dirty="0">
+                <a:latin typeface="Arial" panose="020B0604020202020204" pitchFamily="34" charset="0"/>
+                <a:cs typeface="Arial" panose="020B0604020202020204" pitchFamily="34" charset="0"/>
+              </a:rPr>
+              <a:t>’ modelini kendi veri setimiz üzerinde kullandık. </a:t>
+            </a:r>
+          </a:p>
+          <a:p>
+            <a:endParaRPr lang="tr-TR" dirty="0">
+              <a:latin typeface="Arial" panose="020B0604020202020204" pitchFamily="34" charset="0"/>
+              <a:cs typeface="Arial" panose="020B0604020202020204" pitchFamily="34" charset="0"/>
+            </a:endParaRPr>
+          </a:p>
+        </p:txBody>
+      </p:sp>
     </p:spTree>
     <p:extLst>
       <p:ext uri="{BB962C8B-B14F-4D97-AF65-F5344CB8AC3E}">
-        <p14:creationId xmlns:p14="http://schemas.microsoft.com/office/powerpoint/2010/main" val="1964443063"/>
+        <p14:creationId xmlns:p14="http://schemas.microsoft.com/office/powerpoint/2010/main" val="463082530"/>
       </p:ext>
     </p:extLst>
   </p:cSld>
